--- a/기획/2019스크립트언어 ㅌㅌ팀 기획발표.pptx
+++ b/기획/2019스크립트언어 ㅌㅌ팀 기획발표.pptx
@@ -8,10 +8,14 @@
     <p:sldId id="256" r:id="rId2"/>
     <p:sldId id="264" r:id="rId3"/>
     <p:sldId id="265" r:id="rId4"/>
-    <p:sldId id="266" r:id="rId5"/>
-    <p:sldId id="267" r:id="rId6"/>
-    <p:sldId id="269" r:id="rId7"/>
-    <p:sldId id="268" r:id="rId8"/>
+    <p:sldId id="273" r:id="rId5"/>
+    <p:sldId id="272" r:id="rId6"/>
+    <p:sldId id="266" r:id="rId7"/>
+    <p:sldId id="267" r:id="rId8"/>
+    <p:sldId id="270" r:id="rId9"/>
+    <p:sldId id="271" r:id="rId10"/>
+    <p:sldId id="269" r:id="rId11"/>
+    <p:sldId id="268" r:id="rId12"/>
   </p:sldIdLst>
   <p:sldSz cx="12192000" cy="6858000"/>
   <p:notesSz cx="6858000" cy="9144000"/>
@@ -1157,46 +1161,6 @@
         </a:p>
       </dgm:t>
     </dgm:pt>
-    <dgm:pt modelId="{383E6F00-7A99-4C44-8A49-2F45536AB212}">
-      <dgm:prSet phldrT="[텍스트]"/>
-      <dgm:spPr/>
-      <dgm:t>
-        <a:bodyPr/>
-        <a:lstStyle/>
-        <a:p>
-          <a:pPr latinLnBrk="1"/>
-          <a:r>
-            <a:rPr lang="ko-KR" altLang="en-US" dirty="0"/>
-            <a:t>상세정보</a:t>
-          </a:r>
-          <a:endParaRPr lang="en-US" altLang="ko-KR" dirty="0"/>
-        </a:p>
-      </dgm:t>
-    </dgm:pt>
-    <dgm:pt modelId="{B6FE510D-B12A-483F-9B48-A513660691F0}" type="parTrans" cxnId="{85EB9478-BE30-47F6-9ED3-D721B700C463}">
-      <dgm:prSet/>
-      <dgm:spPr/>
-      <dgm:t>
-        <a:bodyPr/>
-        <a:lstStyle/>
-        <a:p>
-          <a:pPr latinLnBrk="1"/>
-          <a:endParaRPr lang="ko-KR" altLang="en-US"/>
-        </a:p>
-      </dgm:t>
-    </dgm:pt>
-    <dgm:pt modelId="{6FFEC5CB-641C-4AD1-A630-4EF313865247}" type="sibTrans" cxnId="{85EB9478-BE30-47F6-9ED3-D721B700C463}">
-      <dgm:prSet/>
-      <dgm:spPr/>
-      <dgm:t>
-        <a:bodyPr/>
-        <a:lstStyle/>
-        <a:p>
-          <a:pPr latinLnBrk="1"/>
-          <a:endParaRPr lang="ko-KR" altLang="en-US"/>
-        </a:p>
-      </dgm:t>
-    </dgm:pt>
     <dgm:pt modelId="{C0A8104C-C97F-42B9-9D72-BA7D9BB32F4D}" type="asst">
       <dgm:prSet phldrT="[텍스트]"/>
       <dgm:spPr/>
@@ -1315,45 +1279,6 @@
         </a:p>
       </dgm:t>
     </dgm:pt>
-    <dgm:pt modelId="{9519A50C-EEA2-480B-A51D-E8AF129F9033}" type="asst">
-      <dgm:prSet phldrT="[텍스트]"/>
-      <dgm:spPr/>
-      <dgm:t>
-        <a:bodyPr/>
-        <a:lstStyle/>
-        <a:p>
-          <a:pPr latinLnBrk="1"/>
-          <a:r>
-            <a:rPr lang="ko-KR" altLang="en-US" dirty="0"/>
-            <a:t>상세정보</a:t>
-          </a:r>
-        </a:p>
-      </dgm:t>
-    </dgm:pt>
-    <dgm:pt modelId="{0D2C9E2C-87E6-4942-86C6-89911778D8FF}" type="parTrans" cxnId="{7D42DD70-7DC6-4212-96A9-506F239ACCFA}">
-      <dgm:prSet/>
-      <dgm:spPr/>
-      <dgm:t>
-        <a:bodyPr/>
-        <a:lstStyle/>
-        <a:p>
-          <a:pPr latinLnBrk="1"/>
-          <a:endParaRPr lang="ko-KR" altLang="en-US"/>
-        </a:p>
-      </dgm:t>
-    </dgm:pt>
-    <dgm:pt modelId="{2FD5F3D2-A029-4FF6-AB5D-CAA58C06C967}" type="sibTrans" cxnId="{7D42DD70-7DC6-4212-96A9-506F239ACCFA}">
-      <dgm:prSet/>
-      <dgm:spPr/>
-      <dgm:t>
-        <a:bodyPr/>
-        <a:lstStyle/>
-        <a:p>
-          <a:pPr latinLnBrk="1"/>
-          <a:endParaRPr lang="ko-KR" altLang="en-US"/>
-        </a:p>
-      </dgm:t>
-    </dgm:pt>
     <dgm:pt modelId="{855CB01E-6F1A-4B47-BE2E-EB195A3E48AE}" type="pres">
       <dgm:prSet presAssocID="{7D9928E1-DCD2-4516-95F6-2E3147A77FC5}" presName="hierChild1" presStyleCnt="0">
         <dgm:presLayoutVars>
@@ -1396,7 +1321,7 @@
       <dgm:spPr/>
     </dgm:pt>
     <dgm:pt modelId="{F9B22B89-5032-43D5-834A-E74DEF46C50A}" type="pres">
-      <dgm:prSet presAssocID="{ED2E0D8B-ED04-48D1-A9DD-16A9993E5A5D}" presName="Name64" presStyleLbl="parChTrans1D2" presStyleIdx="0" presStyleCnt="10"/>
+      <dgm:prSet presAssocID="{ED2E0D8B-ED04-48D1-A9DD-16A9993E5A5D}" presName="Name64" presStyleLbl="parChTrans1D2" presStyleIdx="0" presStyleCnt="8"/>
       <dgm:spPr/>
     </dgm:pt>
     <dgm:pt modelId="{3D1AD426-3E7F-4A82-99EA-16C260527EF5}" type="pres">
@@ -1412,7 +1337,7 @@
       <dgm:spPr/>
     </dgm:pt>
     <dgm:pt modelId="{5A93B647-E89C-43E7-AA36-77BE1A4B22D6}" type="pres">
-      <dgm:prSet presAssocID="{AF9B87D1-7366-44AD-9666-1D0780D6614B}" presName="rootText" presStyleLbl="node2" presStyleIdx="0" presStyleCnt="5">
+      <dgm:prSet presAssocID="{AF9B87D1-7366-44AD-9666-1D0780D6614B}" presName="rootText" presStyleLbl="node2" presStyleIdx="0" presStyleCnt="4">
         <dgm:presLayoutVars>
           <dgm:chPref val="3"/>
         </dgm:presLayoutVars>
@@ -1420,7 +1345,7 @@
       <dgm:spPr/>
     </dgm:pt>
     <dgm:pt modelId="{410489AF-4600-46E3-B04A-2164303B86A2}" type="pres">
-      <dgm:prSet presAssocID="{AF9B87D1-7366-44AD-9666-1D0780D6614B}" presName="rootConnector" presStyleLbl="node2" presStyleIdx="0" presStyleCnt="5"/>
+      <dgm:prSet presAssocID="{AF9B87D1-7366-44AD-9666-1D0780D6614B}" presName="rootConnector" presStyleLbl="node2" presStyleIdx="0" presStyleCnt="4"/>
       <dgm:spPr/>
     </dgm:pt>
     <dgm:pt modelId="{88CED083-E827-488A-8192-7BD404081B85}" type="pres">
@@ -1432,7 +1357,7 @@
       <dgm:spPr/>
     </dgm:pt>
     <dgm:pt modelId="{14856043-C34E-4AD9-8ECF-B203CD805370}" type="pres">
-      <dgm:prSet presAssocID="{9566BAA1-7605-4767-B4DB-FAFB83844D9D}" presName="Name64" presStyleLbl="parChTrans1D2" presStyleIdx="1" presStyleCnt="10"/>
+      <dgm:prSet presAssocID="{9566BAA1-7605-4767-B4DB-FAFB83844D9D}" presName="Name64" presStyleLbl="parChTrans1D2" presStyleIdx="1" presStyleCnt="8"/>
       <dgm:spPr/>
     </dgm:pt>
     <dgm:pt modelId="{5DF94B30-E241-4E56-9957-466C648D250F}" type="pres">
@@ -1448,7 +1373,7 @@
       <dgm:spPr/>
     </dgm:pt>
     <dgm:pt modelId="{0FB0CCA2-DB3F-4111-A1B7-ABCBDF8B3879}" type="pres">
-      <dgm:prSet presAssocID="{5C58C08A-8240-49DF-A779-B9C0A95C7404}" presName="rootText" presStyleLbl="node2" presStyleIdx="1" presStyleCnt="5">
+      <dgm:prSet presAssocID="{5C58C08A-8240-49DF-A779-B9C0A95C7404}" presName="rootText" presStyleLbl="node2" presStyleIdx="1" presStyleCnt="4">
         <dgm:presLayoutVars>
           <dgm:chPref val="3"/>
         </dgm:presLayoutVars>
@@ -1456,7 +1381,7 @@
       <dgm:spPr/>
     </dgm:pt>
     <dgm:pt modelId="{AE0FCB7C-A513-4263-A404-D7ACAD0758F5}" type="pres">
-      <dgm:prSet presAssocID="{5C58C08A-8240-49DF-A779-B9C0A95C7404}" presName="rootConnector" presStyleLbl="node2" presStyleIdx="1" presStyleCnt="5"/>
+      <dgm:prSet presAssocID="{5C58C08A-8240-49DF-A779-B9C0A95C7404}" presName="rootConnector" presStyleLbl="node2" presStyleIdx="1" presStyleCnt="4"/>
       <dgm:spPr/>
     </dgm:pt>
     <dgm:pt modelId="{C80F07A8-9804-4588-A21A-7549321372E0}" type="pres">
@@ -1468,7 +1393,7 @@
       <dgm:spPr/>
     </dgm:pt>
     <dgm:pt modelId="{CD71B45D-47BE-439B-AB08-695DAEC5C9E9}" type="pres">
-      <dgm:prSet presAssocID="{C2BF3E44-CFA7-4D5E-9E57-FF6229574F8D}" presName="Name64" presStyleLbl="parChTrans1D2" presStyleIdx="2" presStyleCnt="10"/>
+      <dgm:prSet presAssocID="{C2BF3E44-CFA7-4D5E-9E57-FF6229574F8D}" presName="Name64" presStyleLbl="parChTrans1D2" presStyleIdx="2" presStyleCnt="8"/>
       <dgm:spPr/>
     </dgm:pt>
     <dgm:pt modelId="{0151BAFB-27AE-45D8-AC13-C1EDDF1A1296}" type="pres">
@@ -1484,7 +1409,7 @@
       <dgm:spPr/>
     </dgm:pt>
     <dgm:pt modelId="{117E2E56-0ABC-4301-8D5A-46F9F8C2A69F}" type="pres">
-      <dgm:prSet presAssocID="{88049141-93B1-4767-A9D8-FFB2E8C8EFC1}" presName="rootText" presStyleLbl="node2" presStyleIdx="2" presStyleCnt="5">
+      <dgm:prSet presAssocID="{88049141-93B1-4767-A9D8-FFB2E8C8EFC1}" presName="rootText" presStyleLbl="node2" presStyleIdx="2" presStyleCnt="4">
         <dgm:presLayoutVars>
           <dgm:chPref val="3"/>
         </dgm:presLayoutVars>
@@ -1492,7 +1417,7 @@
       <dgm:spPr/>
     </dgm:pt>
     <dgm:pt modelId="{436435A6-0425-413A-8028-7EB92EB1EE37}" type="pres">
-      <dgm:prSet presAssocID="{88049141-93B1-4767-A9D8-FFB2E8C8EFC1}" presName="rootConnector" presStyleLbl="node2" presStyleIdx="2" presStyleCnt="5"/>
+      <dgm:prSet presAssocID="{88049141-93B1-4767-A9D8-FFB2E8C8EFC1}" presName="rootConnector" presStyleLbl="node2" presStyleIdx="2" presStyleCnt="4"/>
       <dgm:spPr/>
     </dgm:pt>
     <dgm:pt modelId="{605CE21A-8032-445D-A305-09B0810F145B}" type="pres">
@@ -1504,7 +1429,7 @@
       <dgm:spPr/>
     </dgm:pt>
     <dgm:pt modelId="{2025D574-D31D-4F53-AB6E-7044F74DE627}" type="pres">
-      <dgm:prSet presAssocID="{C2630090-E4AA-4CA4-A37D-8AEC51D4688A}" presName="Name64" presStyleLbl="parChTrans1D2" presStyleIdx="3" presStyleCnt="10"/>
+      <dgm:prSet presAssocID="{C2630090-E4AA-4CA4-A37D-8AEC51D4688A}" presName="Name64" presStyleLbl="parChTrans1D2" presStyleIdx="3" presStyleCnt="8"/>
       <dgm:spPr/>
     </dgm:pt>
     <dgm:pt modelId="{E16E620C-5F80-4BB6-B04E-EEAEC9B1005B}" type="pres">
@@ -1520,7 +1445,7 @@
       <dgm:spPr/>
     </dgm:pt>
     <dgm:pt modelId="{1FB77869-82CF-42A4-B939-9940F1560517}" type="pres">
-      <dgm:prSet presAssocID="{9D2AE0CF-D048-4EE2-B4AC-7124C8CAC73E}" presName="rootText" presStyleLbl="node2" presStyleIdx="3" presStyleCnt="5">
+      <dgm:prSet presAssocID="{9D2AE0CF-D048-4EE2-B4AC-7124C8CAC73E}" presName="rootText" presStyleLbl="node2" presStyleIdx="3" presStyleCnt="4">
         <dgm:presLayoutVars>
           <dgm:chPref val="3"/>
         </dgm:presLayoutVars>
@@ -1528,7 +1453,7 @@
       <dgm:spPr/>
     </dgm:pt>
     <dgm:pt modelId="{78DB0876-7C1C-447C-920A-BCD6AD28C1D5}" type="pres">
-      <dgm:prSet presAssocID="{9D2AE0CF-D048-4EE2-B4AC-7124C8CAC73E}" presName="rootConnector" presStyleLbl="node2" presStyleIdx="3" presStyleCnt="5"/>
+      <dgm:prSet presAssocID="{9D2AE0CF-D048-4EE2-B4AC-7124C8CAC73E}" presName="rootConnector" presStyleLbl="node2" presStyleIdx="3" presStyleCnt="4"/>
       <dgm:spPr/>
     </dgm:pt>
     <dgm:pt modelId="{2E8999EE-A532-437D-AB89-0CA00300F896}" type="pres">
@@ -1537,42 +1462,6 @@
     </dgm:pt>
     <dgm:pt modelId="{0C29D185-6CE8-48C4-8C11-093677FAAA4B}" type="pres">
       <dgm:prSet presAssocID="{9D2AE0CF-D048-4EE2-B4AC-7124C8CAC73E}" presName="hierChild5" presStyleCnt="0"/>
-      <dgm:spPr/>
-    </dgm:pt>
-    <dgm:pt modelId="{C815858E-A209-4C78-B481-8EDEC5721302}" type="pres">
-      <dgm:prSet presAssocID="{B6FE510D-B12A-483F-9B48-A513660691F0}" presName="Name64" presStyleLbl="parChTrans1D2" presStyleIdx="4" presStyleCnt="10"/>
-      <dgm:spPr/>
-    </dgm:pt>
-    <dgm:pt modelId="{A10D7FC3-1F16-4D2C-945A-D4E96E296238}" type="pres">
-      <dgm:prSet presAssocID="{383E6F00-7A99-4C44-8A49-2F45536AB212}" presName="hierRoot2" presStyleCnt="0">
-        <dgm:presLayoutVars>
-          <dgm:hierBranch val="init"/>
-        </dgm:presLayoutVars>
-      </dgm:prSet>
-      <dgm:spPr/>
-    </dgm:pt>
-    <dgm:pt modelId="{8B297936-1F51-4C1D-A214-59777A028AB0}" type="pres">
-      <dgm:prSet presAssocID="{383E6F00-7A99-4C44-8A49-2F45536AB212}" presName="rootComposite" presStyleCnt="0"/>
-      <dgm:spPr/>
-    </dgm:pt>
-    <dgm:pt modelId="{83D03E32-7D0B-46BA-936F-553E29487563}" type="pres">
-      <dgm:prSet presAssocID="{383E6F00-7A99-4C44-8A49-2F45536AB212}" presName="rootText" presStyleLbl="node2" presStyleIdx="4" presStyleCnt="5">
-        <dgm:presLayoutVars>
-          <dgm:chPref val="3"/>
-        </dgm:presLayoutVars>
-      </dgm:prSet>
-      <dgm:spPr/>
-    </dgm:pt>
-    <dgm:pt modelId="{1818D71D-66DF-43D5-AA80-085D56CCD558}" type="pres">
-      <dgm:prSet presAssocID="{383E6F00-7A99-4C44-8A49-2F45536AB212}" presName="rootConnector" presStyleLbl="node2" presStyleIdx="4" presStyleCnt="5"/>
-      <dgm:spPr/>
-    </dgm:pt>
-    <dgm:pt modelId="{43AF02A5-0A34-4362-BEAC-DBAFB4C237FF}" type="pres">
-      <dgm:prSet presAssocID="{383E6F00-7A99-4C44-8A49-2F45536AB212}" presName="hierChild4" presStyleCnt="0"/>
-      <dgm:spPr/>
-    </dgm:pt>
-    <dgm:pt modelId="{C6560E8B-4DBF-489A-8AAC-C675D4545CB8}" type="pres">
-      <dgm:prSet presAssocID="{383E6F00-7A99-4C44-8A49-2F45536AB212}" presName="hierChild5" presStyleCnt="0"/>
       <dgm:spPr/>
     </dgm:pt>
     <dgm:pt modelId="{21806020-10C3-4115-9528-F19E6B850EA1}" type="pres">
@@ -1612,7 +1501,7 @@
       <dgm:spPr/>
     </dgm:pt>
     <dgm:pt modelId="{D0394DFF-287A-4C24-969C-7B3608AB3F24}" type="pres">
-      <dgm:prSet presAssocID="{B862477A-29D1-4987-9E44-576EAEE79F30}" presName="Name115" presStyleLbl="parChTrans1D2" presStyleIdx="5" presStyleCnt="10"/>
+      <dgm:prSet presAssocID="{B862477A-29D1-4987-9E44-576EAEE79F30}" presName="Name115" presStyleLbl="parChTrans1D2" presStyleIdx="4" presStyleCnt="8"/>
       <dgm:spPr/>
     </dgm:pt>
     <dgm:pt modelId="{B1BDCE9F-3487-4138-9383-1AF194A7F4D0}" type="pres">
@@ -1628,7 +1517,7 @@
       <dgm:spPr/>
     </dgm:pt>
     <dgm:pt modelId="{2CB80928-C0E8-4F23-906B-0C76A51437B5}" type="pres">
-      <dgm:prSet presAssocID="{956934A1-7ACF-4F8C-AFAF-8D2504FC4524}" presName="rootText3" presStyleLbl="asst1" presStyleIdx="0" presStyleCnt="5">
+      <dgm:prSet presAssocID="{956934A1-7ACF-4F8C-AFAF-8D2504FC4524}" presName="rootText3" presStyleLbl="asst1" presStyleIdx="0" presStyleCnt="4">
         <dgm:presLayoutVars>
           <dgm:chPref val="3"/>
         </dgm:presLayoutVars>
@@ -1636,7 +1525,7 @@
       <dgm:spPr/>
     </dgm:pt>
     <dgm:pt modelId="{6486FDFC-2113-4CF4-97CE-D44479374376}" type="pres">
-      <dgm:prSet presAssocID="{956934A1-7ACF-4F8C-AFAF-8D2504FC4524}" presName="rootConnector3" presStyleLbl="asst1" presStyleIdx="0" presStyleCnt="5"/>
+      <dgm:prSet presAssocID="{956934A1-7ACF-4F8C-AFAF-8D2504FC4524}" presName="rootConnector3" presStyleLbl="asst1" presStyleIdx="0" presStyleCnt="4"/>
       <dgm:spPr/>
     </dgm:pt>
     <dgm:pt modelId="{6C8B3394-D94E-4381-87DA-B96A18A6F80E}" type="pres">
@@ -1648,7 +1537,7 @@
       <dgm:spPr/>
     </dgm:pt>
     <dgm:pt modelId="{6A42AEAF-555F-426F-8C30-8BABCF03FF4E}" type="pres">
-      <dgm:prSet presAssocID="{8072941D-E255-4FBF-9798-65193793E312}" presName="Name115" presStyleLbl="parChTrans1D2" presStyleIdx="6" presStyleCnt="10"/>
+      <dgm:prSet presAssocID="{8072941D-E255-4FBF-9798-65193793E312}" presName="Name115" presStyleLbl="parChTrans1D2" presStyleIdx="5" presStyleCnt="8"/>
       <dgm:spPr/>
     </dgm:pt>
     <dgm:pt modelId="{11891811-5B8E-4D70-A81F-32059C64E184}" type="pres">
@@ -1664,7 +1553,7 @@
       <dgm:spPr/>
     </dgm:pt>
     <dgm:pt modelId="{007F34D5-20F6-498D-A18A-384CDEB29437}" type="pres">
-      <dgm:prSet presAssocID="{C0A8104C-C97F-42B9-9D72-BA7D9BB32F4D}" presName="rootText3" presStyleLbl="asst1" presStyleIdx="1" presStyleCnt="5">
+      <dgm:prSet presAssocID="{C0A8104C-C97F-42B9-9D72-BA7D9BB32F4D}" presName="rootText3" presStyleLbl="asst1" presStyleIdx="1" presStyleCnt="4">
         <dgm:presLayoutVars>
           <dgm:chPref val="3"/>
         </dgm:presLayoutVars>
@@ -1672,7 +1561,7 @@
       <dgm:spPr/>
     </dgm:pt>
     <dgm:pt modelId="{DA880AC9-613B-4CF1-BB63-668F650D99A2}" type="pres">
-      <dgm:prSet presAssocID="{C0A8104C-C97F-42B9-9D72-BA7D9BB32F4D}" presName="rootConnector3" presStyleLbl="asst1" presStyleIdx="1" presStyleCnt="5"/>
+      <dgm:prSet presAssocID="{C0A8104C-C97F-42B9-9D72-BA7D9BB32F4D}" presName="rootConnector3" presStyleLbl="asst1" presStyleIdx="1" presStyleCnt="4"/>
       <dgm:spPr/>
     </dgm:pt>
     <dgm:pt modelId="{8D1703E1-186B-4447-9126-587CFDDEF9AD}" type="pres">
@@ -1684,7 +1573,7 @@
       <dgm:spPr/>
     </dgm:pt>
     <dgm:pt modelId="{88BDCE36-E90B-4621-B790-F8830C77BCEB}" type="pres">
-      <dgm:prSet presAssocID="{056FC14E-D475-400F-B4F8-9BEF9A9C2F4F}" presName="Name115" presStyleLbl="parChTrans1D2" presStyleIdx="7" presStyleCnt="10"/>
+      <dgm:prSet presAssocID="{056FC14E-D475-400F-B4F8-9BEF9A9C2F4F}" presName="Name115" presStyleLbl="parChTrans1D2" presStyleIdx="6" presStyleCnt="8"/>
       <dgm:spPr/>
     </dgm:pt>
     <dgm:pt modelId="{D542D3F1-C743-4268-A028-832217AAD0EF}" type="pres">
@@ -1700,7 +1589,7 @@
       <dgm:spPr/>
     </dgm:pt>
     <dgm:pt modelId="{9953ABBD-4095-4C94-8D70-6BE691F5848A}" type="pres">
-      <dgm:prSet presAssocID="{F13E7320-0282-46A2-84A4-503818F92CDD}" presName="rootText3" presStyleLbl="asst1" presStyleIdx="2" presStyleCnt="5">
+      <dgm:prSet presAssocID="{F13E7320-0282-46A2-84A4-503818F92CDD}" presName="rootText3" presStyleLbl="asst1" presStyleIdx="2" presStyleCnt="4">
         <dgm:presLayoutVars>
           <dgm:chPref val="3"/>
         </dgm:presLayoutVars>
@@ -1708,7 +1597,7 @@
       <dgm:spPr/>
     </dgm:pt>
     <dgm:pt modelId="{BBE40DE1-7499-44EA-9D8E-DDE507E683F6}" type="pres">
-      <dgm:prSet presAssocID="{F13E7320-0282-46A2-84A4-503818F92CDD}" presName="rootConnector3" presStyleLbl="asst1" presStyleIdx="2" presStyleCnt="5"/>
+      <dgm:prSet presAssocID="{F13E7320-0282-46A2-84A4-503818F92CDD}" presName="rootConnector3" presStyleLbl="asst1" presStyleIdx="2" presStyleCnt="4"/>
       <dgm:spPr/>
     </dgm:pt>
     <dgm:pt modelId="{48E038F9-3B14-4697-A9B7-E25F1AAEE485}" type="pres">
@@ -1720,7 +1609,7 @@
       <dgm:spPr/>
     </dgm:pt>
     <dgm:pt modelId="{A5035560-9ADC-4A46-B7D0-2B8513C93750}" type="pres">
-      <dgm:prSet presAssocID="{933D2820-FE0C-40B2-B4C8-7CB75D16489A}" presName="Name115" presStyleLbl="parChTrans1D2" presStyleIdx="8" presStyleCnt="10"/>
+      <dgm:prSet presAssocID="{933D2820-FE0C-40B2-B4C8-7CB75D16489A}" presName="Name115" presStyleLbl="parChTrans1D2" presStyleIdx="7" presStyleCnt="8"/>
       <dgm:spPr/>
     </dgm:pt>
     <dgm:pt modelId="{E5BE055A-27B9-40C5-BC52-971805864AA6}" type="pres">
@@ -1736,7 +1625,7 @@
       <dgm:spPr/>
     </dgm:pt>
     <dgm:pt modelId="{E7FE670D-E9F6-42E3-A500-34B8B2D45068}" type="pres">
-      <dgm:prSet presAssocID="{DAA20815-3D90-4C66-BCA8-F0C06434CBB7}" presName="rootText3" presStyleLbl="asst1" presStyleIdx="3" presStyleCnt="5">
+      <dgm:prSet presAssocID="{DAA20815-3D90-4C66-BCA8-F0C06434CBB7}" presName="rootText3" presStyleLbl="asst1" presStyleIdx="3" presStyleCnt="4">
         <dgm:presLayoutVars>
           <dgm:chPref val="3"/>
         </dgm:presLayoutVars>
@@ -1744,7 +1633,7 @@
       <dgm:spPr/>
     </dgm:pt>
     <dgm:pt modelId="{A838B406-5C08-4F27-B765-E7A0C17B099F}" type="pres">
-      <dgm:prSet presAssocID="{DAA20815-3D90-4C66-BCA8-F0C06434CBB7}" presName="rootConnector3" presStyleLbl="asst1" presStyleIdx="3" presStyleCnt="5"/>
+      <dgm:prSet presAssocID="{DAA20815-3D90-4C66-BCA8-F0C06434CBB7}" presName="rootConnector3" presStyleLbl="asst1" presStyleIdx="3" presStyleCnt="4"/>
       <dgm:spPr/>
     </dgm:pt>
     <dgm:pt modelId="{1A34A4E4-4443-45B6-938E-BB275ECB2D69}" type="pres">
@@ -1753,42 +1642,6 @@
     </dgm:pt>
     <dgm:pt modelId="{3CCBFE5D-448F-443F-9E8B-DB802FC6D104}" type="pres">
       <dgm:prSet presAssocID="{DAA20815-3D90-4C66-BCA8-F0C06434CBB7}" presName="hierChild7" presStyleCnt="0"/>
-      <dgm:spPr/>
-    </dgm:pt>
-    <dgm:pt modelId="{CA33C092-3444-43E0-933E-D9862F0600FE}" type="pres">
-      <dgm:prSet presAssocID="{0D2C9E2C-87E6-4942-86C6-89911778D8FF}" presName="Name115" presStyleLbl="parChTrans1D2" presStyleIdx="9" presStyleCnt="10"/>
-      <dgm:spPr/>
-    </dgm:pt>
-    <dgm:pt modelId="{3FD83C68-FE1A-4903-BD12-851011673154}" type="pres">
-      <dgm:prSet presAssocID="{9519A50C-EEA2-480B-A51D-E8AF129F9033}" presName="hierRoot3" presStyleCnt="0">
-        <dgm:presLayoutVars>
-          <dgm:hierBranch val="init"/>
-        </dgm:presLayoutVars>
-      </dgm:prSet>
-      <dgm:spPr/>
-    </dgm:pt>
-    <dgm:pt modelId="{5336A651-6EDD-4E51-9453-7245525E555E}" type="pres">
-      <dgm:prSet presAssocID="{9519A50C-EEA2-480B-A51D-E8AF129F9033}" presName="rootComposite3" presStyleCnt="0"/>
-      <dgm:spPr/>
-    </dgm:pt>
-    <dgm:pt modelId="{E607574B-DA35-4D65-A1D6-F7D576982EFE}" type="pres">
-      <dgm:prSet presAssocID="{9519A50C-EEA2-480B-A51D-E8AF129F9033}" presName="rootText3" presStyleLbl="asst1" presStyleIdx="4" presStyleCnt="5">
-        <dgm:presLayoutVars>
-          <dgm:chPref val="3"/>
-        </dgm:presLayoutVars>
-      </dgm:prSet>
-      <dgm:spPr/>
-    </dgm:pt>
-    <dgm:pt modelId="{9E04EAB2-A8EC-4548-AFF8-B329AF440FF8}" type="pres">
-      <dgm:prSet presAssocID="{9519A50C-EEA2-480B-A51D-E8AF129F9033}" presName="rootConnector3" presStyleLbl="asst1" presStyleIdx="4" presStyleCnt="5"/>
-      <dgm:spPr/>
-    </dgm:pt>
-    <dgm:pt modelId="{EE0B67B0-C281-4A81-81C8-B8BAD545F23D}" type="pres">
-      <dgm:prSet presAssocID="{9519A50C-EEA2-480B-A51D-E8AF129F9033}" presName="hierChild6" presStyleCnt="0"/>
-      <dgm:spPr/>
-    </dgm:pt>
-    <dgm:pt modelId="{E444D1A2-FB47-4747-B604-8CA6F49D8E24}" type="pres">
-      <dgm:prSet presAssocID="{9519A50C-EEA2-480B-A51D-E8AF129F9033}" presName="hierChild7" presStyleCnt="0"/>
       <dgm:spPr/>
     </dgm:pt>
   </dgm:ptLst>
@@ -1806,19 +1659,12 @@
     <dgm:cxn modelId="{8D1EB23C-9C6E-4760-8320-03D4CCBA38FA}" type="presOf" srcId="{B862477A-29D1-4987-9E44-576EAEE79F30}" destId="{D0394DFF-287A-4C24-969C-7B3608AB3F24}" srcOrd="0" destOrd="0" presId="urn:microsoft.com/office/officeart/2009/3/layout/HorizontalOrganizationChart"/>
     <dgm:cxn modelId="{7F897B3E-0E6B-47D5-A318-FFC5FAEAF366}" srcId="{7D9928E1-DCD2-4516-95F6-2E3147A77FC5}" destId="{5D8A65C2-B93F-49A7-A739-DCDD796D6D0A}" srcOrd="0" destOrd="0" parTransId="{20A264F8-B71B-4577-A9E3-218021C47E03}" sibTransId="{6FB10766-03AF-424E-8A83-7F03621CCA54}"/>
     <dgm:cxn modelId="{6EA1AC5D-74B1-45E8-A48F-7D0ED96DD0A1}" type="presOf" srcId="{7D9928E1-DCD2-4516-95F6-2E3147A77FC5}" destId="{855CB01E-6F1A-4B47-BE2E-EB195A3E48AE}" srcOrd="0" destOrd="0" presId="urn:microsoft.com/office/officeart/2009/3/layout/HorizontalOrganizationChart"/>
-    <dgm:cxn modelId="{71CD8360-DE53-4438-9612-84ED212F051B}" type="presOf" srcId="{9519A50C-EEA2-480B-A51D-E8AF129F9033}" destId="{9E04EAB2-A8EC-4548-AFF8-B329AF440FF8}" srcOrd="1" destOrd="0" presId="urn:microsoft.com/office/officeart/2009/3/layout/HorizontalOrganizationChart"/>
     <dgm:cxn modelId="{84FB8D42-1154-4F0B-843E-847703E54175}" type="presOf" srcId="{AF9B87D1-7366-44AD-9666-1D0780D6614B}" destId="{410489AF-4600-46E3-B04A-2164303B86A2}" srcOrd="1" destOrd="0" presId="urn:microsoft.com/office/officeart/2009/3/layout/HorizontalOrganizationChart"/>
     <dgm:cxn modelId="{306A7664-46CD-40E8-831D-72282BC1A0D4}" type="presOf" srcId="{88049141-93B1-4767-A9D8-FFB2E8C8EFC1}" destId="{436435A6-0425-413A-8028-7EB92EB1EE37}" srcOrd="1" destOrd="0" presId="urn:microsoft.com/office/officeart/2009/3/layout/HorizontalOrganizationChart"/>
     <dgm:cxn modelId="{E73A1266-A246-4C18-B9E1-265E5C5C9913}" type="presOf" srcId="{88049141-93B1-4767-A9D8-FFB2E8C8EFC1}" destId="{117E2E56-0ABC-4301-8D5A-46F9F8C2A69F}" srcOrd="0" destOrd="0" presId="urn:microsoft.com/office/officeart/2009/3/layout/HorizontalOrganizationChart"/>
     <dgm:cxn modelId="{DFE5AA4A-B6BF-423E-AF03-7E2535BC1685}" type="presOf" srcId="{9D2AE0CF-D048-4EE2-B4AC-7124C8CAC73E}" destId="{1FB77869-82CF-42A4-B939-9940F1560517}" srcOrd="0" destOrd="0" presId="urn:microsoft.com/office/officeart/2009/3/layout/HorizontalOrganizationChart"/>
     <dgm:cxn modelId="{7770874E-155F-4830-9BDE-E7B95D012E19}" type="presOf" srcId="{C0A8104C-C97F-42B9-9D72-BA7D9BB32F4D}" destId="{DA880AC9-613B-4CF1-BB63-668F650D99A2}" srcOrd="1" destOrd="0" presId="urn:microsoft.com/office/officeart/2009/3/layout/HorizontalOrganizationChart"/>
-    <dgm:cxn modelId="{7D42DD70-7DC6-4212-96A9-506F239ACCFA}" srcId="{EEE57215-3AE1-4726-90A4-7E2C66FCE4C8}" destId="{9519A50C-EEA2-480B-A51D-E8AF129F9033}" srcOrd="4" destOrd="0" parTransId="{0D2C9E2C-87E6-4942-86C6-89911778D8FF}" sibTransId="{2FD5F3D2-A029-4FF6-AB5D-CAA58C06C967}"/>
-    <dgm:cxn modelId="{E7826D55-2E4F-4B90-9F04-A52321782958}" type="presOf" srcId="{9519A50C-EEA2-480B-A51D-E8AF129F9033}" destId="{E607574B-DA35-4D65-A1D6-F7D576982EFE}" srcOrd="0" destOrd="0" presId="urn:microsoft.com/office/officeart/2009/3/layout/HorizontalOrganizationChart"/>
     <dgm:cxn modelId="{B21CF575-DE06-49C6-B368-E1EF040C86CE}" srcId="{EEE57215-3AE1-4726-90A4-7E2C66FCE4C8}" destId="{956934A1-7ACF-4F8C-AFAF-8D2504FC4524}" srcOrd="0" destOrd="0" parTransId="{B862477A-29D1-4987-9E44-576EAEE79F30}" sibTransId="{F16C94D7-01E9-4757-BD91-C3B14DD259B3}"/>
-    <dgm:cxn modelId="{85EB9478-BE30-47F6-9ED3-D721B700C463}" srcId="{5D8A65C2-B93F-49A7-A739-DCDD796D6D0A}" destId="{383E6F00-7A99-4C44-8A49-2F45536AB212}" srcOrd="4" destOrd="0" parTransId="{B6FE510D-B12A-483F-9B48-A513660691F0}" sibTransId="{6FFEC5CB-641C-4AD1-A630-4EF313865247}"/>
-    <dgm:cxn modelId="{3CBBCA7B-4732-4A38-9257-EC90D3AF5D79}" type="presOf" srcId="{383E6F00-7A99-4C44-8A49-2F45536AB212}" destId="{83D03E32-7D0B-46BA-936F-553E29487563}" srcOrd="0" destOrd="0" presId="urn:microsoft.com/office/officeart/2009/3/layout/HorizontalOrganizationChart"/>
-    <dgm:cxn modelId="{9E19B987-0342-432F-8B27-2812EDC713D4}" type="presOf" srcId="{B6FE510D-B12A-483F-9B48-A513660691F0}" destId="{C815858E-A209-4C78-B481-8EDEC5721302}" srcOrd="0" destOrd="0" presId="urn:microsoft.com/office/officeart/2009/3/layout/HorizontalOrganizationChart"/>
-    <dgm:cxn modelId="{369D048A-182B-4D25-8B6D-5E07391ADC35}" type="presOf" srcId="{383E6F00-7A99-4C44-8A49-2F45536AB212}" destId="{1818D71D-66DF-43D5-AA80-085D56CCD558}" srcOrd="1" destOrd="0" presId="urn:microsoft.com/office/officeart/2009/3/layout/HorizontalOrganizationChart"/>
     <dgm:cxn modelId="{5DC82E8A-C56F-4E0B-B28E-C1384D16346E}" type="presOf" srcId="{5D8A65C2-B93F-49A7-A739-DCDD796D6D0A}" destId="{4169C40A-47C4-4976-B100-B6D5595CDA57}" srcOrd="1" destOrd="0" presId="urn:microsoft.com/office/officeart/2009/3/layout/HorizontalOrganizationChart"/>
     <dgm:cxn modelId="{5671C88A-3BFA-4B56-9B5A-7DAAD9CE2F39}" srcId="{5D8A65C2-B93F-49A7-A739-DCDD796D6D0A}" destId="{5C58C08A-8240-49DF-A779-B9C0A95C7404}" srcOrd="1" destOrd="0" parTransId="{9566BAA1-7605-4767-B4DB-FAFB83844D9D}" sibTransId="{6E7F7A71-487A-4448-9795-C8E22EBD8FAA}"/>
     <dgm:cxn modelId="{FDD4378D-1C79-4A74-85E9-41F30598C6FA}" srcId="{EEE57215-3AE1-4726-90A4-7E2C66FCE4C8}" destId="{DAA20815-3D90-4C66-BCA8-F0C06434CBB7}" srcOrd="3" destOrd="0" parTransId="{933D2820-FE0C-40B2-B4C8-7CB75D16489A}" sibTransId="{2E391C8F-333D-4FFA-A10A-C20AF9E55785}"/>
@@ -1831,7 +1677,6 @@
     <dgm:cxn modelId="{28B99AC8-4B74-450E-A5D9-F6B1C872AC66}" type="presOf" srcId="{5C58C08A-8240-49DF-A779-B9C0A95C7404}" destId="{0FB0CCA2-DB3F-4111-A1B7-ABCBDF8B3879}" srcOrd="0" destOrd="0" presId="urn:microsoft.com/office/officeart/2009/3/layout/HorizontalOrganizationChart"/>
     <dgm:cxn modelId="{18A64DCB-52EF-41D3-8B4C-912282BB3DC9}" srcId="{7D9928E1-DCD2-4516-95F6-2E3147A77FC5}" destId="{EEE57215-3AE1-4726-90A4-7E2C66FCE4C8}" srcOrd="1" destOrd="0" parTransId="{B7B3436E-CAB6-4F4A-B85C-B63BE75A55D5}" sibTransId="{7F937B94-9BF3-463B-A275-4318B1E4AA14}"/>
     <dgm:cxn modelId="{1B71F1D1-2814-44FE-85AC-7263F76423D5}" type="presOf" srcId="{AF9B87D1-7366-44AD-9666-1D0780D6614B}" destId="{5A93B647-E89C-43E7-AA36-77BE1A4B22D6}" srcOrd="0" destOrd="0" presId="urn:microsoft.com/office/officeart/2009/3/layout/HorizontalOrganizationChart"/>
-    <dgm:cxn modelId="{E266F1D8-B216-454F-AE77-71BBAB86AEE6}" type="presOf" srcId="{0D2C9E2C-87E6-4942-86C6-89911778D8FF}" destId="{CA33C092-3444-43E0-933E-D9862F0600FE}" srcOrd="0" destOrd="0" presId="urn:microsoft.com/office/officeart/2009/3/layout/HorizontalOrganizationChart"/>
     <dgm:cxn modelId="{D6E586DE-023E-4547-A80C-14246DEDE47F}" type="presOf" srcId="{5C58C08A-8240-49DF-A779-B9C0A95C7404}" destId="{AE0FCB7C-A513-4263-A404-D7ACAD0758F5}" srcOrd="1" destOrd="0" presId="urn:microsoft.com/office/officeart/2009/3/layout/HorizontalOrganizationChart"/>
     <dgm:cxn modelId="{C8AE7FE2-A455-4C8B-8004-E8571C4141D5}" type="presOf" srcId="{C0A8104C-C97F-42B9-9D72-BA7D9BB32F4D}" destId="{007F34D5-20F6-498D-A18A-384CDEB29437}" srcOrd="0" destOrd="0" presId="urn:microsoft.com/office/officeart/2009/3/layout/HorizontalOrganizationChart"/>
     <dgm:cxn modelId="{6CCD1AEF-A119-4372-B71D-DD5B299A528C}" type="presOf" srcId="{F13E7320-0282-46A2-84A4-503818F92CDD}" destId="{9953ABBD-4095-4C94-8D70-6BE691F5848A}" srcOrd="0" destOrd="0" presId="urn:microsoft.com/office/officeart/2009/3/layout/HorizontalOrganizationChart"/>
@@ -1873,13 +1718,6 @@
     <dgm:cxn modelId="{1DC94A05-3F93-4E36-AE15-5B62BC97CDE8}" type="presParOf" srcId="{141B48CD-EFB2-4F5B-A8D2-3034BA88E5BA}" destId="{78DB0876-7C1C-447C-920A-BCD6AD28C1D5}" srcOrd="1" destOrd="0" presId="urn:microsoft.com/office/officeart/2009/3/layout/HorizontalOrganizationChart"/>
     <dgm:cxn modelId="{CCB5EE75-D601-488D-8760-5C1E331803D2}" type="presParOf" srcId="{E16E620C-5F80-4BB6-B04E-EEAEC9B1005B}" destId="{2E8999EE-A532-437D-AB89-0CA00300F896}" srcOrd="1" destOrd="0" presId="urn:microsoft.com/office/officeart/2009/3/layout/HorizontalOrganizationChart"/>
     <dgm:cxn modelId="{4D28CE25-C2E4-43E0-B118-FD8315578DFE}" type="presParOf" srcId="{E16E620C-5F80-4BB6-B04E-EEAEC9B1005B}" destId="{0C29D185-6CE8-48C4-8C11-093677FAAA4B}" srcOrd="2" destOrd="0" presId="urn:microsoft.com/office/officeart/2009/3/layout/HorizontalOrganizationChart"/>
-    <dgm:cxn modelId="{DF01B9AA-EA6D-4CF8-818A-AC67FFC52F08}" type="presParOf" srcId="{E48B7926-95CD-4A24-8CA7-F5EED95F857F}" destId="{C815858E-A209-4C78-B481-8EDEC5721302}" srcOrd="8" destOrd="0" presId="urn:microsoft.com/office/officeart/2009/3/layout/HorizontalOrganizationChart"/>
-    <dgm:cxn modelId="{A08BD1CF-4E6C-482D-B751-0A632D97A119}" type="presParOf" srcId="{E48B7926-95CD-4A24-8CA7-F5EED95F857F}" destId="{A10D7FC3-1F16-4D2C-945A-D4E96E296238}" srcOrd="9" destOrd="0" presId="urn:microsoft.com/office/officeart/2009/3/layout/HorizontalOrganizationChart"/>
-    <dgm:cxn modelId="{E7134CAE-C1B6-4859-A095-F408B40E4CD3}" type="presParOf" srcId="{A10D7FC3-1F16-4D2C-945A-D4E96E296238}" destId="{8B297936-1F51-4C1D-A214-59777A028AB0}" srcOrd="0" destOrd="0" presId="urn:microsoft.com/office/officeart/2009/3/layout/HorizontalOrganizationChart"/>
-    <dgm:cxn modelId="{01986854-70E4-4849-AC01-8C5F9DBC8799}" type="presParOf" srcId="{8B297936-1F51-4C1D-A214-59777A028AB0}" destId="{83D03E32-7D0B-46BA-936F-553E29487563}" srcOrd="0" destOrd="0" presId="urn:microsoft.com/office/officeart/2009/3/layout/HorizontalOrganizationChart"/>
-    <dgm:cxn modelId="{84B2D00A-618D-4D75-B769-1E99E8350AC1}" type="presParOf" srcId="{8B297936-1F51-4C1D-A214-59777A028AB0}" destId="{1818D71D-66DF-43D5-AA80-085D56CCD558}" srcOrd="1" destOrd="0" presId="urn:microsoft.com/office/officeart/2009/3/layout/HorizontalOrganizationChart"/>
-    <dgm:cxn modelId="{ED96203A-0885-4528-B6B9-706B1588DD48}" type="presParOf" srcId="{A10D7FC3-1F16-4D2C-945A-D4E96E296238}" destId="{43AF02A5-0A34-4362-BEAC-DBAFB4C237FF}" srcOrd="1" destOrd="0" presId="urn:microsoft.com/office/officeart/2009/3/layout/HorizontalOrganizationChart"/>
-    <dgm:cxn modelId="{0BA325BC-EAC0-4D58-A3BD-1BB842BD51FF}" type="presParOf" srcId="{A10D7FC3-1F16-4D2C-945A-D4E96E296238}" destId="{C6560E8B-4DBF-489A-8AAC-C675D4545CB8}" srcOrd="2" destOrd="0" presId="urn:microsoft.com/office/officeart/2009/3/layout/HorizontalOrganizationChart"/>
     <dgm:cxn modelId="{216F4D7F-A2B0-4FF9-92B2-BE1681EB133D}" type="presParOf" srcId="{A76C4B30-DC2E-46A2-9BBF-BC65D2492110}" destId="{21806020-10C3-4115-9528-F19E6B850EA1}" srcOrd="2" destOrd="0" presId="urn:microsoft.com/office/officeart/2009/3/layout/HorizontalOrganizationChart"/>
     <dgm:cxn modelId="{7392ECCF-1A35-45FC-AC2C-23E04B08CF82}" type="presParOf" srcId="{855CB01E-6F1A-4B47-BE2E-EB195A3E48AE}" destId="{8B0DE0BD-9E15-4B71-AE92-152526DFF10A}" srcOrd="1" destOrd="0" presId="urn:microsoft.com/office/officeart/2009/3/layout/HorizontalOrganizationChart"/>
     <dgm:cxn modelId="{12195543-972B-43BF-88B8-A948CBCA770A}" type="presParOf" srcId="{8B0DE0BD-9E15-4B71-AE92-152526DFF10A}" destId="{B185CC06-C356-44B9-A40A-1E585DBCCEC0}" srcOrd="0" destOrd="0" presId="urn:microsoft.com/office/officeart/2009/3/layout/HorizontalOrganizationChart"/>
@@ -1915,13 +1753,6 @@
     <dgm:cxn modelId="{0971A555-8B2A-460F-9C3D-9722749F2F76}" type="presParOf" srcId="{7C335106-AE39-4B71-9A6D-3705DC7B46DD}" destId="{A838B406-5C08-4F27-B765-E7A0C17B099F}" srcOrd="1" destOrd="0" presId="urn:microsoft.com/office/officeart/2009/3/layout/HorizontalOrganizationChart"/>
     <dgm:cxn modelId="{7AB395B4-436B-476D-A4A3-80017C09B221}" type="presParOf" srcId="{E5BE055A-27B9-40C5-BC52-971805864AA6}" destId="{1A34A4E4-4443-45B6-938E-BB275ECB2D69}" srcOrd="1" destOrd="0" presId="urn:microsoft.com/office/officeart/2009/3/layout/HorizontalOrganizationChart"/>
     <dgm:cxn modelId="{2E100C35-6DF2-4674-BFF5-6E159DE88667}" type="presParOf" srcId="{E5BE055A-27B9-40C5-BC52-971805864AA6}" destId="{3CCBFE5D-448F-443F-9E8B-DB802FC6D104}" srcOrd="2" destOrd="0" presId="urn:microsoft.com/office/officeart/2009/3/layout/HorizontalOrganizationChart"/>
-    <dgm:cxn modelId="{7223A9E9-32FF-4E26-A19A-B2AC96F1B215}" type="presParOf" srcId="{4CEF6098-B90D-45BE-A282-459076229C62}" destId="{CA33C092-3444-43E0-933E-D9862F0600FE}" srcOrd="8" destOrd="0" presId="urn:microsoft.com/office/officeart/2009/3/layout/HorizontalOrganizationChart"/>
-    <dgm:cxn modelId="{40CCE31B-BDEB-4CA5-B2D8-BCFCC640337B}" type="presParOf" srcId="{4CEF6098-B90D-45BE-A282-459076229C62}" destId="{3FD83C68-FE1A-4903-BD12-851011673154}" srcOrd="9" destOrd="0" presId="urn:microsoft.com/office/officeart/2009/3/layout/HorizontalOrganizationChart"/>
-    <dgm:cxn modelId="{11B3917B-8FF4-4B7B-9C35-D882FED0602C}" type="presParOf" srcId="{3FD83C68-FE1A-4903-BD12-851011673154}" destId="{5336A651-6EDD-4E51-9453-7245525E555E}" srcOrd="0" destOrd="0" presId="urn:microsoft.com/office/officeart/2009/3/layout/HorizontalOrganizationChart"/>
-    <dgm:cxn modelId="{7EF2CFC5-80A7-44CF-B2EF-2232E9828791}" type="presParOf" srcId="{5336A651-6EDD-4E51-9453-7245525E555E}" destId="{E607574B-DA35-4D65-A1D6-F7D576982EFE}" srcOrd="0" destOrd="0" presId="urn:microsoft.com/office/officeart/2009/3/layout/HorizontalOrganizationChart"/>
-    <dgm:cxn modelId="{1610ED7A-F3AA-4945-8D80-7396DDF56DED}" type="presParOf" srcId="{5336A651-6EDD-4E51-9453-7245525E555E}" destId="{9E04EAB2-A8EC-4548-AFF8-B329AF440FF8}" srcOrd="1" destOrd="0" presId="urn:microsoft.com/office/officeart/2009/3/layout/HorizontalOrganizationChart"/>
-    <dgm:cxn modelId="{03F01ED0-E9C7-4E4F-AE0A-430994F2DA8C}" type="presParOf" srcId="{3FD83C68-FE1A-4903-BD12-851011673154}" destId="{EE0B67B0-C281-4A81-81C8-B8BAD545F23D}" srcOrd="1" destOrd="0" presId="urn:microsoft.com/office/officeart/2009/3/layout/HorizontalOrganizationChart"/>
-    <dgm:cxn modelId="{6E47FDAF-77AF-4636-94B1-92E61505F0D9}" type="presParOf" srcId="{3FD83C68-FE1A-4903-BD12-851011673154}" destId="{E444D1A2-FB47-4747-B604-8CA6F49D8E24}" srcOrd="2" destOrd="0" presId="urn:microsoft.com/office/officeart/2009/3/layout/HorizontalOrganizationChart"/>
   </dgm:cxnLst>
   <dgm:bg/>
   <dgm:whole/>
@@ -1941,15 +1772,15 @@
       <dsp:cNvGrpSpPr/>
     </dsp:nvGrpSpPr>
     <dsp:grpSpPr/>
-    <dsp:sp modelId="{CA33C092-3444-43E0-933E-D9862F0600FE}">
+    <dsp:sp modelId="{A5035560-9ADC-4A46-B7D0-2B8513C93750}">
       <dsp:nvSpPr>
         <dsp:cNvPr id="0" name=""/>
         <dsp:cNvSpPr/>
       </dsp:nvSpPr>
       <dsp:spPr>
         <a:xfrm>
-          <a:off x="1401119" y="3433165"/>
-          <a:ext cx="4128815" cy="91440"/>
+          <a:off x="2003199" y="3505850"/>
+          <a:ext cx="3064426" cy="104946"/>
         </a:xfrm>
         <a:custGeom>
           <a:avLst/>
@@ -1960,71 +1791,13 @@
           <a:pathLst>
             <a:path>
               <a:moveTo>
-                <a:pt x="0" y="133194"/>
+                <a:pt x="0" y="0"/>
               </a:moveTo>
               <a:lnTo>
-                <a:pt x="4128815" y="133194"/>
+                <a:pt x="3064426" y="0"/>
               </a:lnTo>
               <a:lnTo>
-                <a:pt x="4128815" y="45720"/>
-              </a:lnTo>
-            </a:path>
-          </a:pathLst>
-        </a:custGeom>
-        <a:noFill/>
-        <a:ln w="12700" cap="flat" cmpd="sng" algn="ctr">
-          <a:solidFill>
-            <a:schemeClr val="accent1">
-              <a:shade val="60000"/>
-              <a:hueOff val="0"/>
-              <a:satOff val="0"/>
-              <a:lumOff val="0"/>
-              <a:alphaOff val="0"/>
-            </a:schemeClr>
-          </a:solidFill>
-          <a:prstDash val="solid"/>
-        </a:ln>
-        <a:effectLst/>
-      </dsp:spPr>
-      <dsp:style>
-        <a:lnRef idx="2">
-          <a:scrgbClr r="0" g="0" b="0"/>
-        </a:lnRef>
-        <a:fillRef idx="0">
-          <a:scrgbClr r="0" g="0" b="0"/>
-        </a:fillRef>
-        <a:effectRef idx="0">
-          <a:scrgbClr r="0" g="0" b="0"/>
-        </a:effectRef>
-        <a:fontRef idx="minor"/>
-      </dsp:style>
-    </dsp:sp>
-    <dsp:sp modelId="{A5035560-9ADC-4A46-B7D0-2B8513C93750}">
-      <dsp:nvSpPr>
-        <dsp:cNvPr id="0" name=""/>
-        <dsp:cNvSpPr/>
-      </dsp:nvSpPr>
-      <dsp:spPr>
-        <a:xfrm>
-          <a:off x="1401119" y="3520640"/>
-          <a:ext cx="2554267" cy="91440"/>
-        </a:xfrm>
-        <a:custGeom>
-          <a:avLst/>
-          <a:gdLst/>
-          <a:ahLst/>
-          <a:cxnLst/>
-          <a:rect l="0" t="0" r="0" b="0"/>
-          <a:pathLst>
-            <a:path>
-              <a:moveTo>
-                <a:pt x="0" y="45720"/>
-              </a:moveTo>
-              <a:lnTo>
-                <a:pt x="2554267" y="45720"/>
-              </a:lnTo>
-              <a:lnTo>
-                <a:pt x="2554267" y="133194"/>
+                <a:pt x="3064426" y="104946"/>
               </a:lnTo>
             </a:path>
           </a:pathLst>
@@ -2064,8 +1837,8 @@
       </dsp:nvSpPr>
       <dsp:spPr>
         <a:xfrm>
-          <a:off x="1401119" y="3433165"/>
-          <a:ext cx="2554267" cy="91440"/>
+          <a:off x="2003199" y="3400904"/>
+          <a:ext cx="3064426" cy="104946"/>
         </a:xfrm>
         <a:custGeom>
           <a:avLst/>
@@ -2076,13 +1849,13 @@
           <a:pathLst>
             <a:path>
               <a:moveTo>
-                <a:pt x="0" y="133194"/>
+                <a:pt x="0" y="104946"/>
               </a:moveTo>
               <a:lnTo>
-                <a:pt x="2554267" y="133194"/>
+                <a:pt x="3064426" y="104946"/>
               </a:lnTo>
               <a:lnTo>
-                <a:pt x="2554267" y="45720"/>
+                <a:pt x="3064426" y="0"/>
               </a:lnTo>
             </a:path>
           </a:pathLst>
@@ -2122,8 +1895,8 @@
       </dsp:nvSpPr>
       <dsp:spPr>
         <a:xfrm>
-          <a:off x="1401119" y="3520640"/>
-          <a:ext cx="979718" cy="91440"/>
+          <a:off x="2003199" y="3505850"/>
+          <a:ext cx="1175396" cy="104946"/>
         </a:xfrm>
         <a:custGeom>
           <a:avLst/>
@@ -2134,13 +1907,13 @@
           <a:pathLst>
             <a:path>
               <a:moveTo>
-                <a:pt x="0" y="45720"/>
+                <a:pt x="0" y="0"/>
               </a:moveTo>
               <a:lnTo>
-                <a:pt x="979718" y="45720"/>
+                <a:pt x="1175396" y="0"/>
               </a:lnTo>
               <a:lnTo>
-                <a:pt x="979718" y="133194"/>
+                <a:pt x="1175396" y="104946"/>
               </a:lnTo>
             </a:path>
           </a:pathLst>
@@ -2180,8 +1953,8 @@
       </dsp:nvSpPr>
       <dsp:spPr>
         <a:xfrm>
-          <a:off x="1401119" y="3433165"/>
-          <a:ext cx="979718" cy="91440"/>
+          <a:off x="2003199" y="3400904"/>
+          <a:ext cx="1175396" cy="104946"/>
         </a:xfrm>
         <a:custGeom>
           <a:avLst/>
@@ -2192,74 +1965,13 @@
           <a:pathLst>
             <a:path>
               <a:moveTo>
-                <a:pt x="0" y="133194"/>
+                <a:pt x="0" y="104946"/>
               </a:moveTo>
               <a:lnTo>
-                <a:pt x="979718" y="133194"/>
+                <a:pt x="1175396" y="104946"/>
               </a:lnTo>
               <a:lnTo>
-                <a:pt x="979718" y="45720"/>
-              </a:lnTo>
-            </a:path>
-          </a:pathLst>
-        </a:custGeom>
-        <a:noFill/>
-        <a:ln w="12700" cap="flat" cmpd="sng" algn="ctr">
-          <a:solidFill>
-            <a:schemeClr val="accent1">
-              <a:shade val="60000"/>
-              <a:hueOff val="0"/>
-              <a:satOff val="0"/>
-              <a:lumOff val="0"/>
-              <a:alphaOff val="0"/>
-            </a:schemeClr>
-          </a:solidFill>
-          <a:prstDash val="solid"/>
-        </a:ln>
-        <a:effectLst/>
-      </dsp:spPr>
-      <dsp:style>
-        <a:lnRef idx="2">
-          <a:scrgbClr r="0" g="0" b="0"/>
-        </a:lnRef>
-        <a:fillRef idx="0">
-          <a:scrgbClr r="0" g="0" b="0"/>
-        </a:fillRef>
-        <a:effectRef idx="0">
-          <a:scrgbClr r="0" g="0" b="0"/>
-        </a:effectRef>
-        <a:fontRef idx="minor"/>
-      </dsp:style>
-    </dsp:sp>
-    <dsp:sp modelId="{C815858E-A209-4C78-B481-8EDEC5721302}">
-      <dsp:nvSpPr>
-        <dsp:cNvPr id="0" name=""/>
-        <dsp:cNvSpPr/>
-      </dsp:nvSpPr>
-      <dsp:spPr>
-        <a:xfrm>
-          <a:off x="1401119" y="1459964"/>
-          <a:ext cx="279919" cy="1203654"/>
-        </a:xfrm>
-        <a:custGeom>
-          <a:avLst/>
-          <a:gdLst/>
-          <a:ahLst/>
-          <a:cxnLst/>
-          <a:rect l="0" t="0" r="0" b="0"/>
-          <a:pathLst>
-            <a:path>
-              <a:moveTo>
-                <a:pt x="0" y="0"/>
-              </a:moveTo>
-              <a:lnTo>
-                <a:pt x="139959" y="0"/>
-              </a:lnTo>
-              <a:lnTo>
-                <a:pt x="139959" y="1203654"/>
-              </a:lnTo>
-              <a:lnTo>
-                <a:pt x="279919" y="1203654"/>
+                <a:pt x="1175396" y="0"/>
               </a:lnTo>
             </a:path>
           </a:pathLst>
@@ -2299,8 +2011,8 @@
       </dsp:nvSpPr>
       <dsp:spPr>
         <a:xfrm>
-          <a:off x="1401119" y="1459964"/>
-          <a:ext cx="279919" cy="601827"/>
+          <a:off x="2003199" y="1339762"/>
+          <a:ext cx="335827" cy="1083043"/>
         </a:xfrm>
         <a:custGeom>
           <a:avLst/>
@@ -2314,13 +2026,13 @@
                 <a:pt x="0" y="0"/>
               </a:moveTo>
               <a:lnTo>
-                <a:pt x="139959" y="0"/>
+                <a:pt x="167913" y="0"/>
               </a:lnTo>
               <a:lnTo>
-                <a:pt x="139959" y="601827"/>
+                <a:pt x="167913" y="1083043"/>
               </a:lnTo>
               <a:lnTo>
-                <a:pt x="279919" y="601827"/>
+                <a:pt x="335827" y="1083043"/>
               </a:lnTo>
             </a:path>
           </a:pathLst>
@@ -2360,8 +2072,8 @@
       </dsp:nvSpPr>
       <dsp:spPr>
         <a:xfrm>
-          <a:off x="1401119" y="1414244"/>
-          <a:ext cx="279919" cy="91440"/>
+          <a:off x="2003199" y="1339762"/>
+          <a:ext cx="335827" cy="361014"/>
         </a:xfrm>
         <a:custGeom>
           <a:avLst/>
@@ -2372,10 +2084,16 @@
           <a:pathLst>
             <a:path>
               <a:moveTo>
-                <a:pt x="0" y="45720"/>
+                <a:pt x="0" y="0"/>
               </a:moveTo>
               <a:lnTo>
-                <a:pt x="279919" y="45720"/>
+                <a:pt x="167913" y="0"/>
+              </a:lnTo>
+              <a:lnTo>
+                <a:pt x="167913" y="361014"/>
+              </a:lnTo>
+              <a:lnTo>
+                <a:pt x="335827" y="361014"/>
               </a:lnTo>
             </a:path>
           </a:pathLst>
@@ -2415,8 +2133,8 @@
       </dsp:nvSpPr>
       <dsp:spPr>
         <a:xfrm>
-          <a:off x="1401119" y="858137"/>
-          <a:ext cx="279919" cy="601827"/>
+          <a:off x="2003199" y="978748"/>
+          <a:ext cx="335827" cy="361014"/>
         </a:xfrm>
         <a:custGeom>
           <a:avLst/>
@@ -2427,16 +2145,16 @@
           <a:pathLst>
             <a:path>
               <a:moveTo>
-                <a:pt x="0" y="601827"/>
+                <a:pt x="0" y="361014"/>
               </a:moveTo>
               <a:lnTo>
-                <a:pt x="139959" y="601827"/>
+                <a:pt x="167913" y="361014"/>
               </a:lnTo>
               <a:lnTo>
-                <a:pt x="139959" y="0"/>
+                <a:pt x="167913" y="0"/>
               </a:lnTo>
               <a:lnTo>
-                <a:pt x="279919" y="0"/>
+                <a:pt x="335827" y="0"/>
               </a:lnTo>
             </a:path>
           </a:pathLst>
@@ -2476,8 +2194,8 @@
       </dsp:nvSpPr>
       <dsp:spPr>
         <a:xfrm>
-          <a:off x="1401119" y="256309"/>
-          <a:ext cx="279919" cy="1203654"/>
+          <a:off x="2003199" y="256718"/>
+          <a:ext cx="335827" cy="1083043"/>
         </a:xfrm>
         <a:custGeom>
           <a:avLst/>
@@ -2488,16 +2206,16 @@
           <a:pathLst>
             <a:path>
               <a:moveTo>
-                <a:pt x="0" y="1203654"/>
+                <a:pt x="0" y="1083043"/>
               </a:moveTo>
               <a:lnTo>
-                <a:pt x="139959" y="1203654"/>
+                <a:pt x="167913" y="1083043"/>
               </a:lnTo>
               <a:lnTo>
-                <a:pt x="139959" y="0"/>
+                <a:pt x="167913" y="0"/>
               </a:lnTo>
               <a:lnTo>
-                <a:pt x="279919" y="0"/>
+                <a:pt x="335827" y="0"/>
               </a:lnTo>
             </a:path>
           </a:pathLst>
@@ -2537,8 +2255,8 @@
       </dsp:nvSpPr>
       <dsp:spPr>
         <a:xfrm>
-          <a:off x="1521" y="1246525"/>
-          <a:ext cx="1399598" cy="426877"/>
+          <a:off x="324061" y="1083694"/>
+          <a:ext cx="1679137" cy="512137"/>
         </a:xfrm>
         <a:prstGeom prst="rect">
           <a:avLst/>
@@ -2579,12 +2297,12 @@
         </a:fontRef>
       </dsp:style>
       <dsp:txBody>
-        <a:bodyPr spcFirstLastPara="0" vert="horz" wrap="square" lIns="12065" tIns="12065" rIns="12065" bIns="12065" numCol="1" spcCol="1270" anchor="ctr" anchorCtr="0">
+        <a:bodyPr spcFirstLastPara="0" vert="horz" wrap="square" lIns="14605" tIns="14605" rIns="14605" bIns="14605" numCol="1" spcCol="1270" anchor="ctr" anchorCtr="0">
           <a:noAutofit/>
         </a:bodyPr>
         <a:lstStyle/>
         <a:p>
-          <a:pPr marL="0" lvl="0" indent="0" algn="ctr" defTabSz="844550" latinLnBrk="1">
+          <a:pPr marL="0" lvl="0" indent="0" algn="ctr" defTabSz="1022350" latinLnBrk="1">
             <a:lnSpc>
               <a:spcPct val="90000"/>
             </a:lnSpc>
@@ -2597,14 +2315,14 @@
             <a:buNone/>
           </a:pPr>
           <a:r>
-            <a:rPr lang="en-US" altLang="ko-KR" sz="1900" kern="1200" dirty="0"/>
+            <a:rPr lang="en-US" altLang="ko-KR" sz="2300" kern="1200" dirty="0"/>
             <a:t>Main</a:t>
           </a:r>
         </a:p>
       </dsp:txBody>
       <dsp:txXfrm>
-        <a:off x="1521" y="1246525"/>
-        <a:ext cx="1399598" cy="426877"/>
+        <a:off x="324061" y="1083694"/>
+        <a:ext cx="1679137" cy="512137"/>
       </dsp:txXfrm>
     </dsp:sp>
     <dsp:sp modelId="{5A93B647-E89C-43E7-AA36-77BE1A4B22D6}">
@@ -2614,8 +2332,8 @@
       </dsp:nvSpPr>
       <dsp:spPr>
         <a:xfrm>
-          <a:off x="1681039" y="42871"/>
-          <a:ext cx="1399598" cy="426877"/>
+          <a:off x="2339026" y="650"/>
+          <a:ext cx="1679137" cy="512137"/>
         </a:xfrm>
         <a:prstGeom prst="rect">
           <a:avLst/>
@@ -2656,12 +2374,12 @@
         </a:fontRef>
       </dsp:style>
       <dsp:txBody>
-        <a:bodyPr spcFirstLastPara="0" vert="horz" wrap="square" lIns="12065" tIns="12065" rIns="12065" bIns="12065" numCol="1" spcCol="1270" anchor="ctr" anchorCtr="0">
+        <a:bodyPr spcFirstLastPara="0" vert="horz" wrap="square" lIns="14605" tIns="14605" rIns="14605" bIns="14605" numCol="1" spcCol="1270" anchor="ctr" anchorCtr="0">
           <a:noAutofit/>
         </a:bodyPr>
         <a:lstStyle/>
         <a:p>
-          <a:pPr marL="0" lvl="0" indent="0" algn="ctr" defTabSz="844550" latinLnBrk="1">
+          <a:pPr marL="0" lvl="0" indent="0" algn="ctr" defTabSz="1022350" latinLnBrk="1">
             <a:lnSpc>
               <a:spcPct val="90000"/>
             </a:lnSpc>
@@ -2674,15 +2392,15 @@
             <a:buNone/>
           </a:pPr>
           <a:r>
-            <a:rPr lang="ko-KR" altLang="en-US" sz="1900" kern="1200" dirty="0"/>
+            <a:rPr lang="ko-KR" altLang="en-US" sz="2300" kern="1200" dirty="0"/>
             <a:t>미세먼지</a:t>
           </a:r>
-          <a:endParaRPr lang="en-US" altLang="ko-KR" sz="1900" kern="1200" dirty="0"/>
+          <a:endParaRPr lang="en-US" altLang="ko-KR" sz="2300" kern="1200" dirty="0"/>
         </a:p>
       </dsp:txBody>
       <dsp:txXfrm>
-        <a:off x="1681039" y="42871"/>
-        <a:ext cx="1399598" cy="426877"/>
+        <a:off x="2339026" y="650"/>
+        <a:ext cx="1679137" cy="512137"/>
       </dsp:txXfrm>
     </dsp:sp>
     <dsp:sp modelId="{0FB0CCA2-DB3F-4111-A1B7-ABCBDF8B3879}">
@@ -2692,8 +2410,8 @@
       </dsp:nvSpPr>
       <dsp:spPr>
         <a:xfrm>
-          <a:off x="1681039" y="644698"/>
-          <a:ext cx="1399598" cy="426877"/>
+          <a:off x="2339026" y="722679"/>
+          <a:ext cx="1679137" cy="512137"/>
         </a:xfrm>
         <a:prstGeom prst="rect">
           <a:avLst/>
@@ -2734,12 +2452,12 @@
         </a:fontRef>
       </dsp:style>
       <dsp:txBody>
-        <a:bodyPr spcFirstLastPara="0" vert="horz" wrap="square" lIns="12065" tIns="12065" rIns="12065" bIns="12065" numCol="1" spcCol="1270" anchor="ctr" anchorCtr="0">
+        <a:bodyPr spcFirstLastPara="0" vert="horz" wrap="square" lIns="14605" tIns="14605" rIns="14605" bIns="14605" numCol="1" spcCol="1270" anchor="ctr" anchorCtr="0">
           <a:noAutofit/>
         </a:bodyPr>
         <a:lstStyle/>
         <a:p>
-          <a:pPr marL="0" lvl="0" indent="0" algn="ctr" defTabSz="844550" latinLnBrk="1">
+          <a:pPr marL="0" lvl="0" indent="0" algn="ctr" defTabSz="1022350" latinLnBrk="1">
             <a:lnSpc>
               <a:spcPct val="90000"/>
             </a:lnSpc>
@@ -2752,15 +2470,15 @@
             <a:buNone/>
           </a:pPr>
           <a:r>
-            <a:rPr lang="ko-KR" altLang="en-US" sz="1900" kern="1200" dirty="0"/>
+            <a:rPr lang="ko-KR" altLang="en-US" sz="2300" kern="1200" dirty="0"/>
             <a:t>시간별</a:t>
           </a:r>
-          <a:endParaRPr lang="en-US" altLang="ko-KR" sz="1900" kern="1200" dirty="0"/>
+          <a:endParaRPr lang="en-US" altLang="ko-KR" sz="2300" kern="1200" dirty="0"/>
         </a:p>
       </dsp:txBody>
       <dsp:txXfrm>
-        <a:off x="1681039" y="644698"/>
-        <a:ext cx="1399598" cy="426877"/>
+        <a:off x="2339026" y="722679"/>
+        <a:ext cx="1679137" cy="512137"/>
       </dsp:txXfrm>
     </dsp:sp>
     <dsp:sp modelId="{117E2E56-0ABC-4301-8D5A-46F9F8C2A69F}">
@@ -2770,8 +2488,8 @@
       </dsp:nvSpPr>
       <dsp:spPr>
         <a:xfrm>
-          <a:off x="1681039" y="1246525"/>
-          <a:ext cx="1399598" cy="426877"/>
+          <a:off x="2339026" y="1444708"/>
+          <a:ext cx="1679137" cy="512137"/>
         </a:xfrm>
         <a:prstGeom prst="rect">
           <a:avLst/>
@@ -2812,12 +2530,12 @@
         </a:fontRef>
       </dsp:style>
       <dsp:txBody>
-        <a:bodyPr spcFirstLastPara="0" vert="horz" wrap="square" lIns="12065" tIns="12065" rIns="12065" bIns="12065" numCol="1" spcCol="1270" anchor="ctr" anchorCtr="0">
+        <a:bodyPr spcFirstLastPara="0" vert="horz" wrap="square" lIns="14605" tIns="14605" rIns="14605" bIns="14605" numCol="1" spcCol="1270" anchor="ctr" anchorCtr="0">
           <a:noAutofit/>
         </a:bodyPr>
         <a:lstStyle/>
         <a:p>
-          <a:pPr marL="0" lvl="0" indent="0" algn="ctr" defTabSz="844550" latinLnBrk="1">
+          <a:pPr marL="0" lvl="0" indent="0" algn="ctr" defTabSz="1022350" latinLnBrk="1">
             <a:lnSpc>
               <a:spcPct val="90000"/>
             </a:lnSpc>
@@ -2830,15 +2548,15 @@
             <a:buNone/>
           </a:pPr>
           <a:r>
-            <a:rPr lang="ko-KR" altLang="en-US" sz="1900" kern="1200"/>
+            <a:rPr lang="ko-KR" altLang="en-US" sz="2300" kern="1200"/>
             <a:t>요일별</a:t>
           </a:r>
-          <a:endParaRPr lang="en-US" altLang="ko-KR" sz="1900" kern="1200" dirty="0"/>
+          <a:endParaRPr lang="en-US" altLang="ko-KR" sz="2300" kern="1200" dirty="0"/>
         </a:p>
       </dsp:txBody>
       <dsp:txXfrm>
-        <a:off x="1681039" y="1246525"/>
-        <a:ext cx="1399598" cy="426877"/>
+        <a:off x="2339026" y="1444708"/>
+        <a:ext cx="1679137" cy="512137"/>
       </dsp:txXfrm>
     </dsp:sp>
     <dsp:sp modelId="{1FB77869-82CF-42A4-B939-9940F1560517}">
@@ -2848,8 +2566,8 @@
       </dsp:nvSpPr>
       <dsp:spPr>
         <a:xfrm>
-          <a:off x="1681039" y="1848353"/>
-          <a:ext cx="1399598" cy="426877"/>
+          <a:off x="2339026" y="2166738"/>
+          <a:ext cx="1679137" cy="512137"/>
         </a:xfrm>
         <a:prstGeom prst="rect">
           <a:avLst/>
@@ -2890,12 +2608,12 @@
         </a:fontRef>
       </dsp:style>
       <dsp:txBody>
-        <a:bodyPr spcFirstLastPara="0" vert="horz" wrap="square" lIns="12065" tIns="12065" rIns="12065" bIns="12065" numCol="1" spcCol="1270" anchor="ctr" anchorCtr="0">
+        <a:bodyPr spcFirstLastPara="0" vert="horz" wrap="square" lIns="14605" tIns="14605" rIns="14605" bIns="14605" numCol="1" spcCol="1270" anchor="ctr" anchorCtr="0">
           <a:noAutofit/>
         </a:bodyPr>
         <a:lstStyle/>
         <a:p>
-          <a:pPr marL="0" lvl="0" indent="0" algn="ctr" defTabSz="844550" latinLnBrk="1">
+          <a:pPr marL="0" lvl="0" indent="0" algn="ctr" defTabSz="1022350" latinLnBrk="1">
             <a:lnSpc>
               <a:spcPct val="90000"/>
             </a:lnSpc>
@@ -2908,26 +2626,26 @@
             <a:buNone/>
           </a:pPr>
           <a:r>
-            <a:rPr lang="ko-KR" altLang="en-US" sz="1900" kern="1200" dirty="0"/>
+            <a:rPr lang="ko-KR" altLang="en-US" sz="2300" kern="1200" dirty="0"/>
             <a:t>공기청정도</a:t>
           </a:r>
-          <a:endParaRPr lang="en-US" altLang="ko-KR" sz="1900" kern="1200" dirty="0"/>
+          <a:endParaRPr lang="en-US" altLang="ko-KR" sz="2300" kern="1200" dirty="0"/>
         </a:p>
       </dsp:txBody>
       <dsp:txXfrm>
-        <a:off x="1681039" y="1848353"/>
-        <a:ext cx="1399598" cy="426877"/>
+        <a:off x="2339026" y="2166738"/>
+        <a:ext cx="1679137" cy="512137"/>
       </dsp:txXfrm>
     </dsp:sp>
-    <dsp:sp modelId="{83D03E32-7D0B-46BA-936F-553E29487563}">
+    <dsp:sp modelId="{FBAF0E9D-9578-457F-8F08-A4E9AFB0621F}">
       <dsp:nvSpPr>
         <dsp:cNvPr id="0" name=""/>
         <dsp:cNvSpPr/>
       </dsp:nvSpPr>
       <dsp:spPr>
         <a:xfrm>
-          <a:off x="1681039" y="2450180"/>
-          <a:ext cx="1399598" cy="426877"/>
+          <a:off x="324061" y="3249782"/>
+          <a:ext cx="1679137" cy="512137"/>
         </a:xfrm>
         <a:prstGeom prst="rect">
           <a:avLst/>
@@ -2968,12 +2686,12 @@
         </a:fontRef>
       </dsp:style>
       <dsp:txBody>
-        <a:bodyPr spcFirstLastPara="0" vert="horz" wrap="square" lIns="12065" tIns="12065" rIns="12065" bIns="12065" numCol="1" spcCol="1270" anchor="ctr" anchorCtr="0">
+        <a:bodyPr spcFirstLastPara="0" vert="horz" wrap="square" lIns="14605" tIns="14605" rIns="14605" bIns="14605" numCol="1" spcCol="1270" anchor="ctr" anchorCtr="0">
           <a:noAutofit/>
         </a:bodyPr>
         <a:lstStyle/>
         <a:p>
-          <a:pPr marL="0" lvl="0" indent="0" algn="ctr" defTabSz="844550" latinLnBrk="1">
+          <a:pPr marL="0" lvl="0" indent="0" algn="ctr" defTabSz="1022350" latinLnBrk="1">
             <a:lnSpc>
               <a:spcPct val="90000"/>
             </a:lnSpc>
@@ -2986,26 +2704,25 @@
             <a:buNone/>
           </a:pPr>
           <a:r>
-            <a:rPr lang="ko-KR" altLang="en-US" sz="1900" kern="1200" dirty="0"/>
-            <a:t>상세정보</a:t>
+            <a:rPr lang="en-US" altLang="ko-KR" sz="2300" kern="1200" dirty="0"/>
+            <a:t>Service</a:t>
           </a:r>
-          <a:endParaRPr lang="en-US" altLang="ko-KR" sz="1900" kern="1200" dirty="0"/>
         </a:p>
       </dsp:txBody>
       <dsp:txXfrm>
-        <a:off x="1681039" y="2450180"/>
-        <a:ext cx="1399598" cy="426877"/>
+        <a:off x="324061" y="3249782"/>
+        <a:ext cx="1679137" cy="512137"/>
       </dsp:txXfrm>
     </dsp:sp>
-    <dsp:sp modelId="{FBAF0E9D-9578-457F-8F08-A4E9AFB0621F}">
+    <dsp:sp modelId="{2CB80928-C0E8-4F23-906B-0C76A51437B5}">
       <dsp:nvSpPr>
         <dsp:cNvPr id="0" name=""/>
         <dsp:cNvSpPr/>
       </dsp:nvSpPr>
       <dsp:spPr>
         <a:xfrm>
-          <a:off x="1521" y="3352921"/>
-          <a:ext cx="1399598" cy="426877"/>
+          <a:off x="2339026" y="2888767"/>
+          <a:ext cx="1679137" cy="512137"/>
         </a:xfrm>
         <a:prstGeom prst="rect">
           <a:avLst/>
@@ -3046,12 +2763,12 @@
         </a:fontRef>
       </dsp:style>
       <dsp:txBody>
-        <a:bodyPr spcFirstLastPara="0" vert="horz" wrap="square" lIns="12065" tIns="12065" rIns="12065" bIns="12065" numCol="1" spcCol="1270" anchor="ctr" anchorCtr="0">
+        <a:bodyPr spcFirstLastPara="0" vert="horz" wrap="square" lIns="14605" tIns="14605" rIns="14605" bIns="14605" numCol="1" spcCol="1270" anchor="ctr" anchorCtr="0">
           <a:noAutofit/>
         </a:bodyPr>
         <a:lstStyle/>
         <a:p>
-          <a:pPr marL="0" lvl="0" indent="0" algn="ctr" defTabSz="844550" latinLnBrk="1">
+          <a:pPr marL="0" lvl="0" indent="0" algn="ctr" defTabSz="1022350" latinLnBrk="1">
             <a:lnSpc>
               <a:spcPct val="90000"/>
             </a:lnSpc>
@@ -3064,25 +2781,25 @@
             <a:buNone/>
           </a:pPr>
           <a:r>
-            <a:rPr lang="en-US" altLang="ko-KR" sz="1900" kern="1200" dirty="0"/>
-            <a:t>Service</a:t>
+            <a:rPr lang="ko-KR" altLang="en-US" sz="2300" kern="1200" dirty="0"/>
+            <a:t>미세먼지</a:t>
           </a:r>
         </a:p>
       </dsp:txBody>
       <dsp:txXfrm>
-        <a:off x="1521" y="3352921"/>
-        <a:ext cx="1399598" cy="426877"/>
+        <a:off x="2339026" y="2888767"/>
+        <a:ext cx="1679137" cy="512137"/>
       </dsp:txXfrm>
     </dsp:sp>
-    <dsp:sp modelId="{2CB80928-C0E8-4F23-906B-0C76A51437B5}">
+    <dsp:sp modelId="{007F34D5-20F6-498D-A18A-384CDEB29437}">
       <dsp:nvSpPr>
         <dsp:cNvPr id="0" name=""/>
         <dsp:cNvSpPr/>
       </dsp:nvSpPr>
       <dsp:spPr>
         <a:xfrm>
-          <a:off x="1681039" y="3052007"/>
-          <a:ext cx="1399598" cy="426877"/>
+          <a:off x="2339026" y="3610796"/>
+          <a:ext cx="1679137" cy="512137"/>
         </a:xfrm>
         <a:prstGeom prst="rect">
           <a:avLst/>
@@ -3123,12 +2840,12 @@
         </a:fontRef>
       </dsp:style>
       <dsp:txBody>
-        <a:bodyPr spcFirstLastPara="0" vert="horz" wrap="square" lIns="12065" tIns="12065" rIns="12065" bIns="12065" numCol="1" spcCol="1270" anchor="ctr" anchorCtr="0">
+        <a:bodyPr spcFirstLastPara="0" vert="horz" wrap="square" lIns="14605" tIns="14605" rIns="14605" bIns="14605" numCol="1" spcCol="1270" anchor="ctr" anchorCtr="0">
           <a:noAutofit/>
         </a:bodyPr>
         <a:lstStyle/>
         <a:p>
-          <a:pPr marL="0" lvl="0" indent="0" algn="ctr" defTabSz="844550" latinLnBrk="1">
+          <a:pPr marL="0" lvl="0" indent="0" algn="ctr" defTabSz="1022350" latinLnBrk="1">
             <a:lnSpc>
               <a:spcPct val="90000"/>
             </a:lnSpc>
@@ -3141,25 +2858,25 @@
             <a:buNone/>
           </a:pPr>
           <a:r>
-            <a:rPr lang="ko-KR" altLang="en-US" sz="1900" kern="1200" dirty="0"/>
-            <a:t>미세먼지</a:t>
+            <a:rPr lang="ko-KR" altLang="en-US" sz="2300" kern="1200" dirty="0"/>
+            <a:t>시간별</a:t>
           </a:r>
         </a:p>
       </dsp:txBody>
       <dsp:txXfrm>
-        <a:off x="1681039" y="3052007"/>
-        <a:ext cx="1399598" cy="426877"/>
+        <a:off x="2339026" y="3610796"/>
+        <a:ext cx="1679137" cy="512137"/>
       </dsp:txXfrm>
     </dsp:sp>
-    <dsp:sp modelId="{007F34D5-20F6-498D-A18A-384CDEB29437}">
+    <dsp:sp modelId="{9953ABBD-4095-4C94-8D70-6BE691F5848A}">
       <dsp:nvSpPr>
         <dsp:cNvPr id="0" name=""/>
         <dsp:cNvSpPr/>
       </dsp:nvSpPr>
       <dsp:spPr>
         <a:xfrm>
-          <a:off x="1681039" y="3653835"/>
-          <a:ext cx="1399598" cy="426877"/>
+          <a:off x="4228056" y="2888767"/>
+          <a:ext cx="1679137" cy="512137"/>
         </a:xfrm>
         <a:prstGeom prst="rect">
           <a:avLst/>
@@ -3200,12 +2917,12 @@
         </a:fontRef>
       </dsp:style>
       <dsp:txBody>
-        <a:bodyPr spcFirstLastPara="0" vert="horz" wrap="square" lIns="12065" tIns="12065" rIns="12065" bIns="12065" numCol="1" spcCol="1270" anchor="ctr" anchorCtr="0">
+        <a:bodyPr spcFirstLastPara="0" vert="horz" wrap="square" lIns="14605" tIns="14605" rIns="14605" bIns="14605" numCol="1" spcCol="1270" anchor="ctr" anchorCtr="0">
           <a:noAutofit/>
         </a:bodyPr>
         <a:lstStyle/>
         <a:p>
-          <a:pPr marL="0" lvl="0" indent="0" algn="ctr" defTabSz="844550" latinLnBrk="1">
+          <a:pPr marL="0" lvl="0" indent="0" algn="ctr" defTabSz="1022350" latinLnBrk="1">
             <a:lnSpc>
               <a:spcPct val="90000"/>
             </a:lnSpc>
@@ -3218,25 +2935,26 @@
             <a:buNone/>
           </a:pPr>
           <a:r>
-            <a:rPr lang="ko-KR" altLang="en-US" sz="1900" kern="1200" dirty="0"/>
-            <a:t>시간별</a:t>
+            <a:rPr lang="ko-KR" altLang="en-US" sz="2300" kern="1200" dirty="0" err="1"/>
+            <a:t>요일별</a:t>
           </a:r>
+          <a:endParaRPr lang="ko-KR" altLang="en-US" sz="2300" kern="1200" dirty="0"/>
         </a:p>
       </dsp:txBody>
       <dsp:txXfrm>
-        <a:off x="1681039" y="3653835"/>
-        <a:ext cx="1399598" cy="426877"/>
+        <a:off x="4228056" y="2888767"/>
+        <a:ext cx="1679137" cy="512137"/>
       </dsp:txXfrm>
     </dsp:sp>
-    <dsp:sp modelId="{9953ABBD-4095-4C94-8D70-6BE691F5848A}">
+    <dsp:sp modelId="{E7FE670D-E9F6-42E3-A500-34B8B2D45068}">
       <dsp:nvSpPr>
         <dsp:cNvPr id="0" name=""/>
         <dsp:cNvSpPr/>
       </dsp:nvSpPr>
       <dsp:spPr>
         <a:xfrm>
-          <a:off x="3255587" y="3052007"/>
-          <a:ext cx="1399598" cy="426877"/>
+          <a:off x="4228056" y="3610796"/>
+          <a:ext cx="1679137" cy="512137"/>
         </a:xfrm>
         <a:prstGeom prst="rect">
           <a:avLst/>
@@ -3277,12 +2995,12 @@
         </a:fontRef>
       </dsp:style>
       <dsp:txBody>
-        <a:bodyPr spcFirstLastPara="0" vert="horz" wrap="square" lIns="12065" tIns="12065" rIns="12065" bIns="12065" numCol="1" spcCol="1270" anchor="ctr" anchorCtr="0">
+        <a:bodyPr spcFirstLastPara="0" vert="horz" wrap="square" lIns="14605" tIns="14605" rIns="14605" bIns="14605" numCol="1" spcCol="1270" anchor="ctr" anchorCtr="0">
           <a:noAutofit/>
         </a:bodyPr>
         <a:lstStyle/>
         <a:p>
-          <a:pPr marL="0" lvl="0" indent="0" algn="ctr" defTabSz="844550" latinLnBrk="1">
+          <a:pPr marL="0" lvl="0" indent="0" algn="ctr" defTabSz="1022350" latinLnBrk="1">
             <a:lnSpc>
               <a:spcPct val="90000"/>
             </a:lnSpc>
@@ -3295,169 +3013,14 @@
             <a:buNone/>
           </a:pPr>
           <a:r>
-            <a:rPr lang="ko-KR" altLang="en-US" sz="1900" kern="1200" dirty="0" err="1"/>
-            <a:t>요일별</a:t>
-          </a:r>
-          <a:endParaRPr lang="ko-KR" altLang="en-US" sz="1900" kern="1200" dirty="0"/>
-        </a:p>
-      </dsp:txBody>
-      <dsp:txXfrm>
-        <a:off x="3255587" y="3052007"/>
-        <a:ext cx="1399598" cy="426877"/>
-      </dsp:txXfrm>
-    </dsp:sp>
-    <dsp:sp modelId="{E7FE670D-E9F6-42E3-A500-34B8B2D45068}">
-      <dsp:nvSpPr>
-        <dsp:cNvPr id="0" name=""/>
-        <dsp:cNvSpPr/>
-      </dsp:nvSpPr>
-      <dsp:spPr>
-        <a:xfrm>
-          <a:off x="3255587" y="3653835"/>
-          <a:ext cx="1399598" cy="426877"/>
-        </a:xfrm>
-        <a:prstGeom prst="rect">
-          <a:avLst/>
-        </a:prstGeom>
-        <a:solidFill>
-          <a:schemeClr val="accent1">
-            <a:hueOff val="0"/>
-            <a:satOff val="0"/>
-            <a:lumOff val="0"/>
-            <a:alphaOff val="0"/>
-          </a:schemeClr>
-        </a:solidFill>
-        <a:ln w="12700" cap="flat" cmpd="sng" algn="ctr">
-          <a:solidFill>
-            <a:schemeClr val="lt1">
-              <a:hueOff val="0"/>
-              <a:satOff val="0"/>
-              <a:lumOff val="0"/>
-              <a:alphaOff val="0"/>
-            </a:schemeClr>
-          </a:solidFill>
-          <a:prstDash val="solid"/>
-        </a:ln>
-        <a:effectLst/>
-      </dsp:spPr>
-      <dsp:style>
-        <a:lnRef idx="2">
-          <a:scrgbClr r="0" g="0" b="0"/>
-        </a:lnRef>
-        <a:fillRef idx="1">
-          <a:scrgbClr r="0" g="0" b="0"/>
-        </a:fillRef>
-        <a:effectRef idx="0">
-          <a:scrgbClr r="0" g="0" b="0"/>
-        </a:effectRef>
-        <a:fontRef idx="minor">
-          <a:schemeClr val="lt1"/>
-        </a:fontRef>
-      </dsp:style>
-      <dsp:txBody>
-        <a:bodyPr spcFirstLastPara="0" vert="horz" wrap="square" lIns="12065" tIns="12065" rIns="12065" bIns="12065" numCol="1" spcCol="1270" anchor="ctr" anchorCtr="0">
-          <a:noAutofit/>
-        </a:bodyPr>
-        <a:lstStyle/>
-        <a:p>
-          <a:pPr marL="0" lvl="0" indent="0" algn="ctr" defTabSz="844550" latinLnBrk="1">
-            <a:lnSpc>
-              <a:spcPct val="90000"/>
-            </a:lnSpc>
-            <a:spcBef>
-              <a:spcPct val="0"/>
-            </a:spcBef>
-            <a:spcAft>
-              <a:spcPct val="35000"/>
-            </a:spcAft>
-            <a:buNone/>
-          </a:pPr>
-          <a:r>
-            <a:rPr lang="ko-KR" altLang="en-US" sz="1900" kern="1200" dirty="0"/>
+            <a:rPr lang="ko-KR" altLang="en-US" sz="2300" kern="1200" dirty="0"/>
             <a:t>공기청정도</a:t>
           </a:r>
         </a:p>
       </dsp:txBody>
       <dsp:txXfrm>
-        <a:off x="3255587" y="3653835"/>
-        <a:ext cx="1399598" cy="426877"/>
-      </dsp:txXfrm>
-    </dsp:sp>
-    <dsp:sp modelId="{E607574B-DA35-4D65-A1D6-F7D576982EFE}">
-      <dsp:nvSpPr>
-        <dsp:cNvPr id="0" name=""/>
-        <dsp:cNvSpPr/>
-      </dsp:nvSpPr>
-      <dsp:spPr>
-        <a:xfrm>
-          <a:off x="4830136" y="3052007"/>
-          <a:ext cx="1399598" cy="426877"/>
-        </a:xfrm>
-        <a:prstGeom prst="rect">
-          <a:avLst/>
-        </a:prstGeom>
-        <a:solidFill>
-          <a:schemeClr val="accent1">
-            <a:hueOff val="0"/>
-            <a:satOff val="0"/>
-            <a:lumOff val="0"/>
-            <a:alphaOff val="0"/>
-          </a:schemeClr>
-        </a:solidFill>
-        <a:ln w="12700" cap="flat" cmpd="sng" algn="ctr">
-          <a:solidFill>
-            <a:schemeClr val="lt1">
-              <a:hueOff val="0"/>
-              <a:satOff val="0"/>
-              <a:lumOff val="0"/>
-              <a:alphaOff val="0"/>
-            </a:schemeClr>
-          </a:solidFill>
-          <a:prstDash val="solid"/>
-        </a:ln>
-        <a:effectLst/>
-      </dsp:spPr>
-      <dsp:style>
-        <a:lnRef idx="2">
-          <a:scrgbClr r="0" g="0" b="0"/>
-        </a:lnRef>
-        <a:fillRef idx="1">
-          <a:scrgbClr r="0" g="0" b="0"/>
-        </a:fillRef>
-        <a:effectRef idx="0">
-          <a:scrgbClr r="0" g="0" b="0"/>
-        </a:effectRef>
-        <a:fontRef idx="minor">
-          <a:schemeClr val="lt1"/>
-        </a:fontRef>
-      </dsp:style>
-      <dsp:txBody>
-        <a:bodyPr spcFirstLastPara="0" vert="horz" wrap="square" lIns="12065" tIns="12065" rIns="12065" bIns="12065" numCol="1" spcCol="1270" anchor="ctr" anchorCtr="0">
-          <a:noAutofit/>
-        </a:bodyPr>
-        <a:lstStyle/>
-        <a:p>
-          <a:pPr marL="0" lvl="0" indent="0" algn="ctr" defTabSz="844550" latinLnBrk="1">
-            <a:lnSpc>
-              <a:spcPct val="90000"/>
-            </a:lnSpc>
-            <a:spcBef>
-              <a:spcPct val="0"/>
-            </a:spcBef>
-            <a:spcAft>
-              <a:spcPct val="35000"/>
-            </a:spcAft>
-            <a:buNone/>
-          </a:pPr>
-          <a:r>
-            <a:rPr lang="ko-KR" altLang="en-US" sz="1900" kern="1200" dirty="0"/>
-            <a:t>상세정보</a:t>
-          </a:r>
-        </a:p>
-      </dsp:txBody>
-      <dsp:txXfrm>
-        <a:off x="4830136" y="3052007"/>
-        <a:ext cx="1399598" cy="426877"/>
+        <a:off x="4228056" y="3610796"/>
+        <a:ext cx="1679137" cy="512137"/>
       </dsp:txXfrm>
     </dsp:sp>
   </dsp:spTree>
@@ -9003,6 +8566,1142 @@
 </p:sld>
 </file>
 
+<file path=ppt/slides/slide10.xml><?xml version="1.0" encoding="utf-8"?>
+<p:sld xmlns:a="http://schemas.openxmlformats.org/drawingml/2006/main" xmlns:r="http://schemas.openxmlformats.org/officeDocument/2006/relationships" xmlns:p="http://schemas.openxmlformats.org/presentationml/2006/main">
+  <p:cSld>
+    <p:spTree>
+      <p:nvGrpSpPr>
+        <p:cNvPr id="1" name=""/>
+        <p:cNvGrpSpPr/>
+        <p:nvPr/>
+      </p:nvGrpSpPr>
+      <p:grpSpPr>
+        <a:xfrm>
+          <a:off x="0" y="0"/>
+          <a:ext cx="0" cy="0"/>
+          <a:chOff x="0" y="0"/>
+          <a:chExt cx="0" cy="0"/>
+        </a:xfrm>
+      </p:grpSpPr>
+      <p:sp>
+        <p:nvSpPr>
+          <p:cNvPr id="2" name="제목 1">
+            <a:extLst>
+              <a:ext uri="{FF2B5EF4-FFF2-40B4-BE49-F238E27FC236}">
+                <a16:creationId xmlns:a16="http://schemas.microsoft.com/office/drawing/2014/main" id="{20A91A64-6BC7-4C41-9BBB-B6E26CCE7153}"/>
+              </a:ext>
+            </a:extLst>
+          </p:cNvPr>
+          <p:cNvSpPr>
+            <a:spLocks noGrp="1"/>
+          </p:cNvSpPr>
+          <p:nvPr>
+            <p:ph type="title"/>
+          </p:nvPr>
+        </p:nvSpPr>
+        <p:spPr/>
+        <p:txBody>
+          <a:bodyPr/>
+          <a:lstStyle/>
+          <a:p>
+            <a:r>
+              <a:rPr lang="en-US" altLang="ko-KR" dirty="0"/>
+              <a:t>Framework</a:t>
+            </a:r>
+            <a:endParaRPr lang="ko-KR" altLang="en-US" dirty="0"/>
+          </a:p>
+        </p:txBody>
+      </p:sp>
+      <p:graphicFrame>
+        <p:nvGraphicFramePr>
+          <p:cNvPr id="6" name="내용 개체 틀 5">
+            <a:extLst>
+              <a:ext uri="{FF2B5EF4-FFF2-40B4-BE49-F238E27FC236}">
+                <a16:creationId xmlns:a16="http://schemas.microsoft.com/office/drawing/2014/main" id="{C944491B-8DC8-40B2-8774-80494DA04512}"/>
+              </a:ext>
+            </a:extLst>
+          </p:cNvPr>
+          <p:cNvGraphicFramePr>
+            <a:graphicFrameLocks noGrp="1"/>
+          </p:cNvGraphicFramePr>
+          <p:nvPr>
+            <p:ph idx="1"/>
+            <p:extLst>
+              <p:ext uri="{D42A27DB-BD31-4B8C-83A1-F6EECF244321}">
+                <p14:modId xmlns:p14="http://schemas.microsoft.com/office/powerpoint/2010/main" val="2353696204"/>
+              </p:ext>
+            </p:extLst>
+          </p:nvPr>
+        </p:nvGraphicFramePr>
+        <p:xfrm>
+          <a:off x="657224" y="2010911"/>
+          <a:ext cx="6231256" cy="4123584"/>
+        </p:xfrm>
+        <a:graphic>
+          <a:graphicData uri="http://schemas.openxmlformats.org/drawingml/2006/diagram">
+            <dgm:relIds xmlns:dgm="http://schemas.openxmlformats.org/drawingml/2006/diagram" xmlns:r="http://schemas.openxmlformats.org/officeDocument/2006/relationships" r:dm="rId2" r:lo="rId3" r:qs="rId4" r:cs="rId5"/>
+          </a:graphicData>
+        </a:graphic>
+      </p:graphicFrame>
+      <p:sp>
+        <p:nvSpPr>
+          <p:cNvPr id="7" name="직사각형 6">
+            <a:extLst>
+              <a:ext uri="{FF2B5EF4-FFF2-40B4-BE49-F238E27FC236}">
+                <a16:creationId xmlns:a16="http://schemas.microsoft.com/office/drawing/2014/main" id="{46AD0AE4-DF50-452B-97D3-5EC6DEBB9252}"/>
+              </a:ext>
+            </a:extLst>
+          </p:cNvPr>
+          <p:cNvSpPr/>
+          <p:nvPr/>
+        </p:nvSpPr>
+        <p:spPr>
+          <a:xfrm>
+            <a:off x="6624918" y="2237554"/>
+            <a:ext cx="4482353" cy="1835149"/>
+          </a:xfrm>
+          <a:prstGeom prst="rect">
+            <a:avLst/>
+          </a:prstGeom>
+          <a:noFill/>
+        </p:spPr>
+        <p:style>
+          <a:lnRef idx="2">
+            <a:schemeClr val="accent1">
+              <a:shade val="50000"/>
+            </a:schemeClr>
+          </a:lnRef>
+          <a:fillRef idx="1">
+            <a:schemeClr val="accent1"/>
+          </a:fillRef>
+          <a:effectRef idx="0">
+            <a:schemeClr val="accent1"/>
+          </a:effectRef>
+          <a:fontRef idx="minor">
+            <a:schemeClr val="lt1"/>
+          </a:fontRef>
+        </p:style>
+        <p:txBody>
+          <a:bodyPr rtlCol="0" anchor="ctr"/>
+          <a:lstStyle/>
+          <a:p>
+            <a:pPr algn="just"/>
+            <a:r>
+              <a:rPr lang="en-US" altLang="ko-KR" dirty="0">
+                <a:solidFill>
+                  <a:schemeClr val="tx1"/>
+                </a:solidFill>
+              </a:rPr>
+              <a:t>     Main	:	</a:t>
+            </a:r>
+            <a:r>
+              <a:rPr lang="en-US" altLang="ko-KR" sz="1500" dirty="0">
+                <a:solidFill>
+                  <a:schemeClr val="tx1"/>
+                </a:solidFill>
+              </a:rPr>
+              <a:t>UI</a:t>
+            </a:r>
+            <a:r>
+              <a:rPr lang="ko-KR" altLang="en-US" sz="1500" dirty="0">
+                <a:solidFill>
+                  <a:schemeClr val="tx1"/>
+                </a:solidFill>
+              </a:rPr>
+              <a:t>관리</a:t>
+            </a:r>
+            <a:endParaRPr lang="en-US" altLang="ko-KR" sz="1500" dirty="0">
+              <a:solidFill>
+                <a:schemeClr val="tx1"/>
+              </a:solidFill>
+            </a:endParaRPr>
+          </a:p>
+          <a:p>
+            <a:pPr algn="just"/>
+            <a:r>
+              <a:rPr lang="en-US" altLang="ko-KR" dirty="0">
+                <a:solidFill>
+                  <a:schemeClr val="tx1"/>
+                </a:solidFill>
+              </a:rPr>
+              <a:t>	|</a:t>
+            </a:r>
+          </a:p>
+          <a:p>
+            <a:pPr algn="just"/>
+            <a:r>
+              <a:rPr lang="en-US" altLang="ko-KR" dirty="0">
+                <a:solidFill>
+                  <a:schemeClr val="tx1"/>
+                </a:solidFill>
+              </a:rPr>
+              <a:t>   Service  :	Open API </a:t>
+            </a:r>
+            <a:r>
+              <a:rPr lang="ko-KR" altLang="en-US" dirty="0">
+                <a:solidFill>
+                  <a:schemeClr val="tx1"/>
+                </a:solidFill>
+              </a:rPr>
+              <a:t>파싱</a:t>
+            </a:r>
+            <a:r>
+              <a:rPr lang="en-US" altLang="ko-KR" dirty="0">
+                <a:solidFill>
+                  <a:schemeClr val="tx1"/>
+                </a:solidFill>
+              </a:rPr>
+              <a:t>, </a:t>
+            </a:r>
+            <a:r>
+              <a:rPr lang="ko-KR" altLang="en-US" dirty="0">
+                <a:solidFill>
+                  <a:schemeClr val="tx1"/>
+                </a:solidFill>
+              </a:rPr>
+              <a:t>데이터 가공</a:t>
+            </a:r>
+            <a:endParaRPr lang="en-US" altLang="ko-KR" sz="1500" dirty="0">
+              <a:solidFill>
+                <a:schemeClr val="tx1"/>
+              </a:solidFill>
+            </a:endParaRPr>
+          </a:p>
+          <a:p>
+            <a:pPr algn="just"/>
+            <a:r>
+              <a:rPr lang="ko-KR" altLang="en-US" sz="1500" dirty="0">
+                <a:solidFill>
+                  <a:schemeClr val="tx1"/>
+                </a:solidFill>
+              </a:rPr>
+              <a:t>서버에서 받은 데이터 관리</a:t>
+            </a:r>
+          </a:p>
+        </p:txBody>
+      </p:sp>
+    </p:spTree>
+    <p:extLst>
+      <p:ext uri="{BB962C8B-B14F-4D97-AF65-F5344CB8AC3E}">
+        <p14:creationId xmlns:p14="http://schemas.microsoft.com/office/powerpoint/2010/main" val="3797365883"/>
+      </p:ext>
+    </p:extLst>
+  </p:cSld>
+  <p:clrMapOvr>
+    <a:masterClrMapping/>
+  </p:clrMapOvr>
+</p:sld>
+</file>
+
+<file path=ppt/slides/slide11.xml><?xml version="1.0" encoding="utf-8"?>
+<p:sld xmlns:a="http://schemas.openxmlformats.org/drawingml/2006/main" xmlns:r="http://schemas.openxmlformats.org/officeDocument/2006/relationships" xmlns:p="http://schemas.openxmlformats.org/presentationml/2006/main">
+  <p:cSld>
+    <p:spTree>
+      <p:nvGrpSpPr>
+        <p:cNvPr id="1" name=""/>
+        <p:cNvGrpSpPr/>
+        <p:nvPr/>
+      </p:nvGrpSpPr>
+      <p:grpSpPr>
+        <a:xfrm>
+          <a:off x="0" y="0"/>
+          <a:ext cx="0" cy="0"/>
+          <a:chOff x="0" y="0"/>
+          <a:chExt cx="0" cy="0"/>
+        </a:xfrm>
+      </p:grpSpPr>
+      <p:sp>
+        <p:nvSpPr>
+          <p:cNvPr id="2" name="제목 1">
+            <a:extLst>
+              <a:ext uri="{FF2B5EF4-FFF2-40B4-BE49-F238E27FC236}">
+                <a16:creationId xmlns:a16="http://schemas.microsoft.com/office/drawing/2014/main" id="{F037C735-DDFE-4FA6-8964-446BD97D4727}"/>
+              </a:ext>
+            </a:extLst>
+          </p:cNvPr>
+          <p:cNvSpPr>
+            <a:spLocks noGrp="1"/>
+          </p:cNvSpPr>
+          <p:nvPr>
+            <p:ph type="title"/>
+          </p:nvPr>
+        </p:nvSpPr>
+        <p:spPr/>
+        <p:txBody>
+          <a:bodyPr/>
+          <a:lstStyle/>
+          <a:p>
+            <a:r>
+              <a:rPr lang="ko-KR" altLang="en-US" dirty="0"/>
+              <a:t>개발일정</a:t>
+            </a:r>
+          </a:p>
+        </p:txBody>
+      </p:sp>
+      <p:graphicFrame>
+        <p:nvGraphicFramePr>
+          <p:cNvPr id="11" name="내용 개체 틀 10">
+            <a:extLst>
+              <a:ext uri="{FF2B5EF4-FFF2-40B4-BE49-F238E27FC236}">
+                <a16:creationId xmlns:a16="http://schemas.microsoft.com/office/drawing/2014/main" id="{479748C9-C716-4302-8E2F-D7DA698C2F1C}"/>
+              </a:ext>
+            </a:extLst>
+          </p:cNvPr>
+          <p:cNvGraphicFramePr>
+            <a:graphicFrameLocks noGrp="1"/>
+          </p:cNvGraphicFramePr>
+          <p:nvPr>
+            <p:ph idx="1"/>
+            <p:extLst>
+              <p:ext uri="{D42A27DB-BD31-4B8C-83A1-F6EECF244321}">
+                <p14:modId xmlns:p14="http://schemas.microsoft.com/office/powerpoint/2010/main" val="1297154186"/>
+              </p:ext>
+            </p:extLst>
+          </p:nvPr>
+        </p:nvGraphicFramePr>
+        <p:xfrm>
+          <a:off x="470086" y="1837758"/>
+          <a:ext cx="10959913" cy="4520709"/>
+        </p:xfrm>
+        <a:graphic>
+          <a:graphicData uri="http://schemas.openxmlformats.org/drawingml/2006/table">
+            <a:tbl>
+              <a:tblPr firstRow="1" bandRow="1">
+                <a:tableStyleId>{5C22544A-7EE6-4342-B048-85BDC9FD1C3A}</a:tableStyleId>
+              </a:tblPr>
+              <a:tblGrid>
+                <a:gridCol w="1785434">
+                  <a:extLst>
+                    <a:ext uri="{9D8B030D-6E8A-4147-A177-3AD203B41FA5}">
+                      <a16:colId xmlns:a16="http://schemas.microsoft.com/office/drawing/2014/main" val="1627516450"/>
+                    </a:ext>
+                  </a:extLst>
+                </a:gridCol>
+                <a:gridCol w="2700878">
+                  <a:extLst>
+                    <a:ext uri="{9D8B030D-6E8A-4147-A177-3AD203B41FA5}">
+                      <a16:colId xmlns:a16="http://schemas.microsoft.com/office/drawing/2014/main" val="3847511624"/>
+                    </a:ext>
+                  </a:extLst>
+                </a:gridCol>
+                <a:gridCol w="3733623">
+                  <a:extLst>
+                    <a:ext uri="{9D8B030D-6E8A-4147-A177-3AD203B41FA5}">
+                      <a16:colId xmlns:a16="http://schemas.microsoft.com/office/drawing/2014/main" val="3492022527"/>
+                    </a:ext>
+                  </a:extLst>
+                </a:gridCol>
+                <a:gridCol w="2739978">
+                  <a:extLst>
+                    <a:ext uri="{9D8B030D-6E8A-4147-A177-3AD203B41FA5}">
+                      <a16:colId xmlns:a16="http://schemas.microsoft.com/office/drawing/2014/main" val="222630778"/>
+                    </a:ext>
+                  </a:extLst>
+                </a:gridCol>
+              </a:tblGrid>
+              <a:tr h="502301">
+                <a:tc>
+                  <a:txBody>
+                    <a:bodyPr/>
+                    <a:lstStyle/>
+                    <a:p>
+                      <a:pPr latinLnBrk="1"/>
+                      <a:r>
+                        <a:rPr lang="ko-KR" altLang="en-US" dirty="0"/>
+                        <a:t>주차</a:t>
+                      </a:r>
+                    </a:p>
+                  </a:txBody>
+                  <a:tcPr/>
+                </a:tc>
+                <a:tc>
+                  <a:txBody>
+                    <a:bodyPr/>
+                    <a:lstStyle/>
+                    <a:p>
+                      <a:pPr latinLnBrk="1"/>
+                      <a:r>
+                        <a:rPr lang="ko-KR" altLang="en-US" dirty="0"/>
+                        <a:t>계획</a:t>
+                      </a:r>
+                    </a:p>
+                  </a:txBody>
+                  <a:tcPr/>
+                </a:tc>
+                <a:tc>
+                  <a:txBody>
+                    <a:bodyPr/>
+                    <a:lstStyle/>
+                    <a:p>
+                      <a:pPr latinLnBrk="1"/>
+                      <a:r>
+                        <a:rPr lang="ko-KR" altLang="en-US" dirty="0"/>
+                        <a:t>세부 계획</a:t>
+                      </a:r>
+                    </a:p>
+                  </a:txBody>
+                  <a:tcPr/>
+                </a:tc>
+                <a:tc>
+                  <a:txBody>
+                    <a:bodyPr/>
+                    <a:lstStyle/>
+                    <a:p>
+                      <a:pPr latinLnBrk="1"/>
+                      <a:r>
+                        <a:rPr lang="ko-KR" altLang="en-US" dirty="0"/>
+                        <a:t>시행</a:t>
+                      </a:r>
+                    </a:p>
+                  </a:txBody>
+                  <a:tcPr/>
+                </a:tc>
+                <a:extLst>
+                  <a:ext uri="{0D108BD9-81ED-4DB2-BD59-A6C34878D82A}">
+                    <a16:rowId xmlns:a16="http://schemas.microsoft.com/office/drawing/2014/main" val="161393271"/>
+                  </a:ext>
+                </a:extLst>
+              </a:tr>
+              <a:tr h="502301">
+                <a:tc>
+                  <a:txBody>
+                    <a:bodyPr/>
+                    <a:lstStyle/>
+                    <a:p>
+                      <a:pPr latinLnBrk="1"/>
+                      <a:r>
+                        <a:rPr lang="en-US" altLang="ko-KR" dirty="0"/>
+                        <a:t>1</a:t>
+                      </a:r>
+                      <a:r>
+                        <a:rPr lang="ko-KR" altLang="en-US" dirty="0"/>
+                        <a:t>주 </a:t>
+                      </a:r>
+                      <a:r>
+                        <a:rPr lang="en-US" altLang="ko-KR" dirty="0"/>
+                        <a:t>5/1 ~ 5/4</a:t>
+                      </a:r>
+                      <a:endParaRPr lang="ko-KR" altLang="en-US" dirty="0"/>
+                    </a:p>
+                  </a:txBody>
+                  <a:tcPr/>
+                </a:tc>
+                <a:tc>
+                  <a:txBody>
+                    <a:bodyPr/>
+                    <a:lstStyle/>
+                    <a:p>
+                      <a:pPr latinLnBrk="1"/>
+                      <a:r>
+                        <a:rPr lang="ko-KR" altLang="en-US" sz="1000" dirty="0"/>
+                        <a:t>기능 분석 및 기획 </a:t>
+                      </a:r>
+                      <a:r>
+                        <a:rPr lang="en-US" altLang="ko-KR" sz="1000" dirty="0"/>
+                        <a:t>&amp; </a:t>
+                      </a:r>
+                      <a:r>
+                        <a:rPr lang="ko-KR" altLang="en-US" sz="1000" dirty="0"/>
+                        <a:t>프레임워크 구상</a:t>
+                      </a:r>
+                      <a:endParaRPr lang="en-US" altLang="ko-KR" sz="1000" dirty="0"/>
+                    </a:p>
+                    <a:p>
+                      <a:pPr latinLnBrk="1"/>
+                      <a:r>
+                        <a:rPr lang="ko-KR" altLang="en-US" sz="1000" dirty="0"/>
+                        <a:t>오픈 </a:t>
+                      </a:r>
+                      <a:r>
+                        <a:rPr lang="en-US" altLang="ko-KR" sz="1000" dirty="0"/>
+                        <a:t>API </a:t>
+                      </a:r>
+                      <a:r>
+                        <a:rPr lang="ko-KR" altLang="en-US" sz="1000" dirty="0"/>
+                        <a:t>자료 조사</a:t>
+                      </a:r>
+                    </a:p>
+                  </a:txBody>
+                  <a:tcPr/>
+                </a:tc>
+                <a:tc>
+                  <a:txBody>
+                    <a:bodyPr/>
+                    <a:lstStyle/>
+                    <a:p>
+                      <a:pPr latinLnBrk="1"/>
+                      <a:r>
+                        <a:rPr lang="ko-KR" altLang="en-US" sz="1000" dirty="0"/>
+                        <a:t>기온</a:t>
+                      </a:r>
+                      <a:r>
+                        <a:rPr lang="en-US" altLang="ko-KR" sz="1000" dirty="0"/>
+                        <a:t>, </a:t>
+                      </a:r>
+                      <a:r>
+                        <a:rPr lang="ko-KR" altLang="en-US" sz="1000" dirty="0"/>
+                        <a:t>체감온도</a:t>
+                      </a:r>
+                      <a:r>
+                        <a:rPr lang="en-US" altLang="ko-KR" sz="1000" dirty="0"/>
+                        <a:t>, </a:t>
+                      </a:r>
+                      <a:r>
+                        <a:rPr lang="ko-KR" altLang="en-US" sz="1000" dirty="0"/>
+                        <a:t>미세먼지</a:t>
+                      </a:r>
+                      <a:r>
+                        <a:rPr lang="en-US" altLang="ko-KR" sz="1000" dirty="0"/>
+                        <a:t>, </a:t>
+                      </a:r>
+                      <a:r>
+                        <a:rPr lang="ko-KR" altLang="en-US" sz="1000" dirty="0"/>
+                        <a:t>강수량</a:t>
+                      </a:r>
+                      <a:r>
+                        <a:rPr lang="en-US" altLang="ko-KR" sz="1000" dirty="0"/>
+                        <a:t> </a:t>
+                      </a:r>
+                      <a:r>
+                        <a:rPr lang="ko-KR" altLang="en-US" sz="1000" dirty="0"/>
+                        <a:t>등 날씨 필요한 오픈</a:t>
+                      </a:r>
+                      <a:r>
+                        <a:rPr lang="en-US" altLang="ko-KR" sz="1000" dirty="0"/>
+                        <a:t>API </a:t>
+                      </a:r>
+                      <a:r>
+                        <a:rPr lang="ko-KR" altLang="en-US" sz="1000" dirty="0"/>
+                        <a:t> 조사 및 자료신청</a:t>
+                      </a:r>
+                    </a:p>
+                  </a:txBody>
+                  <a:tcPr/>
+                </a:tc>
+                <a:tc>
+                  <a:txBody>
+                    <a:bodyPr/>
+                    <a:lstStyle/>
+                    <a:p>
+                      <a:pPr latinLnBrk="1"/>
+                      <a:r>
+                        <a:rPr lang="en-US" altLang="ko-KR" sz="1500" dirty="0"/>
+                        <a:t>100%</a:t>
+                      </a:r>
+                      <a:endParaRPr lang="ko-KR" altLang="en-US" sz="1500" dirty="0"/>
+                    </a:p>
+                  </a:txBody>
+                  <a:tcPr/>
+                </a:tc>
+                <a:extLst>
+                  <a:ext uri="{0D108BD9-81ED-4DB2-BD59-A6C34878D82A}">
+                    <a16:rowId xmlns:a16="http://schemas.microsoft.com/office/drawing/2014/main" val="1854220075"/>
+                  </a:ext>
+                </a:extLst>
+              </a:tr>
+              <a:tr h="502301">
+                <a:tc>
+                  <a:txBody>
+                    <a:bodyPr/>
+                    <a:lstStyle/>
+                    <a:p>
+                      <a:pPr latinLnBrk="1"/>
+                      <a:r>
+                        <a:rPr lang="en-US" altLang="ko-KR" dirty="0"/>
+                        <a:t>2</a:t>
+                      </a:r>
+                      <a:r>
+                        <a:rPr lang="ko-KR" altLang="en-US" dirty="0"/>
+                        <a:t>주 </a:t>
+                      </a:r>
+                      <a:r>
+                        <a:rPr lang="en-US" altLang="ko-KR" dirty="0"/>
+                        <a:t>5/5 ~ 5/11</a:t>
+                      </a:r>
+                      <a:endParaRPr lang="ko-KR" altLang="en-US" dirty="0"/>
+                    </a:p>
+                  </a:txBody>
+                  <a:tcPr/>
+                </a:tc>
+                <a:tc>
+                  <a:txBody>
+                    <a:bodyPr/>
+                    <a:lstStyle/>
+                    <a:p>
+                      <a:pPr latinLnBrk="1"/>
+                      <a:r>
+                        <a:rPr lang="ko-KR" altLang="en-US" sz="1000" dirty="0"/>
+                        <a:t>기획 동영상 제작</a:t>
+                      </a:r>
+                      <a:r>
+                        <a:rPr lang="en-US" altLang="ko-KR" sz="1000" dirty="0"/>
+                        <a:t>, </a:t>
+                      </a:r>
+                      <a:r>
+                        <a:rPr lang="ko-KR" altLang="en-US" sz="1000" dirty="0"/>
+                        <a:t>이미지 리소스 구하기</a:t>
+                      </a:r>
+                    </a:p>
+                  </a:txBody>
+                  <a:tcPr/>
+                </a:tc>
+                <a:tc>
+                  <a:txBody>
+                    <a:bodyPr/>
+                    <a:lstStyle/>
+                    <a:p>
+                      <a:pPr latinLnBrk="1"/>
+                      <a:r>
+                        <a:rPr lang="ko-KR" altLang="en-US" sz="1000" dirty="0"/>
+                        <a:t>개황 이미지 등 필요 리소스 확보</a:t>
+                      </a:r>
+                    </a:p>
+                  </a:txBody>
+                  <a:tcPr/>
+                </a:tc>
+                <a:tc>
+                  <a:txBody>
+                    <a:bodyPr/>
+                    <a:lstStyle/>
+                    <a:p>
+                      <a:pPr latinLnBrk="1"/>
+                      <a:r>
+                        <a:rPr lang="en-US" altLang="ko-KR" sz="1500" dirty="0"/>
+                        <a:t>100%</a:t>
+                      </a:r>
+                      <a:endParaRPr lang="ko-KR" altLang="en-US" sz="1500" dirty="0"/>
+                    </a:p>
+                  </a:txBody>
+                  <a:tcPr/>
+                </a:tc>
+                <a:extLst>
+                  <a:ext uri="{0D108BD9-81ED-4DB2-BD59-A6C34878D82A}">
+                    <a16:rowId xmlns:a16="http://schemas.microsoft.com/office/drawing/2014/main" val="2028616686"/>
+                  </a:ext>
+                </a:extLst>
+              </a:tr>
+              <a:tr h="502301">
+                <a:tc>
+                  <a:txBody>
+                    <a:bodyPr/>
+                    <a:lstStyle/>
+                    <a:p>
+                      <a:pPr latinLnBrk="1"/>
+                      <a:r>
+                        <a:rPr lang="en-US" altLang="ko-KR" dirty="0"/>
+                        <a:t>3</a:t>
+                      </a:r>
+                      <a:r>
+                        <a:rPr lang="ko-KR" altLang="en-US" dirty="0"/>
+                        <a:t>주 </a:t>
+                      </a:r>
+                      <a:r>
+                        <a:rPr lang="en-US" altLang="ko-KR" dirty="0"/>
+                        <a:t>5/12 ~ 5/18</a:t>
+                      </a:r>
+                      <a:endParaRPr lang="ko-KR" altLang="en-US" dirty="0"/>
+                    </a:p>
+                  </a:txBody>
+                  <a:tcPr/>
+                </a:tc>
+                <a:tc>
+                  <a:txBody>
+                    <a:bodyPr/>
+                    <a:lstStyle/>
+                    <a:p>
+                      <a:pPr latinLnBrk="1"/>
+                      <a:r>
+                        <a:rPr lang="en-US" altLang="ko-KR" sz="1000" dirty="0"/>
+                        <a:t>Open API </a:t>
+                      </a:r>
+                      <a:r>
+                        <a:rPr lang="ko-KR" altLang="en-US" sz="1000" dirty="0"/>
+                        <a:t>연동</a:t>
+                      </a:r>
+                      <a:r>
+                        <a:rPr lang="en-US" altLang="ko-KR" sz="1000" dirty="0"/>
+                        <a:t>, </a:t>
+                      </a:r>
+                      <a:r>
+                        <a:rPr lang="ko-KR" altLang="en-US" sz="1000" dirty="0"/>
+                        <a:t>메인 화면 </a:t>
+                      </a:r>
+                      <a:r>
+                        <a:rPr lang="en-US" altLang="ko-KR" sz="1000" dirty="0"/>
+                        <a:t>UI </a:t>
+                      </a:r>
+                      <a:r>
+                        <a:rPr lang="ko-KR" altLang="en-US" sz="1000" dirty="0"/>
+                        <a:t>제작</a:t>
+                      </a:r>
+                    </a:p>
+                  </a:txBody>
+                  <a:tcPr/>
+                </a:tc>
+                <a:tc>
+                  <a:txBody>
+                    <a:bodyPr/>
+                    <a:lstStyle/>
+                    <a:p>
+                      <a:pPr latinLnBrk="1"/>
+                      <a:r>
+                        <a:rPr lang="ko-KR" altLang="en-US" sz="1000" dirty="0"/>
+                        <a:t>메인 화면 </a:t>
+                      </a:r>
+                      <a:r>
+                        <a:rPr lang="en-US" altLang="ko-KR" sz="1000" dirty="0"/>
+                        <a:t>UI </a:t>
+                      </a:r>
+                      <a:r>
+                        <a:rPr lang="ko-KR" altLang="en-US" sz="1000" dirty="0"/>
+                        <a:t>구성 후 해당 프레임들에 해당하는 기능 구현</a:t>
+                      </a:r>
+                    </a:p>
+                  </a:txBody>
+                  <a:tcPr/>
+                </a:tc>
+                <a:tc>
+                  <a:txBody>
+                    <a:bodyPr/>
+                    <a:lstStyle/>
+                    <a:p>
+                      <a:pPr latinLnBrk="1"/>
+                      <a:endParaRPr lang="ko-KR" altLang="en-US" sz="1500" dirty="0"/>
+                    </a:p>
+                  </a:txBody>
+                  <a:tcPr/>
+                </a:tc>
+                <a:extLst>
+                  <a:ext uri="{0D108BD9-81ED-4DB2-BD59-A6C34878D82A}">
+                    <a16:rowId xmlns:a16="http://schemas.microsoft.com/office/drawing/2014/main" val="230343652"/>
+                  </a:ext>
+                </a:extLst>
+              </a:tr>
+              <a:tr h="502301">
+                <a:tc>
+                  <a:txBody>
+                    <a:bodyPr/>
+                    <a:lstStyle/>
+                    <a:p>
+                      <a:pPr latinLnBrk="1"/>
+                      <a:r>
+                        <a:rPr lang="en-US" altLang="ko-KR" dirty="0"/>
+                        <a:t>4</a:t>
+                      </a:r>
+                      <a:r>
+                        <a:rPr lang="ko-KR" altLang="en-US" dirty="0"/>
+                        <a:t>주 </a:t>
+                      </a:r>
+                      <a:r>
+                        <a:rPr lang="en-US" altLang="ko-KR" dirty="0"/>
+                        <a:t>5/19 ~ 5/25</a:t>
+                      </a:r>
+                      <a:endParaRPr lang="ko-KR" altLang="en-US" dirty="0"/>
+                    </a:p>
+                  </a:txBody>
+                  <a:tcPr/>
+                </a:tc>
+                <a:tc>
+                  <a:txBody>
+                    <a:bodyPr/>
+                    <a:lstStyle/>
+                    <a:p>
+                      <a:pPr latinLnBrk="1"/>
+                      <a:endParaRPr lang="ko-KR" altLang="en-US" sz="1000" dirty="0"/>
+                    </a:p>
+                  </a:txBody>
+                  <a:tcPr/>
+                </a:tc>
+                <a:tc>
+                  <a:txBody>
+                    <a:bodyPr/>
+                    <a:lstStyle/>
+                    <a:p>
+                      <a:pPr latinLnBrk="1"/>
+                      <a:endParaRPr lang="ko-KR" altLang="en-US" sz="1000" dirty="0"/>
+                    </a:p>
+                  </a:txBody>
+                  <a:tcPr/>
+                </a:tc>
+                <a:tc>
+                  <a:txBody>
+                    <a:bodyPr/>
+                    <a:lstStyle/>
+                    <a:p>
+                      <a:pPr latinLnBrk="1"/>
+                      <a:endParaRPr lang="ko-KR" altLang="en-US" sz="1500" dirty="0"/>
+                    </a:p>
+                  </a:txBody>
+                  <a:tcPr/>
+                </a:tc>
+                <a:extLst>
+                  <a:ext uri="{0D108BD9-81ED-4DB2-BD59-A6C34878D82A}">
+                    <a16:rowId xmlns:a16="http://schemas.microsoft.com/office/drawing/2014/main" val="127143261"/>
+                  </a:ext>
+                </a:extLst>
+              </a:tr>
+              <a:tr h="502301">
+                <a:tc>
+                  <a:txBody>
+                    <a:bodyPr/>
+                    <a:lstStyle/>
+                    <a:p>
+                      <a:pPr latinLnBrk="1"/>
+                      <a:r>
+                        <a:rPr lang="en-US" altLang="ko-KR" dirty="0"/>
+                        <a:t>5</a:t>
+                      </a:r>
+                      <a:r>
+                        <a:rPr lang="ko-KR" altLang="en-US" dirty="0"/>
+                        <a:t>주 </a:t>
+                      </a:r>
+                      <a:r>
+                        <a:rPr lang="en-US" altLang="ko-KR" dirty="0"/>
+                        <a:t>5/26 ~ 6/1</a:t>
+                      </a:r>
+                      <a:endParaRPr lang="ko-KR" altLang="en-US" dirty="0"/>
+                    </a:p>
+                  </a:txBody>
+                  <a:tcPr/>
+                </a:tc>
+                <a:tc>
+                  <a:txBody>
+                    <a:bodyPr/>
+                    <a:lstStyle/>
+                    <a:p>
+                      <a:pPr latinLnBrk="1"/>
+                      <a:r>
+                        <a:rPr lang="ko-KR" altLang="en-US" sz="1000" dirty="0"/>
+                        <a:t>데이터 시각화</a:t>
+                      </a:r>
+                    </a:p>
+                  </a:txBody>
+                  <a:tcPr/>
+                </a:tc>
+                <a:tc>
+                  <a:txBody>
+                    <a:bodyPr/>
+                    <a:lstStyle/>
+                    <a:p>
+                      <a:pPr latinLnBrk="1"/>
+                      <a:r>
+                        <a:rPr lang="ko-KR" altLang="en-US" sz="1000" dirty="0"/>
+                        <a:t>메인 화면에서 </a:t>
+                      </a:r>
+                      <a:r>
+                        <a:rPr lang="ko-KR" altLang="en-US" sz="1000" dirty="0" err="1"/>
+                        <a:t>파싱한</a:t>
+                      </a:r>
+                      <a:r>
+                        <a:rPr lang="ko-KR" altLang="en-US" sz="1000" dirty="0"/>
+                        <a:t> 데이터를 그래프</a:t>
+                      </a:r>
+                      <a:r>
+                        <a:rPr lang="en-US" altLang="ko-KR" sz="1000" dirty="0"/>
+                        <a:t>, </a:t>
+                      </a:r>
+                      <a:r>
+                        <a:rPr lang="ko-KR" altLang="en-US" sz="1000" dirty="0"/>
+                        <a:t>이미지로 표현</a:t>
+                      </a:r>
+                    </a:p>
+                  </a:txBody>
+                  <a:tcPr/>
+                </a:tc>
+                <a:tc>
+                  <a:txBody>
+                    <a:bodyPr/>
+                    <a:lstStyle/>
+                    <a:p>
+                      <a:pPr latinLnBrk="1"/>
+                      <a:endParaRPr lang="ko-KR" altLang="en-US" sz="1500" dirty="0"/>
+                    </a:p>
+                  </a:txBody>
+                  <a:tcPr/>
+                </a:tc>
+                <a:extLst>
+                  <a:ext uri="{0D108BD9-81ED-4DB2-BD59-A6C34878D82A}">
+                    <a16:rowId xmlns:a16="http://schemas.microsoft.com/office/drawing/2014/main" val="1779829236"/>
+                  </a:ext>
+                </a:extLst>
+              </a:tr>
+              <a:tr h="502301">
+                <a:tc>
+                  <a:txBody>
+                    <a:bodyPr/>
+                    <a:lstStyle/>
+                    <a:p>
+                      <a:pPr latinLnBrk="1"/>
+                      <a:r>
+                        <a:rPr lang="en-US" altLang="ko-KR" dirty="0"/>
+                        <a:t>6</a:t>
+                      </a:r>
+                      <a:r>
+                        <a:rPr lang="ko-KR" altLang="en-US" dirty="0"/>
+                        <a:t>주 </a:t>
+                      </a:r>
+                      <a:r>
+                        <a:rPr lang="en-US" altLang="ko-KR" dirty="0"/>
+                        <a:t>6/2 ~ 6/8</a:t>
+                      </a:r>
+                      <a:endParaRPr lang="ko-KR" altLang="en-US" dirty="0"/>
+                    </a:p>
+                  </a:txBody>
+                  <a:tcPr/>
+                </a:tc>
+                <a:tc>
+                  <a:txBody>
+                    <a:bodyPr/>
+                    <a:lstStyle/>
+                    <a:p>
+                      <a:pPr latinLnBrk="1"/>
+                      <a:r>
+                        <a:rPr lang="ko-KR" altLang="en-US" sz="1000" dirty="0" err="1"/>
+                        <a:t>텔레그램봇</a:t>
+                      </a:r>
+                      <a:r>
+                        <a:rPr lang="ko-KR" altLang="en-US" sz="1000" dirty="0"/>
+                        <a:t> 제작</a:t>
+                      </a:r>
+                    </a:p>
+                  </a:txBody>
+                  <a:tcPr/>
+                </a:tc>
+                <a:tc>
+                  <a:txBody>
+                    <a:bodyPr/>
+                    <a:lstStyle/>
+                    <a:p>
+                      <a:pPr latinLnBrk="1"/>
+                      <a:r>
+                        <a:rPr lang="ko-KR" altLang="en-US" sz="1000" dirty="0"/>
+                        <a:t>채팅 구현 및 테스트</a:t>
+                      </a:r>
+                    </a:p>
+                  </a:txBody>
+                  <a:tcPr/>
+                </a:tc>
+                <a:tc>
+                  <a:txBody>
+                    <a:bodyPr/>
+                    <a:lstStyle/>
+                    <a:p>
+                      <a:pPr latinLnBrk="1"/>
+                      <a:endParaRPr lang="ko-KR" altLang="en-US" sz="1500" dirty="0"/>
+                    </a:p>
+                  </a:txBody>
+                  <a:tcPr/>
+                </a:tc>
+                <a:extLst>
+                  <a:ext uri="{0D108BD9-81ED-4DB2-BD59-A6C34878D82A}">
+                    <a16:rowId xmlns:a16="http://schemas.microsoft.com/office/drawing/2014/main" val="1627197047"/>
+                  </a:ext>
+                </a:extLst>
+              </a:tr>
+              <a:tr h="502301">
+                <a:tc>
+                  <a:txBody>
+                    <a:bodyPr/>
+                    <a:lstStyle/>
+                    <a:p>
+                      <a:pPr latinLnBrk="1"/>
+                      <a:r>
+                        <a:rPr lang="en-US" altLang="ko-KR" dirty="0"/>
+                        <a:t>7</a:t>
+                      </a:r>
+                      <a:r>
+                        <a:rPr lang="ko-KR" altLang="en-US" dirty="0"/>
+                        <a:t>주 </a:t>
+                      </a:r>
+                      <a:r>
+                        <a:rPr lang="en-US" altLang="ko-KR" dirty="0"/>
+                        <a:t>6/9 ~ 6/15</a:t>
+                      </a:r>
+                      <a:endParaRPr lang="ko-KR" altLang="en-US" dirty="0"/>
+                    </a:p>
+                  </a:txBody>
+                  <a:tcPr/>
+                </a:tc>
+                <a:tc>
+                  <a:txBody>
+                    <a:bodyPr/>
+                    <a:lstStyle/>
+                    <a:p>
+                      <a:pPr latinLnBrk="1"/>
+                      <a:r>
+                        <a:rPr lang="en-US" altLang="ko-KR" sz="1000" dirty="0"/>
+                        <a:t>C++ </a:t>
+                      </a:r>
+                      <a:r>
+                        <a:rPr lang="ko-KR" altLang="en-US" sz="1000" dirty="0"/>
+                        <a:t>자료구조 연동 </a:t>
+                      </a:r>
+                      <a:r>
+                        <a:rPr lang="en-US" altLang="ko-KR" sz="1000" dirty="0"/>
+                        <a:t>(</a:t>
+                      </a:r>
+                      <a:r>
+                        <a:rPr lang="ko-KR" altLang="en-US" sz="1000" dirty="0"/>
+                        <a:t>검색기능</a:t>
+                      </a:r>
+                      <a:r>
+                        <a:rPr lang="en-US" altLang="ko-KR" sz="1000" dirty="0"/>
+                        <a:t>)</a:t>
+                      </a:r>
+                      <a:endParaRPr lang="ko-KR" altLang="en-US" sz="1000" dirty="0"/>
+                    </a:p>
+                  </a:txBody>
+                  <a:tcPr/>
+                </a:tc>
+                <a:tc>
+                  <a:txBody>
+                    <a:bodyPr/>
+                    <a:lstStyle/>
+                    <a:p>
+                      <a:pPr latinLnBrk="1"/>
+                      <a:r>
+                        <a:rPr lang="ko-KR" altLang="en-US" sz="1000" dirty="0"/>
+                        <a:t>검색</a:t>
+                      </a:r>
+                      <a:r>
+                        <a:rPr lang="en-US" altLang="ko-KR" sz="1000" dirty="0"/>
+                        <a:t>, </a:t>
+                      </a:r>
+                      <a:r>
+                        <a:rPr lang="ko-KR" altLang="en-US" sz="1000" dirty="0"/>
+                        <a:t>정렬기능에 필요한 </a:t>
+                      </a:r>
+                      <a:r>
+                        <a:rPr lang="en-US" altLang="ko-KR" sz="1000" dirty="0"/>
+                        <a:t>C++</a:t>
+                      </a:r>
+                      <a:r>
+                        <a:rPr lang="ko-KR" altLang="en-US" sz="1000" dirty="0"/>
+                        <a:t> 자료구조 연동</a:t>
+                      </a:r>
+                    </a:p>
+                  </a:txBody>
+                  <a:tcPr/>
+                </a:tc>
+                <a:tc>
+                  <a:txBody>
+                    <a:bodyPr/>
+                    <a:lstStyle/>
+                    <a:p>
+                      <a:pPr latinLnBrk="1"/>
+                      <a:endParaRPr lang="ko-KR" altLang="en-US" sz="1500" dirty="0"/>
+                    </a:p>
+                  </a:txBody>
+                  <a:tcPr/>
+                </a:tc>
+                <a:extLst>
+                  <a:ext uri="{0D108BD9-81ED-4DB2-BD59-A6C34878D82A}">
+                    <a16:rowId xmlns:a16="http://schemas.microsoft.com/office/drawing/2014/main" val="1156196897"/>
+                  </a:ext>
+                </a:extLst>
+              </a:tr>
+              <a:tr h="502301">
+                <a:tc>
+                  <a:txBody>
+                    <a:bodyPr/>
+                    <a:lstStyle/>
+                    <a:p>
+                      <a:pPr latinLnBrk="1"/>
+                      <a:r>
+                        <a:rPr lang="en-US" altLang="ko-KR" dirty="0"/>
+                        <a:t>8</a:t>
+                      </a:r>
+                      <a:r>
+                        <a:rPr lang="ko-KR" altLang="en-US" dirty="0"/>
+                        <a:t>주 </a:t>
+                      </a:r>
+                      <a:r>
+                        <a:rPr lang="en-US" altLang="ko-KR" dirty="0"/>
+                        <a:t>6/16 ~ 6/20</a:t>
+                      </a:r>
+                      <a:endParaRPr lang="ko-KR" altLang="en-US" dirty="0"/>
+                    </a:p>
+                  </a:txBody>
+                  <a:tcPr/>
+                </a:tc>
+                <a:tc>
+                  <a:txBody>
+                    <a:bodyPr/>
+                    <a:lstStyle/>
+                    <a:p>
+                      <a:pPr latinLnBrk="1"/>
+                      <a:r>
+                        <a:rPr lang="ko-KR" altLang="en-US" sz="1000" dirty="0"/>
+                        <a:t>기본 부족한 기능 추가</a:t>
+                      </a:r>
+                    </a:p>
+                  </a:txBody>
+                  <a:tcPr/>
+                </a:tc>
+                <a:tc>
+                  <a:txBody>
+                    <a:bodyPr/>
+                    <a:lstStyle/>
+                    <a:p>
+                      <a:pPr latinLnBrk="1"/>
+                      <a:r>
+                        <a:rPr lang="ko-KR" altLang="en-US" sz="1000" dirty="0"/>
+                        <a:t>미흡한 </a:t>
+                      </a:r>
+                      <a:r>
+                        <a:rPr lang="en-US" altLang="ko-KR" sz="1000" dirty="0"/>
+                        <a:t>UI </a:t>
+                      </a:r>
+                      <a:r>
+                        <a:rPr lang="ko-KR" altLang="en-US" sz="1000" dirty="0"/>
+                        <a:t>수정 및 </a:t>
+                      </a:r>
+                      <a:r>
+                        <a:rPr lang="ko-KR" altLang="en-US" sz="1000" dirty="0" err="1"/>
+                        <a:t>텔레그램봇</a:t>
+                      </a:r>
+                      <a:r>
+                        <a:rPr lang="ko-KR" altLang="en-US" sz="1000" dirty="0"/>
+                        <a:t> 테스트 마무리 작업</a:t>
+                      </a:r>
+                    </a:p>
+                  </a:txBody>
+                  <a:tcPr/>
+                </a:tc>
+                <a:tc>
+                  <a:txBody>
+                    <a:bodyPr/>
+                    <a:lstStyle/>
+                    <a:p>
+                      <a:pPr latinLnBrk="1"/>
+                      <a:endParaRPr lang="ko-KR" altLang="en-US" sz="1500" dirty="0"/>
+                    </a:p>
+                  </a:txBody>
+                  <a:tcPr/>
+                </a:tc>
+                <a:extLst>
+                  <a:ext uri="{0D108BD9-81ED-4DB2-BD59-A6C34878D82A}">
+                    <a16:rowId xmlns:a16="http://schemas.microsoft.com/office/drawing/2014/main" val="2858101976"/>
+                  </a:ext>
+                </a:extLst>
+              </a:tr>
+            </a:tbl>
+          </a:graphicData>
+        </a:graphic>
+      </p:graphicFrame>
+    </p:spTree>
+    <p:extLst>
+      <p:ext uri="{BB962C8B-B14F-4D97-AF65-F5344CB8AC3E}">
+        <p14:creationId xmlns:p14="http://schemas.microsoft.com/office/powerpoint/2010/main" val="1014088901"/>
+      </p:ext>
+    </p:extLst>
+  </p:cSld>
+  <p:clrMapOvr>
+    <a:masterClrMapping/>
+  </p:clrMapOvr>
+</p:sld>
+</file>
+
 <file path=ppt/slides/slide2.xml><?xml version="1.0" encoding="utf-8"?>
 <p:sld xmlns:a="http://schemas.openxmlformats.org/drawingml/2006/main" xmlns:r="http://schemas.openxmlformats.org/officeDocument/2006/relationships" xmlns:p="http://schemas.openxmlformats.org/presentationml/2006/main">
   <p:cSld>
@@ -9225,37 +9924,70 @@
             <p:ph idx="1"/>
           </p:nvPr>
         </p:nvSpPr>
-        <p:spPr/>
+        <p:spPr>
+          <a:xfrm>
+            <a:off x="4854209" y="3097705"/>
+            <a:ext cx="1985862" cy="444649"/>
+          </a:xfrm>
+        </p:spPr>
         <p:txBody>
-          <a:bodyPr/>
+          <a:bodyPr>
+            <a:normAutofit fontScale="92500" lnSpcReduction="20000"/>
+          </a:bodyPr>
           <a:lstStyle/>
           <a:p>
             <a:r>
-              <a:rPr lang="ko-KR" altLang="en-US" dirty="0" err="1"/>
+              <a:rPr lang="ko-KR" altLang="en-US" sz="3500" b="1" dirty="0" err="1"/>
               <a:t>날씨어때</a:t>
             </a:r>
             <a:r>
-              <a:rPr lang="en-US" altLang="ko-KR" dirty="0"/>
+              <a:rPr lang="en-US" altLang="ko-KR" sz="3500" b="1" dirty="0"/>
               <a:t>?</a:t>
             </a:r>
           </a:p>
           <a:p>
             <a:endParaRPr lang="en-US" altLang="ko-KR" dirty="0"/>
           </a:p>
+        </p:txBody>
+      </p:sp>
+      <p:sp>
+        <p:nvSpPr>
+          <p:cNvPr id="5" name="TextBox 4">
+            <a:extLst>
+              <a:ext uri="{FF2B5EF4-FFF2-40B4-BE49-F238E27FC236}">
+                <a16:creationId xmlns:a16="http://schemas.microsoft.com/office/drawing/2014/main" id="{E33D4DBA-3A56-4DCF-B155-EA81F7BF20F7}"/>
+              </a:ext>
+            </a:extLst>
+          </p:cNvPr>
+          <p:cNvSpPr txBox="1"/>
+          <p:nvPr/>
+        </p:nvSpPr>
+        <p:spPr>
+          <a:xfrm>
+            <a:off x="450163" y="4007197"/>
+            <a:ext cx="8808092" cy="523220"/>
+          </a:xfrm>
+          <a:prstGeom prst="rect">
+            <a:avLst/>
+          </a:prstGeom>
+          <a:noFill/>
+        </p:spPr>
+        <p:txBody>
+          <a:bodyPr wrap="square" rtlCol="0">
+            <a:spAutoFit/>
+          </a:bodyPr>
+          <a:lstStyle/>
           <a:p>
             <a:pPr lvl="5"/>
             <a:r>
-              <a:rPr lang="en-US" altLang="ko-KR" dirty="0"/>
+              <a:rPr lang="en-US" altLang="ko-KR" sz="2800" b="1" dirty="0"/>
               <a:t>GUI</a:t>
             </a:r>
             <a:r>
-              <a:rPr lang="ko-KR" altLang="en-US" dirty="0"/>
+              <a:rPr lang="ko-KR" altLang="en-US" sz="2800" b="1" dirty="0"/>
               <a:t>를 적극 활용한 날씨 어플리케이션</a:t>
             </a:r>
-            <a:r>
-              <a:rPr lang="en-US" altLang="ko-KR" dirty="0"/>
-              <a:t>.</a:t>
-            </a:r>
+            <a:endParaRPr lang="en-US" altLang="ko-KR" sz="2400" b="1" dirty="0"/>
           </a:p>
         </p:txBody>
       </p:sp>
@@ -9273,6 +10005,296 @@
 </file>
 
 <file path=ppt/slides/slide4.xml><?xml version="1.0" encoding="utf-8"?>
+<p:sld xmlns:a="http://schemas.openxmlformats.org/drawingml/2006/main" xmlns:r="http://schemas.openxmlformats.org/officeDocument/2006/relationships" xmlns:p="http://schemas.openxmlformats.org/presentationml/2006/main">
+  <p:cSld>
+    <p:spTree>
+      <p:nvGrpSpPr>
+        <p:cNvPr id="1" name=""/>
+        <p:cNvGrpSpPr/>
+        <p:nvPr/>
+      </p:nvGrpSpPr>
+      <p:grpSpPr>
+        <a:xfrm>
+          <a:off x="0" y="0"/>
+          <a:ext cx="0" cy="0"/>
+          <a:chOff x="0" y="0"/>
+          <a:chExt cx="0" cy="0"/>
+        </a:xfrm>
+      </p:grpSpPr>
+      <p:sp>
+        <p:nvSpPr>
+          <p:cNvPr id="2" name="제목 1">
+            <a:extLst>
+              <a:ext uri="{FF2B5EF4-FFF2-40B4-BE49-F238E27FC236}">
+                <a16:creationId xmlns:a16="http://schemas.microsoft.com/office/drawing/2014/main" id="{4C5F77B3-4C12-4A40-AFBB-A63FB5F5B7C8}"/>
+              </a:ext>
+            </a:extLst>
+          </p:cNvPr>
+          <p:cNvSpPr>
+            <a:spLocks noGrp="1"/>
+          </p:cNvSpPr>
+          <p:nvPr>
+            <p:ph type="title"/>
+          </p:nvPr>
+        </p:nvSpPr>
+        <p:spPr/>
+        <p:txBody>
+          <a:bodyPr/>
+          <a:lstStyle/>
+          <a:p>
+            <a:r>
+              <a:rPr lang="ko-KR" altLang="en-US" dirty="0"/>
+              <a:t>사용 </a:t>
+            </a:r>
+            <a:r>
+              <a:rPr lang="en-US" altLang="ko-KR" dirty="0"/>
+              <a:t>Open API</a:t>
+            </a:r>
+            <a:endParaRPr lang="ko-KR" altLang="en-US" dirty="0"/>
+          </a:p>
+        </p:txBody>
+      </p:sp>
+      <p:sp>
+        <p:nvSpPr>
+          <p:cNvPr id="3" name="내용 개체 틀 2">
+            <a:extLst>
+              <a:ext uri="{FF2B5EF4-FFF2-40B4-BE49-F238E27FC236}">
+                <a16:creationId xmlns:a16="http://schemas.microsoft.com/office/drawing/2014/main" id="{BC8998F8-57C1-4388-B795-956C3F6CD5DB}"/>
+              </a:ext>
+            </a:extLst>
+          </p:cNvPr>
+          <p:cNvSpPr>
+            <a:spLocks noGrp="1"/>
+          </p:cNvSpPr>
+          <p:nvPr>
+            <p:ph idx="1"/>
+          </p:nvPr>
+        </p:nvSpPr>
+        <p:spPr>
+          <a:xfrm>
+            <a:off x="3273309" y="2157731"/>
+            <a:ext cx="5645382" cy="3705187"/>
+          </a:xfrm>
+        </p:spPr>
+        <p:txBody>
+          <a:bodyPr>
+            <a:normAutofit lnSpcReduction="10000"/>
+          </a:bodyPr>
+          <a:lstStyle/>
+          <a:p>
+            <a:r>
+              <a:rPr lang="en-US" altLang="ko-KR" sz="3000" b="1" dirty="0"/>
+              <a:t>1) </a:t>
+            </a:r>
+            <a:r>
+              <a:rPr lang="ko-KR" altLang="en-US" sz="3000" b="1" dirty="0"/>
+              <a:t>중기예보정보 조회 서비스</a:t>
+            </a:r>
+            <a:endParaRPr lang="en-US" altLang="ko-KR" sz="3000" b="1" dirty="0"/>
+          </a:p>
+          <a:p>
+            <a:endParaRPr lang="en-US" altLang="ko-KR" sz="3000" b="1" dirty="0"/>
+          </a:p>
+          <a:p>
+            <a:r>
+              <a:rPr lang="en-US" altLang="ko-KR" sz="3000" b="1" dirty="0"/>
+              <a:t>2) </a:t>
+            </a:r>
+            <a:r>
+              <a:rPr lang="ko-KR" altLang="en-US" sz="3000" b="1" dirty="0"/>
+              <a:t>동네예보정보 조회 서비스</a:t>
+            </a:r>
+            <a:endParaRPr lang="en-US" altLang="ko-KR" sz="3000" b="1" dirty="0"/>
+          </a:p>
+          <a:p>
+            <a:endParaRPr lang="en-US" altLang="ko-KR" sz="3000" b="1" dirty="0"/>
+          </a:p>
+          <a:p>
+            <a:r>
+              <a:rPr lang="en-US" altLang="ko-KR" sz="3000" b="1" dirty="0"/>
+              <a:t>3) </a:t>
+            </a:r>
+            <a:r>
+              <a:rPr lang="ko-KR" altLang="en-US" sz="3000" b="1" dirty="0"/>
+              <a:t>대기오염정보 조회 서비스</a:t>
+            </a:r>
+            <a:endParaRPr lang="en-US" altLang="ko-KR" sz="3000" b="1" dirty="0"/>
+          </a:p>
+          <a:p>
+            <a:endParaRPr lang="en-US" altLang="ko-KR" sz="3000" b="1" dirty="0"/>
+          </a:p>
+          <a:p>
+            <a:r>
+              <a:rPr lang="en-US" altLang="ko-KR" sz="3000" b="1" dirty="0"/>
+              <a:t>4) </a:t>
+            </a:r>
+            <a:r>
+              <a:rPr lang="ko-KR" altLang="en-US" sz="3000" b="1" dirty="0"/>
+              <a:t>생활기상지수조회</a:t>
+            </a:r>
+            <a:endParaRPr lang="en-US" altLang="ko-KR" sz="3000" b="1" dirty="0"/>
+          </a:p>
+          <a:p>
+            <a:endParaRPr lang="en-US" altLang="ko-KR" dirty="0"/>
+          </a:p>
+        </p:txBody>
+      </p:sp>
+    </p:spTree>
+    <p:extLst>
+      <p:ext uri="{BB962C8B-B14F-4D97-AF65-F5344CB8AC3E}">
+        <p14:creationId xmlns:p14="http://schemas.microsoft.com/office/powerpoint/2010/main" val="1676110741"/>
+      </p:ext>
+    </p:extLst>
+  </p:cSld>
+  <p:clrMapOvr>
+    <a:masterClrMapping/>
+  </p:clrMapOvr>
+</p:sld>
+</file>
+
+<file path=ppt/slides/slide5.xml><?xml version="1.0" encoding="utf-8"?>
+<p:sld xmlns:a="http://schemas.openxmlformats.org/drawingml/2006/main" xmlns:r="http://schemas.openxmlformats.org/officeDocument/2006/relationships" xmlns:p="http://schemas.openxmlformats.org/presentationml/2006/main">
+  <p:cSld>
+    <p:spTree>
+      <p:nvGrpSpPr>
+        <p:cNvPr id="1" name=""/>
+        <p:cNvGrpSpPr/>
+        <p:nvPr/>
+      </p:nvGrpSpPr>
+      <p:grpSpPr>
+        <a:xfrm>
+          <a:off x="0" y="0"/>
+          <a:ext cx="0" cy="0"/>
+          <a:chOff x="0" y="0"/>
+          <a:chExt cx="0" cy="0"/>
+        </a:xfrm>
+      </p:grpSpPr>
+      <p:sp>
+        <p:nvSpPr>
+          <p:cNvPr id="2" name="제목 1">
+            <a:extLst>
+              <a:ext uri="{FF2B5EF4-FFF2-40B4-BE49-F238E27FC236}">
+                <a16:creationId xmlns:a16="http://schemas.microsoft.com/office/drawing/2014/main" id="{4C5F77B3-4C12-4A40-AFBB-A63FB5F5B7C8}"/>
+              </a:ext>
+            </a:extLst>
+          </p:cNvPr>
+          <p:cNvSpPr>
+            <a:spLocks noGrp="1"/>
+          </p:cNvSpPr>
+          <p:nvPr>
+            <p:ph type="title"/>
+          </p:nvPr>
+        </p:nvSpPr>
+        <p:spPr/>
+        <p:txBody>
+          <a:bodyPr/>
+          <a:lstStyle/>
+          <a:p>
+            <a:r>
+              <a:rPr lang="ko-KR" altLang="en-US" dirty="0"/>
+              <a:t>구현 기능</a:t>
+            </a:r>
+          </a:p>
+        </p:txBody>
+      </p:sp>
+      <p:sp>
+        <p:nvSpPr>
+          <p:cNvPr id="6" name="내용 개체 틀 2">
+            <a:extLst>
+              <a:ext uri="{FF2B5EF4-FFF2-40B4-BE49-F238E27FC236}">
+                <a16:creationId xmlns:a16="http://schemas.microsoft.com/office/drawing/2014/main" id="{BF7ED72D-7F06-4069-85DD-489ED6FAB80E}"/>
+              </a:ext>
+            </a:extLst>
+          </p:cNvPr>
+          <p:cNvSpPr>
+            <a:spLocks noGrp="1"/>
+          </p:cNvSpPr>
+          <p:nvPr>
+            <p:ph idx="1"/>
+          </p:nvPr>
+        </p:nvSpPr>
+        <p:spPr>
+          <a:xfrm>
+            <a:off x="4356382" y="1757082"/>
+            <a:ext cx="3479236" cy="4428565"/>
+          </a:xfrm>
+          <a:ln w="76200">
+            <a:solidFill>
+              <a:schemeClr val="accent1"/>
+            </a:solidFill>
+          </a:ln>
+        </p:spPr>
+        <p:txBody>
+          <a:bodyPr anchor="ctr">
+            <a:normAutofit/>
+          </a:bodyPr>
+          <a:lstStyle/>
+          <a:p>
+            <a:r>
+              <a:rPr lang="en-US" altLang="ko-KR" sz="2800" dirty="0"/>
+              <a:t>1. </a:t>
+            </a:r>
+            <a:r>
+              <a:rPr lang="ko-KR" altLang="en-US" sz="2800" dirty="0"/>
+              <a:t>메인 화면</a:t>
+            </a:r>
+            <a:endParaRPr lang="en-US" altLang="ko-KR" sz="2800" dirty="0"/>
+          </a:p>
+          <a:p>
+            <a:endParaRPr lang="en-US" altLang="ko-KR" sz="2800" dirty="0"/>
+          </a:p>
+          <a:p>
+            <a:r>
+              <a:rPr lang="en-US" altLang="ko-KR" sz="2800" dirty="0"/>
+              <a:t>2. </a:t>
+            </a:r>
+            <a:r>
+              <a:rPr lang="ko-KR" altLang="en-US" sz="2800" dirty="0"/>
+              <a:t>검색</a:t>
+            </a:r>
+            <a:endParaRPr lang="en-US" altLang="ko-KR" sz="2800" dirty="0"/>
+          </a:p>
+          <a:p>
+            <a:endParaRPr lang="en-US" altLang="ko-KR" sz="2800" dirty="0"/>
+          </a:p>
+          <a:p>
+            <a:r>
+              <a:rPr lang="en-US" altLang="ko-KR" sz="2800" dirty="0"/>
+              <a:t>3. </a:t>
+            </a:r>
+            <a:r>
+              <a:rPr lang="ko-KR" altLang="en-US" sz="2800" dirty="0"/>
+              <a:t>즐겨찾기</a:t>
+            </a:r>
+            <a:endParaRPr lang="en-US" altLang="ko-KR" sz="2800" dirty="0"/>
+          </a:p>
+          <a:p>
+            <a:r>
+              <a:rPr lang="en-US" altLang="ko-KR" sz="2800" dirty="0"/>
+              <a:t>   /</a:t>
+            </a:r>
+            <a:r>
+              <a:rPr lang="ko-KR" altLang="en-US" sz="2800" dirty="0"/>
+              <a:t>이메일 전송</a:t>
+            </a:r>
+            <a:endParaRPr lang="en-US" altLang="ko-KR" sz="2800" dirty="0"/>
+          </a:p>
+        </p:txBody>
+      </p:sp>
+    </p:spTree>
+    <p:extLst>
+      <p:ext uri="{BB962C8B-B14F-4D97-AF65-F5344CB8AC3E}">
+        <p14:creationId xmlns:p14="http://schemas.microsoft.com/office/powerpoint/2010/main" val="2890657593"/>
+      </p:ext>
+    </p:extLst>
+  </p:cSld>
+  <p:clrMapOvr>
+    <a:masterClrMapping/>
+  </p:clrMapOvr>
+</p:sld>
+</file>
+
+<file path=ppt/slides/slide6.xml><?xml version="1.0" encoding="utf-8"?>
 <p:sld xmlns:a="http://schemas.openxmlformats.org/drawingml/2006/main" xmlns:r="http://schemas.openxmlformats.org/officeDocument/2006/relationships" xmlns:p="http://schemas.openxmlformats.org/presentationml/2006/main">
   <p:cSld>
     <p:spTree>
@@ -12554,6 +13576,50 @@
           </p:txBody>
         </p:sp>
       </p:grpSp>
+      <p:sp>
+        <p:nvSpPr>
+          <p:cNvPr id="75" name="TextBox 74">
+            <a:extLst>
+              <a:ext uri="{FF2B5EF4-FFF2-40B4-BE49-F238E27FC236}">
+                <a16:creationId xmlns:a16="http://schemas.microsoft.com/office/drawing/2014/main" id="{81417DDE-164F-4D3A-B096-C7C266227841}"/>
+              </a:ext>
+            </a:extLst>
+          </p:cNvPr>
+          <p:cNvSpPr txBox="1"/>
+          <p:nvPr/>
+        </p:nvSpPr>
+        <p:spPr>
+          <a:xfrm>
+            <a:off x="10088542" y="214383"/>
+            <a:ext cx="2094676" cy="584775"/>
+          </a:xfrm>
+          <a:prstGeom prst="rect">
+            <a:avLst/>
+          </a:prstGeom>
+          <a:noFill/>
+        </p:spPr>
+        <p:txBody>
+          <a:bodyPr wrap="square" rtlCol="0">
+            <a:spAutoFit/>
+          </a:bodyPr>
+          <a:lstStyle/>
+          <a:p>
+            <a:r>
+              <a:rPr lang="ko-KR" altLang="en-US" sz="3200" dirty="0">
+                <a:solidFill>
+                  <a:schemeClr val="accent1"/>
+                </a:solidFill>
+              </a:rPr>
+              <a:t>메인 화면</a:t>
+            </a:r>
+            <a:endParaRPr lang="en-US" altLang="ko-KR" sz="3200" dirty="0">
+              <a:solidFill>
+                <a:schemeClr val="accent1"/>
+              </a:solidFill>
+            </a:endParaRPr>
+          </a:p>
+        </p:txBody>
+      </p:sp>
     </p:spTree>
     <p:extLst>
       <p:ext uri="{BB962C8B-B14F-4D97-AF65-F5344CB8AC3E}">
@@ -12567,7 +13633,7 @@
 </p:sld>
 </file>
 
-<file path=ppt/slides/slide5.xml><?xml version="1.0" encoding="utf-8"?>
+<file path=ppt/slides/slide7.xml><?xml version="1.0" encoding="utf-8"?>
 <p:sld xmlns:a="http://schemas.openxmlformats.org/drawingml/2006/main" xmlns:r="http://schemas.openxmlformats.org/officeDocument/2006/relationships" xmlns:p="http://schemas.openxmlformats.org/presentationml/2006/main">
   <p:cSld>
     <p:spTree>
@@ -15032,6 +16098,50 @@
           </p:txBody>
         </p:sp>
       </p:grpSp>
+      <p:sp>
+        <p:nvSpPr>
+          <p:cNvPr id="68" name="TextBox 67">
+            <a:extLst>
+              <a:ext uri="{FF2B5EF4-FFF2-40B4-BE49-F238E27FC236}">
+                <a16:creationId xmlns:a16="http://schemas.microsoft.com/office/drawing/2014/main" id="{BA905B49-525A-4AF9-A5FD-BD023C3DB9E0}"/>
+              </a:ext>
+            </a:extLst>
+          </p:cNvPr>
+          <p:cNvSpPr txBox="1"/>
+          <p:nvPr/>
+        </p:nvSpPr>
+        <p:spPr>
+          <a:xfrm>
+            <a:off x="10088542" y="214383"/>
+            <a:ext cx="2094676" cy="584775"/>
+          </a:xfrm>
+          <a:prstGeom prst="rect">
+            <a:avLst/>
+          </a:prstGeom>
+          <a:noFill/>
+        </p:spPr>
+        <p:txBody>
+          <a:bodyPr wrap="square" rtlCol="0">
+            <a:spAutoFit/>
+          </a:bodyPr>
+          <a:lstStyle/>
+          <a:p>
+            <a:r>
+              <a:rPr lang="ko-KR" altLang="en-US" sz="3200" dirty="0">
+                <a:solidFill>
+                  <a:schemeClr val="accent1"/>
+                </a:solidFill>
+              </a:rPr>
+              <a:t>메인 화면</a:t>
+            </a:r>
+            <a:endParaRPr lang="en-US" altLang="ko-KR" sz="3200" dirty="0">
+              <a:solidFill>
+                <a:schemeClr val="accent1"/>
+              </a:solidFill>
+            </a:endParaRPr>
+          </a:p>
+        </p:txBody>
+      </p:sp>
     </p:spTree>
     <p:extLst>
       <p:ext uri="{BB962C8B-B14F-4D97-AF65-F5344CB8AC3E}">
@@ -15045,7 +16155,7 @@
 </p:sld>
 </file>
 
-<file path=ppt/slides/slide6.xml><?xml version="1.0" encoding="utf-8"?>
+<file path=ppt/slides/slide8.xml><?xml version="1.0" encoding="utf-8"?>
 <p:sld xmlns:a="http://schemas.openxmlformats.org/drawingml/2006/main" xmlns:r="http://schemas.openxmlformats.org/officeDocument/2006/relationships" xmlns:p="http://schemas.openxmlformats.org/presentationml/2006/main">
   <p:cSld>
     <p:spTree>
@@ -15064,66 +16174,10 @@
       </p:grpSpPr>
       <p:sp>
         <p:nvSpPr>
-          <p:cNvPr id="2" name="제목 1">
+          <p:cNvPr id="6" name="직사각형 5">
             <a:extLst>
               <a:ext uri="{FF2B5EF4-FFF2-40B4-BE49-F238E27FC236}">
-                <a16:creationId xmlns:a16="http://schemas.microsoft.com/office/drawing/2014/main" id="{20A91A64-6BC7-4C41-9BBB-B6E26CCE7153}"/>
-              </a:ext>
-            </a:extLst>
-          </p:cNvPr>
-          <p:cNvSpPr>
-            <a:spLocks noGrp="1"/>
-          </p:cNvSpPr>
-          <p:nvPr>
-            <p:ph type="title"/>
-          </p:nvPr>
-        </p:nvSpPr>
-        <p:spPr/>
-        <p:txBody>
-          <a:bodyPr/>
-          <a:lstStyle/>
-          <a:p>
-            <a:r>
-              <a:rPr lang="en-US" altLang="ko-KR" dirty="0"/>
-              <a:t>Framework</a:t>
-            </a:r>
-            <a:endParaRPr lang="ko-KR" altLang="en-US" dirty="0"/>
-          </a:p>
-        </p:txBody>
-      </p:sp>
-      <p:graphicFrame>
-        <p:nvGraphicFramePr>
-          <p:cNvPr id="6" name="내용 개체 틀 5">
-            <a:extLst>
-              <a:ext uri="{FF2B5EF4-FFF2-40B4-BE49-F238E27FC236}">
-                <a16:creationId xmlns:a16="http://schemas.microsoft.com/office/drawing/2014/main" id="{C944491B-8DC8-40B2-8774-80494DA04512}"/>
-              </a:ext>
-            </a:extLst>
-          </p:cNvPr>
-          <p:cNvGraphicFramePr>
-            <a:graphicFrameLocks noGrp="1"/>
-          </p:cNvGraphicFramePr>
-          <p:nvPr>
-            <p:ph idx="1"/>
-            <p:extLst/>
-          </p:nvPr>
-        </p:nvGraphicFramePr>
-        <p:xfrm>
-          <a:off x="657224" y="2234883"/>
-          <a:ext cx="6231256" cy="4123584"/>
-        </p:xfrm>
-        <a:graphic>
-          <a:graphicData uri="http://schemas.openxmlformats.org/drawingml/2006/diagram">
-            <dgm:relIds xmlns:dgm="http://schemas.openxmlformats.org/drawingml/2006/diagram" xmlns:r="http://schemas.openxmlformats.org/officeDocument/2006/relationships" r:dm="rId2" r:lo="rId3" r:qs="rId4" r:cs="rId5"/>
-          </a:graphicData>
-        </a:graphic>
-      </p:graphicFrame>
-      <p:sp>
-        <p:nvSpPr>
-          <p:cNvPr id="7" name="직사각형 6">
-            <a:extLst>
-              <a:ext uri="{FF2B5EF4-FFF2-40B4-BE49-F238E27FC236}">
-                <a16:creationId xmlns:a16="http://schemas.microsoft.com/office/drawing/2014/main" id="{46AD0AE4-DF50-452B-97D3-5EC6DEBB9252}"/>
+                <a16:creationId xmlns:a16="http://schemas.microsoft.com/office/drawing/2014/main" id="{19D571B1-1186-4DF2-BF09-2F0EF76531FA}"/>
               </a:ext>
             </a:extLst>
           </p:cNvPr>
@@ -15132,13 +16186,12 @@
         </p:nvSpPr>
         <p:spPr>
           <a:xfrm>
-            <a:off x="4419601" y="2238694"/>
-            <a:ext cx="4124960" cy="1835149"/>
+            <a:off x="8396560" y="218741"/>
+            <a:ext cx="3304993" cy="6442198"/>
           </a:xfrm>
           <a:prstGeom prst="rect">
             <a:avLst/>
           </a:prstGeom>
-          <a:noFill/>
         </p:spPr>
         <p:style>
           <a:lnRef idx="2">
@@ -15160,124 +16213,1697 @@
           <a:bodyPr rtlCol="0" anchor="ctr"/>
           <a:lstStyle/>
           <a:p>
-            <a:pPr algn="just"/>
-            <a:r>
-              <a:rPr lang="en-US" altLang="ko-KR" dirty="0">
+            <a:pPr algn="ctr"/>
+            <a:endParaRPr lang="ko-KR" altLang="en-US" dirty="0"/>
+          </a:p>
+        </p:txBody>
+      </p:sp>
+      <p:sp>
+        <p:nvSpPr>
+          <p:cNvPr id="20" name="직사각형 19">
+            <a:extLst>
+              <a:ext uri="{FF2B5EF4-FFF2-40B4-BE49-F238E27FC236}">
+                <a16:creationId xmlns:a16="http://schemas.microsoft.com/office/drawing/2014/main" id="{CB9CAD1F-B839-41C8-9041-F692510F4FA3}"/>
+              </a:ext>
+            </a:extLst>
+          </p:cNvPr>
+          <p:cNvSpPr/>
+          <p:nvPr/>
+        </p:nvSpPr>
+        <p:spPr>
+          <a:xfrm>
+            <a:off x="11426631" y="957923"/>
+            <a:ext cx="195202" cy="5681230"/>
+          </a:xfrm>
+          <a:prstGeom prst="rect">
+            <a:avLst/>
+          </a:prstGeom>
+          <a:solidFill>
+            <a:schemeClr val="bg1">
+              <a:lumMod val="95000"/>
+            </a:schemeClr>
+          </a:solidFill>
+          <a:ln>
+            <a:solidFill>
+              <a:schemeClr val="bg1">
+                <a:lumMod val="65000"/>
+              </a:schemeClr>
+            </a:solidFill>
+          </a:ln>
+        </p:spPr>
+        <p:style>
+          <a:lnRef idx="2">
+            <a:schemeClr val="accent1">
+              <a:shade val="50000"/>
+            </a:schemeClr>
+          </a:lnRef>
+          <a:fillRef idx="1">
+            <a:schemeClr val="accent1"/>
+          </a:fillRef>
+          <a:effectRef idx="0">
+            <a:schemeClr val="accent1"/>
+          </a:effectRef>
+          <a:fontRef idx="minor">
+            <a:schemeClr val="lt1"/>
+          </a:fontRef>
+        </p:style>
+        <p:txBody>
+          <a:bodyPr rtlCol="0" anchor="ctr"/>
+          <a:lstStyle/>
+          <a:p>
+            <a:pPr algn="ctr"/>
+            <a:endParaRPr lang="ko-KR" altLang="en-US"/>
+          </a:p>
+        </p:txBody>
+      </p:sp>
+      <p:grpSp>
+        <p:nvGrpSpPr>
+          <p:cNvPr id="26" name="그룹 25">
+            <a:extLst>
+              <a:ext uri="{FF2B5EF4-FFF2-40B4-BE49-F238E27FC236}">
+                <a16:creationId xmlns:a16="http://schemas.microsoft.com/office/drawing/2014/main" id="{22AB602B-2A23-464B-A2FA-E3135FF1D4EB}"/>
+              </a:ext>
+            </a:extLst>
+          </p:cNvPr>
+          <p:cNvGrpSpPr/>
+          <p:nvPr/>
+        </p:nvGrpSpPr>
+        <p:grpSpPr>
+          <a:xfrm>
+            <a:off x="11411362" y="949305"/>
+            <a:ext cx="223114" cy="5681230"/>
+            <a:chOff x="3417267" y="977944"/>
+            <a:chExt cx="223114" cy="5681230"/>
+          </a:xfrm>
+        </p:grpSpPr>
+        <p:sp>
+          <p:nvSpPr>
+            <p:cNvPr id="21" name="직사각형 20">
+              <a:extLst>
+                <a:ext uri="{FF2B5EF4-FFF2-40B4-BE49-F238E27FC236}">
+                  <a16:creationId xmlns:a16="http://schemas.microsoft.com/office/drawing/2014/main" id="{D515B8B6-B6D2-49DD-9C4C-BCDCF08ABA9A}"/>
+                </a:ext>
+              </a:extLst>
+            </p:cNvPr>
+            <p:cNvSpPr/>
+            <p:nvPr/>
+          </p:nvSpPr>
+          <p:spPr>
+            <a:xfrm>
+              <a:off x="3432536" y="1173102"/>
+              <a:ext cx="195202" cy="1093696"/>
+            </a:xfrm>
+            <a:prstGeom prst="rect">
+              <a:avLst/>
+            </a:prstGeom>
+            <a:solidFill>
+              <a:schemeClr val="bg1">
+                <a:lumMod val="85000"/>
+              </a:schemeClr>
+            </a:solidFill>
+            <a:ln>
+              <a:solidFill>
+                <a:schemeClr val="tx1">
+                  <a:lumMod val="95000"/>
+                  <a:lumOff val="5000"/>
+                </a:schemeClr>
+              </a:solidFill>
+            </a:ln>
+          </p:spPr>
+          <p:style>
+            <a:lnRef idx="2">
+              <a:schemeClr val="accent1">
+                <a:shade val="50000"/>
+              </a:schemeClr>
+            </a:lnRef>
+            <a:fillRef idx="1">
+              <a:schemeClr val="accent1"/>
+            </a:fillRef>
+            <a:effectRef idx="0">
+              <a:schemeClr val="accent1"/>
+            </a:effectRef>
+            <a:fontRef idx="minor">
+              <a:schemeClr val="lt1"/>
+            </a:fontRef>
+          </p:style>
+          <p:txBody>
+            <a:bodyPr rtlCol="0" anchor="ctr"/>
+            <a:lstStyle/>
+            <a:p>
+              <a:pPr algn="ctr"/>
+              <a:endParaRPr lang="ko-KR" altLang="en-US" dirty="0"/>
+            </a:p>
+          </p:txBody>
+        </p:sp>
+        <p:sp>
+          <p:nvSpPr>
+            <p:cNvPr id="22" name="직사각형 21">
+              <a:extLst>
+                <a:ext uri="{FF2B5EF4-FFF2-40B4-BE49-F238E27FC236}">
+                  <a16:creationId xmlns:a16="http://schemas.microsoft.com/office/drawing/2014/main" id="{A3068C85-FD1A-4A78-B34A-676D5B0C7130}"/>
+                </a:ext>
+              </a:extLst>
+            </p:cNvPr>
+            <p:cNvSpPr/>
+            <p:nvPr/>
+          </p:nvSpPr>
+          <p:spPr>
+            <a:xfrm>
+              <a:off x="3421784" y="977944"/>
+              <a:ext cx="218597" cy="195621"/>
+            </a:xfrm>
+            <a:prstGeom prst="rect">
+              <a:avLst/>
+            </a:prstGeom>
+            <a:solidFill>
+              <a:schemeClr val="bg1">
+                <a:lumMod val="85000"/>
+              </a:schemeClr>
+            </a:solidFill>
+            <a:ln>
+              <a:solidFill>
+                <a:schemeClr val="bg1">
+                  <a:lumMod val="65000"/>
+                </a:schemeClr>
+              </a:solidFill>
+            </a:ln>
+          </p:spPr>
+          <p:style>
+            <a:lnRef idx="2">
+              <a:schemeClr val="accent1">
+                <a:shade val="50000"/>
+              </a:schemeClr>
+            </a:lnRef>
+            <a:fillRef idx="1">
+              <a:schemeClr val="accent1"/>
+            </a:fillRef>
+            <a:effectRef idx="0">
+              <a:schemeClr val="accent1"/>
+            </a:effectRef>
+            <a:fontRef idx="minor">
+              <a:schemeClr val="lt1"/>
+            </a:fontRef>
+          </p:style>
+          <p:txBody>
+            <a:bodyPr rtlCol="0" anchor="ctr"/>
+            <a:lstStyle/>
+            <a:p>
+              <a:pPr algn="ctr"/>
+              <a:endParaRPr lang="ko-KR" altLang="en-US"/>
+            </a:p>
+          </p:txBody>
+        </p:sp>
+        <p:sp>
+          <p:nvSpPr>
+            <p:cNvPr id="23" name="직사각형 22">
+              <a:extLst>
+                <a:ext uri="{FF2B5EF4-FFF2-40B4-BE49-F238E27FC236}">
+                  <a16:creationId xmlns:a16="http://schemas.microsoft.com/office/drawing/2014/main" id="{1B5C78A8-ECB8-4512-80DB-CF0672179839}"/>
+                </a:ext>
+              </a:extLst>
+            </p:cNvPr>
+            <p:cNvSpPr/>
+            <p:nvPr/>
+          </p:nvSpPr>
+          <p:spPr>
+            <a:xfrm>
+              <a:off x="3417267" y="6463553"/>
+              <a:ext cx="218597" cy="195621"/>
+            </a:xfrm>
+            <a:prstGeom prst="rect">
+              <a:avLst/>
+            </a:prstGeom>
+            <a:solidFill>
+              <a:schemeClr val="bg1">
+                <a:lumMod val="85000"/>
+              </a:schemeClr>
+            </a:solidFill>
+            <a:ln>
+              <a:solidFill>
+                <a:schemeClr val="bg1">
+                  <a:lumMod val="65000"/>
+                </a:schemeClr>
+              </a:solidFill>
+            </a:ln>
+          </p:spPr>
+          <p:style>
+            <a:lnRef idx="2">
+              <a:schemeClr val="accent1">
+                <a:shade val="50000"/>
+              </a:schemeClr>
+            </a:lnRef>
+            <a:fillRef idx="1">
+              <a:schemeClr val="accent1"/>
+            </a:fillRef>
+            <a:effectRef idx="0">
+              <a:schemeClr val="accent1"/>
+            </a:effectRef>
+            <a:fontRef idx="minor">
+              <a:schemeClr val="lt1"/>
+            </a:fontRef>
+          </p:style>
+          <p:txBody>
+            <a:bodyPr rtlCol="0" anchor="ctr"/>
+            <a:lstStyle/>
+            <a:p>
+              <a:pPr algn="ctr"/>
+              <a:endParaRPr lang="ko-KR" altLang="en-US"/>
+            </a:p>
+          </p:txBody>
+        </p:sp>
+        <p:sp>
+          <p:nvSpPr>
+            <p:cNvPr id="24" name="이등변 삼각형 23">
+              <a:extLst>
+                <a:ext uri="{FF2B5EF4-FFF2-40B4-BE49-F238E27FC236}">
+                  <a16:creationId xmlns:a16="http://schemas.microsoft.com/office/drawing/2014/main" id="{AC115E1F-75C0-4EAF-9C88-AA6E71483AC9}"/>
+                </a:ext>
+              </a:extLst>
+            </p:cNvPr>
+            <p:cNvSpPr/>
+            <p:nvPr/>
+          </p:nvSpPr>
+          <p:spPr>
+            <a:xfrm>
+              <a:off x="3449499" y="1021957"/>
+              <a:ext cx="170329" cy="115750"/>
+            </a:xfrm>
+            <a:prstGeom prst="triangle">
+              <a:avLst/>
+            </a:prstGeom>
+            <a:solidFill>
+              <a:schemeClr val="bg1">
+                <a:lumMod val="50000"/>
+              </a:schemeClr>
+            </a:solidFill>
+            <a:ln>
+              <a:solidFill>
+                <a:schemeClr val="tx1">
+                  <a:lumMod val="95000"/>
+                  <a:lumOff val="5000"/>
+                </a:schemeClr>
+              </a:solidFill>
+            </a:ln>
+          </p:spPr>
+          <p:style>
+            <a:lnRef idx="2">
+              <a:schemeClr val="accent1">
+                <a:shade val="50000"/>
+              </a:schemeClr>
+            </a:lnRef>
+            <a:fillRef idx="1">
+              <a:schemeClr val="accent1"/>
+            </a:fillRef>
+            <a:effectRef idx="0">
+              <a:schemeClr val="accent1"/>
+            </a:effectRef>
+            <a:fontRef idx="minor">
+              <a:schemeClr val="lt1"/>
+            </a:fontRef>
+          </p:style>
+          <p:txBody>
+            <a:bodyPr rtlCol="0" anchor="ctr"/>
+            <a:lstStyle/>
+            <a:p>
+              <a:pPr algn="ctr"/>
+              <a:endParaRPr lang="ko-KR" altLang="en-US"/>
+            </a:p>
+          </p:txBody>
+        </p:sp>
+        <p:sp>
+          <p:nvSpPr>
+            <p:cNvPr id="25" name="이등변 삼각형 24">
+              <a:extLst>
+                <a:ext uri="{FF2B5EF4-FFF2-40B4-BE49-F238E27FC236}">
+                  <a16:creationId xmlns:a16="http://schemas.microsoft.com/office/drawing/2014/main" id="{4753B551-75D3-48C7-B50B-205FC55A12FB}"/>
+                </a:ext>
+              </a:extLst>
+            </p:cNvPr>
+            <p:cNvSpPr/>
+            <p:nvPr/>
+          </p:nvSpPr>
+          <p:spPr>
+            <a:xfrm rot="10800000">
+              <a:off x="3442447" y="6503488"/>
+              <a:ext cx="170329" cy="115750"/>
+            </a:xfrm>
+            <a:prstGeom prst="triangle">
+              <a:avLst/>
+            </a:prstGeom>
+            <a:solidFill>
+              <a:schemeClr val="bg1">
+                <a:lumMod val="50000"/>
+              </a:schemeClr>
+            </a:solidFill>
+            <a:ln>
+              <a:solidFill>
+                <a:schemeClr val="tx1">
+                  <a:lumMod val="95000"/>
+                  <a:lumOff val="5000"/>
+                </a:schemeClr>
+              </a:solidFill>
+            </a:ln>
+          </p:spPr>
+          <p:style>
+            <a:lnRef idx="2">
+              <a:schemeClr val="accent1">
+                <a:shade val="50000"/>
+              </a:schemeClr>
+            </a:lnRef>
+            <a:fillRef idx="1">
+              <a:schemeClr val="accent1"/>
+            </a:fillRef>
+            <a:effectRef idx="0">
+              <a:schemeClr val="accent1"/>
+            </a:effectRef>
+            <a:fontRef idx="minor">
+              <a:schemeClr val="lt1"/>
+            </a:fontRef>
+          </p:style>
+          <p:txBody>
+            <a:bodyPr rtlCol="0" anchor="ctr"/>
+            <a:lstStyle/>
+            <a:p>
+              <a:pPr algn="ctr"/>
+              <a:endParaRPr lang="ko-KR" altLang="en-US"/>
+            </a:p>
+          </p:txBody>
+        </p:sp>
+      </p:grpSp>
+      <p:grpSp>
+        <p:nvGrpSpPr>
+          <p:cNvPr id="33" name="그룹 32">
+            <a:extLst>
+              <a:ext uri="{FF2B5EF4-FFF2-40B4-BE49-F238E27FC236}">
+                <a16:creationId xmlns:a16="http://schemas.microsoft.com/office/drawing/2014/main" id="{F2F37570-4E29-4199-88D4-E558022EA0E2}"/>
+              </a:ext>
+            </a:extLst>
+          </p:cNvPr>
+          <p:cNvGrpSpPr/>
+          <p:nvPr/>
+        </p:nvGrpSpPr>
+        <p:grpSpPr>
+          <a:xfrm>
+            <a:off x="8460824" y="313785"/>
+            <a:ext cx="3185291" cy="246393"/>
+            <a:chOff x="466729" y="342424"/>
+            <a:chExt cx="3185291" cy="246393"/>
+          </a:xfrm>
+        </p:grpSpPr>
+        <p:sp>
+          <p:nvSpPr>
+            <p:cNvPr id="34" name="직사각형 33">
+              <a:extLst>
+                <a:ext uri="{FF2B5EF4-FFF2-40B4-BE49-F238E27FC236}">
+                  <a16:creationId xmlns:a16="http://schemas.microsoft.com/office/drawing/2014/main" id="{08CE6991-5988-41D9-A7C6-9049BC3E09A8}"/>
+                </a:ext>
+              </a:extLst>
+            </p:cNvPr>
+            <p:cNvSpPr/>
+            <p:nvPr/>
+          </p:nvSpPr>
+          <p:spPr>
+            <a:xfrm>
+              <a:off x="466729" y="342424"/>
+              <a:ext cx="573176" cy="236566"/>
+            </a:xfrm>
+            <a:prstGeom prst="rect">
+              <a:avLst/>
+            </a:prstGeom>
+            <a:solidFill>
+              <a:srgbClr val="FFFF00"/>
+            </a:solidFill>
+            <a:ln w="28575">
+              <a:solidFill>
+                <a:schemeClr val="tx1"/>
+              </a:solidFill>
+            </a:ln>
+          </p:spPr>
+          <p:style>
+            <a:lnRef idx="2">
+              <a:schemeClr val="accent1">
+                <a:shade val="50000"/>
+              </a:schemeClr>
+            </a:lnRef>
+            <a:fillRef idx="1">
+              <a:schemeClr val="accent1"/>
+            </a:fillRef>
+            <a:effectRef idx="0">
+              <a:schemeClr val="accent1"/>
+            </a:effectRef>
+            <a:fontRef idx="minor">
+              <a:schemeClr val="lt1"/>
+            </a:fontRef>
+          </p:style>
+          <p:txBody>
+            <a:bodyPr rtlCol="0" anchor="ctr"/>
+            <a:lstStyle/>
+            <a:p>
+              <a:pPr algn="ctr"/>
+              <a:endParaRPr lang="ko-KR" altLang="en-US"/>
+            </a:p>
+          </p:txBody>
+        </p:sp>
+        <p:sp>
+          <p:nvSpPr>
+            <p:cNvPr id="35" name="직사각형 34">
+              <a:extLst>
+                <a:ext uri="{FF2B5EF4-FFF2-40B4-BE49-F238E27FC236}">
+                  <a16:creationId xmlns:a16="http://schemas.microsoft.com/office/drawing/2014/main" id="{4F0A7E8F-78EE-471A-BE99-2D658D0597FE}"/>
+                </a:ext>
+              </a:extLst>
+            </p:cNvPr>
+            <p:cNvSpPr/>
+            <p:nvPr/>
+          </p:nvSpPr>
+          <p:spPr>
+            <a:xfrm>
+              <a:off x="1056120" y="342424"/>
+              <a:ext cx="573176" cy="236566"/>
+            </a:xfrm>
+            <a:prstGeom prst="rect">
+              <a:avLst/>
+            </a:prstGeom>
+            <a:solidFill>
+              <a:srgbClr val="FFFF00"/>
+            </a:solidFill>
+            <a:ln w="28575">
+              <a:solidFill>
+                <a:schemeClr val="tx1"/>
+              </a:solidFill>
+            </a:ln>
+          </p:spPr>
+          <p:style>
+            <a:lnRef idx="2">
+              <a:schemeClr val="accent1">
+                <a:shade val="50000"/>
+              </a:schemeClr>
+            </a:lnRef>
+            <a:fillRef idx="1">
+              <a:schemeClr val="accent1"/>
+            </a:fillRef>
+            <a:effectRef idx="0">
+              <a:schemeClr val="accent1"/>
+            </a:effectRef>
+            <a:fontRef idx="minor">
+              <a:schemeClr val="lt1"/>
+            </a:fontRef>
+          </p:style>
+          <p:txBody>
+            <a:bodyPr rtlCol="0" anchor="ctr"/>
+            <a:lstStyle/>
+            <a:p>
+              <a:pPr algn="ctr"/>
+              <a:endParaRPr lang="ko-KR" altLang="en-US"/>
+            </a:p>
+          </p:txBody>
+        </p:sp>
+        <p:sp>
+          <p:nvSpPr>
+            <p:cNvPr id="36" name="직사각형 35">
+              <a:extLst>
+                <a:ext uri="{FF2B5EF4-FFF2-40B4-BE49-F238E27FC236}">
+                  <a16:creationId xmlns:a16="http://schemas.microsoft.com/office/drawing/2014/main" id="{2C23FFEA-BBAF-4CC5-951D-CF65EDEC1414}"/>
+                </a:ext>
+              </a:extLst>
+            </p:cNvPr>
+            <p:cNvSpPr/>
+            <p:nvPr/>
+          </p:nvSpPr>
+          <p:spPr>
+            <a:xfrm>
+              <a:off x="1645511" y="342424"/>
+              <a:ext cx="573176" cy="236566"/>
+            </a:xfrm>
+            <a:prstGeom prst="rect">
+              <a:avLst/>
+            </a:prstGeom>
+            <a:solidFill>
+              <a:srgbClr val="FFFF00"/>
+            </a:solidFill>
+            <a:ln w="28575">
+              <a:solidFill>
+                <a:schemeClr val="tx1"/>
+              </a:solidFill>
+            </a:ln>
+          </p:spPr>
+          <p:style>
+            <a:lnRef idx="2">
+              <a:schemeClr val="accent1">
+                <a:shade val="50000"/>
+              </a:schemeClr>
+            </a:lnRef>
+            <a:fillRef idx="1">
+              <a:schemeClr val="accent1"/>
+            </a:fillRef>
+            <a:effectRef idx="0">
+              <a:schemeClr val="accent1"/>
+            </a:effectRef>
+            <a:fontRef idx="minor">
+              <a:schemeClr val="lt1"/>
+            </a:fontRef>
+          </p:style>
+          <p:txBody>
+            <a:bodyPr rtlCol="0" anchor="ctr"/>
+            <a:lstStyle/>
+            <a:p>
+              <a:pPr algn="ctr"/>
+              <a:endParaRPr lang="ko-KR" altLang="en-US"/>
+            </a:p>
+          </p:txBody>
+        </p:sp>
+        <p:sp>
+          <p:nvSpPr>
+            <p:cNvPr id="37" name="직사각형 36">
+              <a:extLst>
+                <a:ext uri="{FF2B5EF4-FFF2-40B4-BE49-F238E27FC236}">
+                  <a16:creationId xmlns:a16="http://schemas.microsoft.com/office/drawing/2014/main" id="{92370661-8FE9-4D13-ABE9-A2B49414ED9E}"/>
+                </a:ext>
+              </a:extLst>
+            </p:cNvPr>
+            <p:cNvSpPr/>
+            <p:nvPr/>
+          </p:nvSpPr>
+          <p:spPr>
+            <a:xfrm>
+              <a:off x="3167516" y="349721"/>
+              <a:ext cx="484504" cy="239096"/>
+            </a:xfrm>
+            <a:prstGeom prst="rect">
+              <a:avLst/>
+            </a:prstGeom>
+            <a:solidFill>
+              <a:srgbClr val="00B050"/>
+            </a:solidFill>
+            <a:ln w="28575">
+              <a:solidFill>
+                <a:schemeClr val="tx1"/>
+              </a:solidFill>
+            </a:ln>
+          </p:spPr>
+          <p:style>
+            <a:lnRef idx="2">
+              <a:schemeClr val="accent1">
+                <a:shade val="50000"/>
+              </a:schemeClr>
+            </a:lnRef>
+            <a:fillRef idx="1">
+              <a:schemeClr val="accent1"/>
+            </a:fillRef>
+            <a:effectRef idx="0">
+              <a:schemeClr val="accent1"/>
+            </a:effectRef>
+            <a:fontRef idx="minor">
+              <a:schemeClr val="lt1"/>
+            </a:fontRef>
+          </p:style>
+          <p:txBody>
+            <a:bodyPr rtlCol="0" anchor="ctr"/>
+            <a:lstStyle/>
+            <a:p>
+              <a:pPr algn="ctr"/>
+              <a:endParaRPr lang="ko-KR" altLang="en-US"/>
+            </a:p>
+          </p:txBody>
+        </p:sp>
+      </p:grpSp>
+      <p:grpSp>
+        <p:nvGrpSpPr>
+          <p:cNvPr id="27" name="그룹 26">
+            <a:extLst>
+              <a:ext uri="{FF2B5EF4-FFF2-40B4-BE49-F238E27FC236}">
+                <a16:creationId xmlns:a16="http://schemas.microsoft.com/office/drawing/2014/main" id="{CC0DC1B7-BD96-457F-93F5-D2F8597806C4}"/>
+              </a:ext>
+            </a:extLst>
+          </p:cNvPr>
+          <p:cNvGrpSpPr/>
+          <p:nvPr/>
+        </p:nvGrpSpPr>
+        <p:grpSpPr>
+          <a:xfrm>
+            <a:off x="8443223" y="258732"/>
+            <a:ext cx="3375438" cy="382532"/>
+            <a:chOff x="450074" y="278753"/>
+            <a:chExt cx="3375438" cy="382532"/>
+          </a:xfrm>
+        </p:grpSpPr>
+        <p:sp>
+          <p:nvSpPr>
+            <p:cNvPr id="29" name="TextBox 28">
+              <a:extLst>
+                <a:ext uri="{FF2B5EF4-FFF2-40B4-BE49-F238E27FC236}">
+                  <a16:creationId xmlns:a16="http://schemas.microsoft.com/office/drawing/2014/main" id="{F629E70E-DA43-4249-AF02-CFA9CC385BC7}"/>
+                </a:ext>
+              </a:extLst>
+            </p:cNvPr>
+            <p:cNvSpPr txBox="1"/>
+            <p:nvPr/>
+          </p:nvSpPr>
+          <p:spPr>
+            <a:xfrm>
+              <a:off x="3108515" y="319763"/>
+              <a:ext cx="716997" cy="338554"/>
+            </a:xfrm>
+            <a:prstGeom prst="rect">
+              <a:avLst/>
+            </a:prstGeom>
+            <a:noFill/>
+          </p:spPr>
+          <p:txBody>
+            <a:bodyPr wrap="square" rtlCol="0">
+              <a:spAutoFit/>
+            </a:bodyPr>
+            <a:lstStyle/>
+            <a:p>
+              <a:r>
+                <a:rPr lang="ko-KR" altLang="en-US" sz="1600" dirty="0"/>
+                <a:t>갱신</a:t>
+              </a:r>
+            </a:p>
+          </p:txBody>
+        </p:sp>
+        <p:sp>
+          <p:nvSpPr>
+            <p:cNvPr id="30" name="TextBox 29">
+              <a:extLst>
+                <a:ext uri="{FF2B5EF4-FFF2-40B4-BE49-F238E27FC236}">
+                  <a16:creationId xmlns:a16="http://schemas.microsoft.com/office/drawing/2014/main" id="{B5501063-E625-4450-B0FE-9D1174EEF545}"/>
+                </a:ext>
+              </a:extLst>
+            </p:cNvPr>
+            <p:cNvSpPr txBox="1"/>
+            <p:nvPr/>
+          </p:nvSpPr>
+          <p:spPr>
+            <a:xfrm>
+              <a:off x="450074" y="322731"/>
+              <a:ext cx="716997" cy="338554"/>
+            </a:xfrm>
+            <a:prstGeom prst="rect">
+              <a:avLst/>
+            </a:prstGeom>
+            <a:noFill/>
+          </p:spPr>
+          <p:txBody>
+            <a:bodyPr wrap="square" rtlCol="0">
+              <a:spAutoFit/>
+            </a:bodyPr>
+            <a:lstStyle/>
+            <a:p>
+              <a:r>
+                <a:rPr lang="ko-KR" altLang="en-US" sz="1600" dirty="0"/>
+                <a:t>검색</a:t>
+              </a:r>
+            </a:p>
+          </p:txBody>
+        </p:sp>
+        <p:sp>
+          <p:nvSpPr>
+            <p:cNvPr id="31" name="TextBox 30">
+              <a:extLst>
+                <a:ext uri="{FF2B5EF4-FFF2-40B4-BE49-F238E27FC236}">
+                  <a16:creationId xmlns:a16="http://schemas.microsoft.com/office/drawing/2014/main" id="{597CD34F-E9A2-4897-930C-88B08C31BD10}"/>
+                </a:ext>
+              </a:extLst>
+            </p:cNvPr>
+            <p:cNvSpPr txBox="1"/>
+            <p:nvPr/>
+          </p:nvSpPr>
+          <p:spPr>
+            <a:xfrm>
+              <a:off x="1001599" y="342146"/>
+              <a:ext cx="716997" cy="253916"/>
+            </a:xfrm>
+            <a:prstGeom prst="rect">
+              <a:avLst/>
+            </a:prstGeom>
+            <a:noFill/>
+          </p:spPr>
+          <p:txBody>
+            <a:bodyPr wrap="square" rtlCol="0">
+              <a:spAutoFit/>
+            </a:bodyPr>
+            <a:lstStyle/>
+            <a:p>
+              <a:r>
+                <a:rPr lang="ko-KR" altLang="en-US" sz="1050" dirty="0"/>
+                <a:t>즐겨찾기</a:t>
+              </a:r>
+            </a:p>
+          </p:txBody>
+        </p:sp>
+        <p:sp>
+          <p:nvSpPr>
+            <p:cNvPr id="32" name="TextBox 31">
+              <a:extLst>
+                <a:ext uri="{FF2B5EF4-FFF2-40B4-BE49-F238E27FC236}">
+                  <a16:creationId xmlns:a16="http://schemas.microsoft.com/office/drawing/2014/main" id="{3AE10DF7-89D5-4D4C-B334-1EB4B163C5D3}"/>
+                </a:ext>
+              </a:extLst>
+            </p:cNvPr>
+            <p:cNvSpPr txBox="1"/>
+            <p:nvPr/>
+          </p:nvSpPr>
+          <p:spPr>
+            <a:xfrm>
+              <a:off x="1584573" y="278753"/>
+              <a:ext cx="716997" cy="369332"/>
+            </a:xfrm>
+            <a:prstGeom prst="rect">
+              <a:avLst/>
+            </a:prstGeom>
+            <a:noFill/>
+          </p:spPr>
+          <p:txBody>
+            <a:bodyPr wrap="square" rtlCol="0">
+              <a:spAutoFit/>
+            </a:bodyPr>
+            <a:lstStyle/>
+            <a:p>
+              <a:r>
+                <a:rPr lang="en-US" altLang="ko-KR" dirty="0"/>
+                <a:t>email</a:t>
+              </a:r>
+              <a:endParaRPr lang="ko-KR" altLang="en-US" dirty="0"/>
+            </a:p>
+          </p:txBody>
+        </p:sp>
+      </p:grpSp>
+      <p:grpSp>
+        <p:nvGrpSpPr>
+          <p:cNvPr id="65" name="그룹 64">
+            <a:extLst>
+              <a:ext uri="{FF2B5EF4-FFF2-40B4-BE49-F238E27FC236}">
+                <a16:creationId xmlns:a16="http://schemas.microsoft.com/office/drawing/2014/main" id="{B71AFAD0-3541-495E-8BC7-4EC1F9F506E0}"/>
+              </a:ext>
+            </a:extLst>
+          </p:cNvPr>
+          <p:cNvGrpSpPr/>
+          <p:nvPr/>
+        </p:nvGrpSpPr>
+        <p:grpSpPr>
+          <a:xfrm>
+            <a:off x="10589374" y="282082"/>
+            <a:ext cx="716997" cy="307777"/>
+            <a:chOff x="4422989" y="764913"/>
+            <a:chExt cx="716997" cy="307777"/>
+          </a:xfrm>
+        </p:grpSpPr>
+        <p:sp>
+          <p:nvSpPr>
+            <p:cNvPr id="66" name="직사각형 65">
+              <a:extLst>
+                <a:ext uri="{FF2B5EF4-FFF2-40B4-BE49-F238E27FC236}">
+                  <a16:creationId xmlns:a16="http://schemas.microsoft.com/office/drawing/2014/main" id="{903A222C-D3F8-4DD6-BE98-74C60CD12F54}"/>
+                </a:ext>
+              </a:extLst>
+            </p:cNvPr>
+            <p:cNvSpPr/>
+            <p:nvPr/>
+          </p:nvSpPr>
+          <p:spPr>
+            <a:xfrm>
+              <a:off x="4485446" y="797375"/>
+              <a:ext cx="484504" cy="239096"/>
+            </a:xfrm>
+            <a:prstGeom prst="rect">
+              <a:avLst/>
+            </a:prstGeom>
+            <a:solidFill>
+              <a:srgbClr val="00B050"/>
+            </a:solidFill>
+            <a:ln w="28575">
+              <a:solidFill>
+                <a:schemeClr val="tx1"/>
+              </a:solidFill>
+            </a:ln>
+          </p:spPr>
+          <p:style>
+            <a:lnRef idx="2">
+              <a:schemeClr val="accent1">
+                <a:shade val="50000"/>
+              </a:schemeClr>
+            </a:lnRef>
+            <a:fillRef idx="1">
+              <a:schemeClr val="accent1"/>
+            </a:fillRef>
+            <a:effectRef idx="0">
+              <a:schemeClr val="accent1"/>
+            </a:effectRef>
+            <a:fontRef idx="minor">
+              <a:schemeClr val="lt1"/>
+            </a:fontRef>
+          </p:style>
+          <p:txBody>
+            <a:bodyPr rtlCol="0" anchor="ctr"/>
+            <a:lstStyle/>
+            <a:p>
+              <a:pPr algn="ctr"/>
+              <a:endParaRPr lang="ko-KR" altLang="en-US"/>
+            </a:p>
+          </p:txBody>
+        </p:sp>
+        <p:sp>
+          <p:nvSpPr>
+            <p:cNvPr id="67" name="TextBox 66">
+              <a:extLst>
+                <a:ext uri="{FF2B5EF4-FFF2-40B4-BE49-F238E27FC236}">
+                  <a16:creationId xmlns:a16="http://schemas.microsoft.com/office/drawing/2014/main" id="{AB5766A4-DBBB-442B-A13D-966D74876DD9}"/>
+                </a:ext>
+              </a:extLst>
+            </p:cNvPr>
+            <p:cNvSpPr txBox="1"/>
+            <p:nvPr/>
+          </p:nvSpPr>
+          <p:spPr>
+            <a:xfrm>
+              <a:off x="4422989" y="764913"/>
+              <a:ext cx="716997" cy="307777"/>
+            </a:xfrm>
+            <a:prstGeom prst="rect">
+              <a:avLst/>
+            </a:prstGeom>
+            <a:noFill/>
+          </p:spPr>
+          <p:txBody>
+            <a:bodyPr wrap="square" rtlCol="0">
+              <a:spAutoFit/>
+            </a:bodyPr>
+            <a:lstStyle/>
+            <a:p>
+              <a:r>
+                <a:rPr lang="en-US" altLang="ko-KR" sz="1400" dirty="0"/>
+                <a:t>Home</a:t>
+              </a:r>
+              <a:endParaRPr lang="ko-KR" altLang="en-US" sz="1400" dirty="0"/>
+            </a:p>
+          </p:txBody>
+        </p:sp>
+      </p:grpSp>
+      <p:sp>
+        <p:nvSpPr>
+          <p:cNvPr id="5" name="직사각형 4">
+            <a:extLst>
+              <a:ext uri="{FF2B5EF4-FFF2-40B4-BE49-F238E27FC236}">
+                <a16:creationId xmlns:a16="http://schemas.microsoft.com/office/drawing/2014/main" id="{B6D03588-557B-4B3E-BBC1-CDB1E6E0B62F}"/>
+              </a:ext>
+            </a:extLst>
+          </p:cNvPr>
+          <p:cNvSpPr/>
+          <p:nvPr/>
+        </p:nvSpPr>
+        <p:spPr>
+          <a:xfrm>
+            <a:off x="8446171" y="967076"/>
+            <a:ext cx="2918985" cy="5605062"/>
+          </a:xfrm>
+          <a:prstGeom prst="rect">
+            <a:avLst/>
+          </a:prstGeom>
+          <a:solidFill>
+            <a:schemeClr val="bg1">
+              <a:lumMod val="85000"/>
+            </a:schemeClr>
+          </a:solidFill>
+          <a:ln>
+            <a:solidFill>
+              <a:schemeClr val="tx1"/>
+            </a:solidFill>
+          </a:ln>
+        </p:spPr>
+        <p:style>
+          <a:lnRef idx="2">
+            <a:schemeClr val="accent1">
+              <a:shade val="50000"/>
+            </a:schemeClr>
+          </a:lnRef>
+          <a:fillRef idx="1">
+            <a:schemeClr val="accent1"/>
+          </a:fillRef>
+          <a:effectRef idx="0">
+            <a:schemeClr val="accent1"/>
+          </a:effectRef>
+          <a:fontRef idx="minor">
+            <a:schemeClr val="lt1"/>
+          </a:fontRef>
+        </p:style>
+        <p:txBody>
+          <a:bodyPr rtlCol="0" anchor="ctr"/>
+          <a:lstStyle/>
+          <a:p>
+            <a:pPr algn="ctr"/>
+            <a:endParaRPr lang="ko-KR" altLang="en-US"/>
+          </a:p>
+        </p:txBody>
+      </p:sp>
+      <p:grpSp>
+        <p:nvGrpSpPr>
+          <p:cNvPr id="13" name="그룹 12">
+            <a:extLst>
+              <a:ext uri="{FF2B5EF4-FFF2-40B4-BE49-F238E27FC236}">
+                <a16:creationId xmlns:a16="http://schemas.microsoft.com/office/drawing/2014/main" id="{8DCB8926-C458-4D2C-B426-ABA6D93C33E9}"/>
+              </a:ext>
+            </a:extLst>
+          </p:cNvPr>
+          <p:cNvGrpSpPr/>
+          <p:nvPr/>
+        </p:nvGrpSpPr>
+        <p:grpSpPr>
+          <a:xfrm>
+            <a:off x="8443223" y="645714"/>
+            <a:ext cx="3131057" cy="338554"/>
+            <a:chOff x="450340" y="1146214"/>
+            <a:chExt cx="3131057" cy="338554"/>
+          </a:xfrm>
+        </p:grpSpPr>
+        <p:sp>
+          <p:nvSpPr>
+            <p:cNvPr id="68" name="직사각형 67">
+              <a:extLst>
+                <a:ext uri="{FF2B5EF4-FFF2-40B4-BE49-F238E27FC236}">
+                  <a16:creationId xmlns:a16="http://schemas.microsoft.com/office/drawing/2014/main" id="{3EBBF99F-6816-419D-AE5D-6143AF4CD580}"/>
+                </a:ext>
+              </a:extLst>
+            </p:cNvPr>
+            <p:cNvSpPr/>
+            <p:nvPr/>
+          </p:nvSpPr>
+          <p:spPr>
+            <a:xfrm>
+              <a:off x="450340" y="1155993"/>
+              <a:ext cx="1396037" cy="253915"/>
+            </a:xfrm>
+            <a:prstGeom prst="rect">
+              <a:avLst/>
+            </a:prstGeom>
+            <a:solidFill>
+              <a:schemeClr val="bg1">
+                <a:lumMod val="85000"/>
+              </a:schemeClr>
+            </a:solidFill>
+            <a:ln>
+              <a:solidFill>
+                <a:schemeClr val="tx1"/>
+              </a:solidFill>
+            </a:ln>
+          </p:spPr>
+          <p:style>
+            <a:lnRef idx="2">
+              <a:schemeClr val="accent1">
+                <a:shade val="50000"/>
+              </a:schemeClr>
+            </a:lnRef>
+            <a:fillRef idx="1">
+              <a:schemeClr val="accent1"/>
+            </a:fillRef>
+            <a:effectRef idx="0">
+              <a:schemeClr val="accent1"/>
+            </a:effectRef>
+            <a:fontRef idx="minor">
+              <a:schemeClr val="lt1"/>
+            </a:fontRef>
+          </p:style>
+          <p:txBody>
+            <a:bodyPr rtlCol="0" anchor="ctr"/>
+            <a:lstStyle/>
+            <a:p>
+              <a:pPr algn="ctr"/>
+              <a:endParaRPr lang="ko-KR" altLang="en-US"/>
+            </a:p>
+          </p:txBody>
+        </p:sp>
+        <p:grpSp>
+          <p:nvGrpSpPr>
+            <p:cNvPr id="11" name="그룹 10">
+              <a:extLst>
+                <a:ext uri="{FF2B5EF4-FFF2-40B4-BE49-F238E27FC236}">
+                  <a16:creationId xmlns:a16="http://schemas.microsoft.com/office/drawing/2014/main" id="{0167F7F9-EE97-4877-A003-2977278449A0}"/>
+                </a:ext>
+              </a:extLst>
+            </p:cNvPr>
+            <p:cNvGrpSpPr/>
+            <p:nvPr/>
+          </p:nvGrpSpPr>
+          <p:grpSpPr>
+            <a:xfrm>
+              <a:off x="1817317" y="1146214"/>
+              <a:ext cx="666835" cy="338554"/>
+              <a:chOff x="1851461" y="1158010"/>
+              <a:chExt cx="666835" cy="338554"/>
+            </a:xfrm>
+          </p:grpSpPr>
+          <p:sp>
+            <p:nvSpPr>
+              <p:cNvPr id="9" name="직사각형 8">
+                <a:extLst>
+                  <a:ext uri="{FF2B5EF4-FFF2-40B4-BE49-F238E27FC236}">
+                    <a16:creationId xmlns:a16="http://schemas.microsoft.com/office/drawing/2014/main" id="{DC55EABC-2ED8-433E-8558-B0AEB37D4DF3}"/>
+                  </a:ext>
+                </a:extLst>
+              </p:cNvPr>
+              <p:cNvSpPr/>
+              <p:nvPr/>
+            </p:nvSpPr>
+            <p:spPr>
+              <a:xfrm>
+                <a:off x="1907674" y="1164958"/>
+                <a:ext cx="463763" cy="258910"/>
+              </a:xfrm>
+              <a:prstGeom prst="rect">
+                <a:avLst/>
+              </a:prstGeom>
+              <a:solidFill>
+                <a:schemeClr val="bg1">
+                  <a:lumMod val="85000"/>
+                </a:schemeClr>
+              </a:solidFill>
+              <a:ln>
                 <a:solidFill>
                   <a:schemeClr val="tx1"/>
                 </a:solidFill>
-              </a:rPr>
-              <a:t>     Main	:	</a:t>
-            </a:r>
-            <a:r>
-              <a:rPr lang="en-US" altLang="ko-KR" sz="1500" dirty="0">
+              </a:ln>
+            </p:spPr>
+            <p:style>
+              <a:lnRef idx="2">
+                <a:schemeClr val="accent1">
+                  <a:shade val="50000"/>
+                </a:schemeClr>
+              </a:lnRef>
+              <a:fillRef idx="1">
+                <a:schemeClr val="accent1"/>
+              </a:fillRef>
+              <a:effectRef idx="0">
+                <a:schemeClr val="accent1"/>
+              </a:effectRef>
+              <a:fontRef idx="minor">
+                <a:schemeClr val="lt1"/>
+              </a:fontRef>
+            </p:style>
+            <p:txBody>
+              <a:bodyPr rtlCol="0" anchor="ctr"/>
+              <a:lstStyle/>
+              <a:p>
+                <a:pPr algn="ctr"/>
+                <a:endParaRPr lang="ko-KR" altLang="en-US" dirty="0"/>
+              </a:p>
+            </p:txBody>
+          </p:sp>
+          <p:sp>
+            <p:nvSpPr>
+              <p:cNvPr id="10" name="직사각형 9">
+                <a:extLst>
+                  <a:ext uri="{FF2B5EF4-FFF2-40B4-BE49-F238E27FC236}">
+                    <a16:creationId xmlns:a16="http://schemas.microsoft.com/office/drawing/2014/main" id="{1D940CDD-3150-4ADB-BF95-44F2FA32DF2F}"/>
+                  </a:ext>
+                </a:extLst>
+              </p:cNvPr>
+              <p:cNvSpPr/>
+              <p:nvPr/>
+            </p:nvSpPr>
+            <p:spPr>
+              <a:xfrm>
+                <a:off x="1851461" y="1158010"/>
+                <a:ext cx="666835" cy="338554"/>
+              </a:xfrm>
+              <a:prstGeom prst="rect">
+                <a:avLst/>
+              </a:prstGeom>
+            </p:spPr>
+            <p:txBody>
+              <a:bodyPr wrap="square">
+                <a:spAutoFit/>
+              </a:bodyPr>
+              <a:lstStyle/>
+              <a:p>
+                <a:r>
+                  <a:rPr lang="ko-KR" altLang="en-US" sz="1600" dirty="0"/>
+                  <a:t>검색</a:t>
+                </a:r>
+              </a:p>
+            </p:txBody>
+          </p:sp>
+        </p:grpSp>
+        <p:grpSp>
+          <p:nvGrpSpPr>
+            <p:cNvPr id="12" name="그룹 11">
+              <a:extLst>
+                <a:ext uri="{FF2B5EF4-FFF2-40B4-BE49-F238E27FC236}">
+                  <a16:creationId xmlns:a16="http://schemas.microsoft.com/office/drawing/2014/main" id="{EA3FDC1B-CE8E-4FFA-944D-70EC2698B78C}"/>
+                </a:ext>
+              </a:extLst>
+            </p:cNvPr>
+            <p:cNvGrpSpPr/>
+            <p:nvPr/>
+          </p:nvGrpSpPr>
+          <p:grpSpPr>
+            <a:xfrm>
+              <a:off x="2323506" y="1156114"/>
+              <a:ext cx="1257891" cy="278911"/>
+              <a:chOff x="2350258" y="1155993"/>
+              <a:chExt cx="1257891" cy="278911"/>
+            </a:xfrm>
+          </p:grpSpPr>
+          <p:sp>
+            <p:nvSpPr>
+              <p:cNvPr id="69" name="직사각형 68">
+                <a:extLst>
+                  <a:ext uri="{FF2B5EF4-FFF2-40B4-BE49-F238E27FC236}">
+                    <a16:creationId xmlns:a16="http://schemas.microsoft.com/office/drawing/2014/main" id="{A76A8BAE-B312-4FF4-B791-FE785C3B4E30}"/>
+                  </a:ext>
+                </a:extLst>
+              </p:cNvPr>
+              <p:cNvSpPr/>
+              <p:nvPr/>
+            </p:nvSpPr>
+            <p:spPr>
+              <a:xfrm>
+                <a:off x="2382375" y="1155993"/>
+                <a:ext cx="1020886" cy="253915"/>
+              </a:xfrm>
+              <a:prstGeom prst="rect">
+                <a:avLst/>
+              </a:prstGeom>
+              <a:solidFill>
+                <a:schemeClr val="bg1">
+                  <a:lumMod val="85000"/>
+                </a:schemeClr>
+              </a:solidFill>
+              <a:ln>
                 <a:solidFill>
                   <a:schemeClr val="tx1"/>
                 </a:solidFill>
-              </a:rPr>
-              <a:t>UI</a:t>
-            </a:r>
+              </a:ln>
+            </p:spPr>
+            <p:style>
+              <a:lnRef idx="2">
+                <a:schemeClr val="accent1">
+                  <a:shade val="50000"/>
+                </a:schemeClr>
+              </a:lnRef>
+              <a:fillRef idx="1">
+                <a:schemeClr val="accent1"/>
+              </a:fillRef>
+              <a:effectRef idx="0">
+                <a:schemeClr val="accent1"/>
+              </a:effectRef>
+              <a:fontRef idx="minor">
+                <a:schemeClr val="lt1"/>
+              </a:fontRef>
+            </p:style>
+            <p:txBody>
+              <a:bodyPr rtlCol="0" anchor="ctr"/>
+              <a:lstStyle/>
+              <a:p>
+                <a:pPr algn="ctr"/>
+                <a:endParaRPr lang="ko-KR" altLang="en-US"/>
+              </a:p>
+            </p:txBody>
+          </p:sp>
+          <p:sp>
+            <p:nvSpPr>
+              <p:cNvPr id="70" name="직사각형 69">
+                <a:extLst>
+                  <a:ext uri="{FF2B5EF4-FFF2-40B4-BE49-F238E27FC236}">
+                    <a16:creationId xmlns:a16="http://schemas.microsoft.com/office/drawing/2014/main" id="{818FEC90-E07A-4044-BF0F-D9EF7881E617}"/>
+                  </a:ext>
+                </a:extLst>
+              </p:cNvPr>
+              <p:cNvSpPr/>
+              <p:nvPr/>
+            </p:nvSpPr>
+            <p:spPr>
+              <a:xfrm>
+                <a:off x="2350258" y="1157905"/>
+                <a:ext cx="1257891" cy="276999"/>
+              </a:xfrm>
+              <a:prstGeom prst="rect">
+                <a:avLst/>
+              </a:prstGeom>
+            </p:spPr>
+            <p:txBody>
+              <a:bodyPr wrap="square">
+                <a:spAutoFit/>
+              </a:bodyPr>
+              <a:lstStyle/>
+              <a:p>
+                <a:r>
+                  <a:rPr lang="ko-KR" altLang="en-US" sz="1200" b="1" dirty="0" err="1"/>
+                  <a:t>즐겨찾기추가</a:t>
+                </a:r>
+                <a:endParaRPr lang="ko-KR" altLang="en-US" sz="1200" b="1" dirty="0"/>
+              </a:p>
+            </p:txBody>
+          </p:sp>
+        </p:grpSp>
+      </p:grpSp>
+      <p:sp>
+        <p:nvSpPr>
+          <p:cNvPr id="71" name="직사각형 70">
+            <a:extLst>
+              <a:ext uri="{FF2B5EF4-FFF2-40B4-BE49-F238E27FC236}">
+                <a16:creationId xmlns:a16="http://schemas.microsoft.com/office/drawing/2014/main" id="{23345888-5283-4ECC-85E6-842A9CE3E1D5}"/>
+              </a:ext>
+            </a:extLst>
+          </p:cNvPr>
+          <p:cNvSpPr/>
+          <p:nvPr/>
+        </p:nvSpPr>
+        <p:spPr>
+          <a:xfrm>
+            <a:off x="8455158" y="979447"/>
+            <a:ext cx="2910944" cy="5605062"/>
+          </a:xfrm>
+          <a:prstGeom prst="rect">
+            <a:avLst/>
+          </a:prstGeom>
+          <a:noFill/>
+          <a:ln w="38100">
+            <a:solidFill>
+              <a:srgbClr val="FF0000"/>
+            </a:solidFill>
+          </a:ln>
+        </p:spPr>
+        <p:style>
+          <a:lnRef idx="2">
+            <a:schemeClr val="accent1">
+              <a:shade val="50000"/>
+            </a:schemeClr>
+          </a:lnRef>
+          <a:fillRef idx="1">
+            <a:schemeClr val="accent1"/>
+          </a:fillRef>
+          <a:effectRef idx="0">
+            <a:schemeClr val="accent1"/>
+          </a:effectRef>
+          <a:fontRef idx="minor">
+            <a:schemeClr val="lt1"/>
+          </a:fontRef>
+        </p:style>
+        <p:txBody>
+          <a:bodyPr rtlCol="0" anchor="ctr"/>
+          <a:lstStyle/>
+          <a:p>
+            <a:pPr algn="ctr"/>
+            <a:endParaRPr lang="ko-KR" altLang="en-US"/>
+          </a:p>
+        </p:txBody>
+      </p:sp>
+      <p:sp>
+        <p:nvSpPr>
+          <p:cNvPr id="15" name="직사각형 14">
+            <a:extLst>
+              <a:ext uri="{FF2B5EF4-FFF2-40B4-BE49-F238E27FC236}">
+                <a16:creationId xmlns:a16="http://schemas.microsoft.com/office/drawing/2014/main" id="{439C2C56-17E8-46D9-81ED-D8EC478D8174}"/>
+              </a:ext>
+            </a:extLst>
+          </p:cNvPr>
+          <p:cNvSpPr/>
+          <p:nvPr/>
+        </p:nvSpPr>
+        <p:spPr>
+          <a:xfrm>
+            <a:off x="8450163" y="674074"/>
+            <a:ext cx="2943007" cy="235682"/>
+          </a:xfrm>
+          <a:prstGeom prst="rect">
+            <a:avLst/>
+          </a:prstGeom>
+          <a:noFill/>
+          <a:ln w="38100">
+            <a:solidFill>
+              <a:srgbClr val="FF0000"/>
+            </a:solidFill>
+          </a:ln>
+        </p:spPr>
+        <p:style>
+          <a:lnRef idx="2">
+            <a:schemeClr val="accent1">
+              <a:shade val="50000"/>
+            </a:schemeClr>
+          </a:lnRef>
+          <a:fillRef idx="1">
+            <a:schemeClr val="accent1"/>
+          </a:fillRef>
+          <a:effectRef idx="0">
+            <a:schemeClr val="accent1"/>
+          </a:effectRef>
+          <a:fontRef idx="minor">
+            <a:schemeClr val="lt1"/>
+          </a:fontRef>
+        </p:style>
+        <p:txBody>
+          <a:bodyPr rtlCol="0" anchor="ctr"/>
+          <a:lstStyle/>
+          <a:p>
+            <a:pPr algn="ctr"/>
+            <a:endParaRPr lang="ko-KR" altLang="en-US"/>
+          </a:p>
+        </p:txBody>
+      </p:sp>
+      <p:cxnSp>
+        <p:nvCxnSpPr>
+          <p:cNvPr id="72" name="직선 화살표 연결선 71">
+            <a:extLst>
+              <a:ext uri="{FF2B5EF4-FFF2-40B4-BE49-F238E27FC236}">
+                <a16:creationId xmlns:a16="http://schemas.microsoft.com/office/drawing/2014/main" id="{0227FC3D-9549-4F2F-9FB0-CF01D306C8CF}"/>
+              </a:ext>
+            </a:extLst>
+          </p:cNvPr>
+          <p:cNvCxnSpPr>
+            <a:cxnSpLocks/>
+          </p:cNvCxnSpPr>
+          <p:nvPr/>
+        </p:nvCxnSpPr>
+        <p:spPr>
+          <a:xfrm flipH="1">
+            <a:off x="7524492" y="2453425"/>
+            <a:ext cx="539907" cy="0"/>
+          </a:xfrm>
+          <a:prstGeom prst="straightConnector1">
+            <a:avLst/>
+          </a:prstGeom>
+          <a:ln w="38100">
+            <a:solidFill>
+              <a:srgbClr val="FF0000"/>
+            </a:solidFill>
+            <a:tailEnd type="triangle"/>
+          </a:ln>
+        </p:spPr>
+        <p:style>
+          <a:lnRef idx="1">
+            <a:schemeClr val="accent1"/>
+          </a:lnRef>
+          <a:fillRef idx="0">
+            <a:schemeClr val="accent1"/>
+          </a:fillRef>
+          <a:effectRef idx="0">
+            <a:schemeClr val="accent1"/>
+          </a:effectRef>
+          <a:fontRef idx="minor">
+            <a:schemeClr val="tx1"/>
+          </a:fontRef>
+        </p:style>
+      </p:cxnSp>
+      <p:cxnSp>
+        <p:nvCxnSpPr>
+          <p:cNvPr id="74" name="직선 화살표 연결선 73">
+            <a:extLst>
+              <a:ext uri="{FF2B5EF4-FFF2-40B4-BE49-F238E27FC236}">
+                <a16:creationId xmlns:a16="http://schemas.microsoft.com/office/drawing/2014/main" id="{B4ABF37E-3AFE-45AF-A869-9B1B64CE687B}"/>
+              </a:ext>
+            </a:extLst>
+          </p:cNvPr>
+          <p:cNvCxnSpPr>
+            <a:cxnSpLocks/>
+          </p:cNvCxnSpPr>
+          <p:nvPr/>
+        </p:nvCxnSpPr>
+        <p:spPr>
+          <a:xfrm flipH="1">
+            <a:off x="6829080" y="4232275"/>
+            <a:ext cx="1621083" cy="0"/>
+          </a:xfrm>
+          <a:prstGeom prst="straightConnector1">
+            <a:avLst/>
+          </a:prstGeom>
+          <a:ln w="38100">
+            <a:solidFill>
+              <a:srgbClr val="FF0000"/>
+            </a:solidFill>
+            <a:tailEnd type="triangle"/>
+          </a:ln>
+        </p:spPr>
+        <p:style>
+          <a:lnRef idx="1">
+            <a:schemeClr val="accent1"/>
+          </a:lnRef>
+          <a:fillRef idx="0">
+            <a:schemeClr val="accent1"/>
+          </a:fillRef>
+          <a:effectRef idx="0">
+            <a:schemeClr val="accent1"/>
+          </a:effectRef>
+          <a:fontRef idx="minor">
+            <a:schemeClr val="tx1"/>
+          </a:fontRef>
+        </p:style>
+      </p:cxnSp>
+      <p:sp>
+        <p:nvSpPr>
+          <p:cNvPr id="43" name="TextBox 42">
+            <a:extLst>
+              <a:ext uri="{FF2B5EF4-FFF2-40B4-BE49-F238E27FC236}">
+                <a16:creationId xmlns:a16="http://schemas.microsoft.com/office/drawing/2014/main" id="{CAA685C8-44D5-4D72-AA8D-CC452ED17C36}"/>
+              </a:ext>
+            </a:extLst>
+          </p:cNvPr>
+          <p:cNvSpPr txBox="1"/>
+          <p:nvPr/>
+        </p:nvSpPr>
+        <p:spPr>
+          <a:xfrm>
+            <a:off x="258064" y="299742"/>
+            <a:ext cx="2094676" cy="584775"/>
+          </a:xfrm>
+          <a:prstGeom prst="rect">
+            <a:avLst/>
+          </a:prstGeom>
+          <a:noFill/>
+        </p:spPr>
+        <p:txBody>
+          <a:bodyPr wrap="square" rtlCol="0">
+            <a:spAutoFit/>
+          </a:bodyPr>
+          <a:lstStyle/>
+          <a:p>
             <a:r>
-              <a:rPr lang="ko-KR" altLang="en-US" sz="1500" dirty="0">
+              <a:rPr lang="ko-KR" altLang="en-US" sz="3200" dirty="0">
                 <a:solidFill>
-                  <a:schemeClr val="tx1"/>
+                  <a:schemeClr val="accent1"/>
                 </a:solidFill>
               </a:rPr>
-              <a:t>관리</a:t>
+              <a:t>검색기능</a:t>
             </a:r>
-            <a:endParaRPr lang="en-US" altLang="ko-KR" sz="1500" dirty="0">
+            <a:endParaRPr lang="en-US" altLang="ko-KR" sz="3200" dirty="0">
               <a:solidFill>
-                <a:schemeClr val="tx1"/>
+                <a:schemeClr val="accent1"/>
               </a:solidFill>
             </a:endParaRPr>
           </a:p>
+        </p:txBody>
+      </p:sp>
+      <p:sp>
+        <p:nvSpPr>
+          <p:cNvPr id="77" name="TextBox 76">
+            <a:extLst>
+              <a:ext uri="{FF2B5EF4-FFF2-40B4-BE49-F238E27FC236}">
+                <a16:creationId xmlns:a16="http://schemas.microsoft.com/office/drawing/2014/main" id="{D6A86A25-A22E-474D-B608-5CF3BF22B10F}"/>
+              </a:ext>
+            </a:extLst>
+          </p:cNvPr>
+          <p:cNvSpPr txBox="1"/>
+          <p:nvPr/>
+        </p:nvSpPr>
+        <p:spPr>
+          <a:xfrm>
+            <a:off x="3990710" y="4001442"/>
+            <a:ext cx="2777841" cy="461665"/>
+          </a:xfrm>
+          <a:prstGeom prst="rect">
+            <a:avLst/>
+          </a:prstGeom>
+          <a:noFill/>
+          <a:ln>
+            <a:solidFill>
+              <a:schemeClr val="tx1"/>
+            </a:solidFill>
+          </a:ln>
+        </p:spPr>
+        <p:txBody>
+          <a:bodyPr wrap="square" rtlCol="0">
+            <a:spAutoFit/>
+          </a:bodyPr>
+          <a:lstStyle/>
           <a:p>
-            <a:pPr algn="just"/>
             <a:r>
-              <a:rPr lang="en-US" altLang="ko-KR" dirty="0">
-                <a:solidFill>
-                  <a:schemeClr val="tx1"/>
-                </a:solidFill>
-              </a:rPr>
-              <a:t>	|</a:t>
-            </a:r>
-          </a:p>
-          <a:p>
-            <a:pPr algn="just"/>
-            <a:r>
-              <a:rPr lang="en-US" altLang="ko-KR" dirty="0">
-                <a:solidFill>
-                  <a:schemeClr val="tx1"/>
-                </a:solidFill>
-              </a:rPr>
-              <a:t>  Adapter :	</a:t>
+              <a:rPr lang="en-US" altLang="ko-KR" sz="2400" dirty="0"/>
+              <a:t>2) </a:t>
             </a:r>
             <a:r>
-              <a:rPr lang="ko-KR" altLang="en-US" sz="1000" dirty="0">
-                <a:solidFill>
-                  <a:schemeClr val="tx1"/>
-                </a:solidFill>
-              </a:rPr>
-              <a:t>서버에서 받은 데이터정보를 </a:t>
-            </a:r>
-            <a:r>
-              <a:rPr lang="en-US" altLang="ko-KR" sz="1000" dirty="0">
-                <a:solidFill>
-                  <a:schemeClr val="tx1"/>
-                </a:solidFill>
-              </a:rPr>
-              <a:t>UI</a:t>
-            </a:r>
-            <a:r>
-              <a:rPr lang="ko-KR" altLang="en-US" sz="1000" dirty="0">
-                <a:solidFill>
-                  <a:schemeClr val="tx1"/>
-                </a:solidFill>
-              </a:rPr>
-              <a:t>로 전달해줌</a:t>
-            </a:r>
-            <a:endParaRPr lang="en-US" altLang="ko-KR" sz="1000" dirty="0">
-              <a:solidFill>
-                <a:schemeClr val="tx1"/>
-              </a:solidFill>
-            </a:endParaRPr>
-          </a:p>
-          <a:p>
-            <a:pPr algn="just"/>
-            <a:r>
-              <a:rPr lang="en-US" altLang="ko-KR" dirty="0">
-                <a:solidFill>
-                  <a:schemeClr val="tx1"/>
-                </a:solidFill>
-              </a:rPr>
-              <a:t>	|</a:t>
-            </a:r>
-          </a:p>
-          <a:p>
-            <a:pPr algn="just"/>
-            <a:r>
-              <a:rPr lang="en-US" altLang="ko-KR" dirty="0">
-                <a:solidFill>
-                  <a:schemeClr val="tx1"/>
-                </a:solidFill>
-              </a:rPr>
-              <a:t>   Service  :	</a:t>
-            </a:r>
-            <a:r>
-              <a:rPr lang="ko-KR" altLang="en-US" sz="1500" dirty="0">
-                <a:solidFill>
-                  <a:schemeClr val="tx1"/>
-                </a:solidFill>
-              </a:rPr>
-              <a:t>서버에서 받은 데이터 관리</a:t>
+              <a:rPr lang="ko-KR" altLang="en-US" sz="2400" dirty="0"/>
+              <a:t>지역 리스트 표시</a:t>
             </a:r>
           </a:p>
         </p:txBody>
       </p:sp>
+      <p:sp>
+        <p:nvSpPr>
+          <p:cNvPr id="76" name="TextBox 75">
+            <a:extLst>
+              <a:ext uri="{FF2B5EF4-FFF2-40B4-BE49-F238E27FC236}">
+                <a16:creationId xmlns:a16="http://schemas.microsoft.com/office/drawing/2014/main" id="{9B42EA53-EB67-4CE2-ADCA-B052CFD7EBAF}"/>
+              </a:ext>
+            </a:extLst>
+          </p:cNvPr>
+          <p:cNvSpPr txBox="1"/>
+          <p:nvPr/>
+        </p:nvSpPr>
+        <p:spPr>
+          <a:xfrm>
+            <a:off x="781164" y="1863679"/>
+            <a:ext cx="6682799" cy="1200329"/>
+          </a:xfrm>
+          <a:prstGeom prst="rect">
+            <a:avLst/>
+          </a:prstGeom>
+          <a:noFill/>
+          <a:ln>
+            <a:solidFill>
+              <a:schemeClr val="tx1"/>
+            </a:solidFill>
+          </a:ln>
+        </p:spPr>
+        <p:txBody>
+          <a:bodyPr wrap="square" rtlCol="0">
+            <a:spAutoFit/>
+          </a:bodyPr>
+          <a:lstStyle/>
+          <a:p>
+            <a:pPr marL="457200" indent="-457200">
+              <a:buAutoNum type="arabicParenR"/>
+            </a:pPr>
+            <a:r>
+              <a:rPr lang="en-US" altLang="ko-KR" sz="2400" dirty="0"/>
+              <a:t>Entry</a:t>
+            </a:r>
+            <a:r>
+              <a:rPr lang="ko-KR" altLang="en-US" sz="2400" dirty="0"/>
+              <a:t>에 지역명을 입력하여 원하는 지역 날씨를 검색</a:t>
+            </a:r>
+            <a:r>
+              <a:rPr lang="en-US" altLang="ko-KR" sz="2400" dirty="0"/>
+              <a:t>, </a:t>
+            </a:r>
+            <a:r>
+              <a:rPr lang="ko-KR" altLang="en-US" sz="2400" dirty="0" err="1"/>
+              <a:t>즐겨찾기에</a:t>
+            </a:r>
+            <a:r>
+              <a:rPr lang="ko-KR" altLang="en-US" sz="2400" dirty="0"/>
+              <a:t> 추가 가능</a:t>
+            </a:r>
+            <a:endParaRPr lang="en-US" altLang="ko-KR" sz="2400" dirty="0"/>
+          </a:p>
+          <a:p>
+            <a:r>
+              <a:rPr lang="en-US" altLang="ko-KR" sz="2400" dirty="0"/>
+              <a:t>	</a:t>
+            </a:r>
+            <a:r>
+              <a:rPr lang="ko-KR" altLang="en-US" sz="2400" dirty="0"/>
+              <a:t>검색 시 홈 화면으로 복귀하여 </a:t>
+            </a:r>
+            <a:r>
+              <a:rPr lang="en-US" altLang="ko-KR" sz="2400" dirty="0"/>
+              <a:t>	</a:t>
+            </a:r>
+            <a:r>
+              <a:rPr lang="ko-KR" altLang="en-US" sz="2400" dirty="0"/>
+              <a:t>날씨정보 표시</a:t>
+            </a:r>
+          </a:p>
+        </p:txBody>
+      </p:sp>
+      <p:cxnSp>
+        <p:nvCxnSpPr>
+          <p:cNvPr id="92" name="직선 연결선 91">
+            <a:extLst>
+              <a:ext uri="{FF2B5EF4-FFF2-40B4-BE49-F238E27FC236}">
+                <a16:creationId xmlns:a16="http://schemas.microsoft.com/office/drawing/2014/main" id="{6B56C51E-2152-4C7F-BE35-C0F896F97F8E}"/>
+              </a:ext>
+            </a:extLst>
+          </p:cNvPr>
+          <p:cNvCxnSpPr>
+            <a:cxnSpLocks/>
+          </p:cNvCxnSpPr>
+          <p:nvPr/>
+        </p:nvCxnSpPr>
+        <p:spPr>
+          <a:xfrm flipV="1">
+            <a:off x="8061914" y="782118"/>
+            <a:ext cx="2486" cy="1681726"/>
+          </a:xfrm>
+          <a:prstGeom prst="line">
+            <a:avLst/>
+          </a:prstGeom>
+          <a:ln w="38100">
+            <a:solidFill>
+              <a:srgbClr val="FF0000"/>
+            </a:solidFill>
+          </a:ln>
+        </p:spPr>
+        <p:style>
+          <a:lnRef idx="1">
+            <a:schemeClr val="accent1"/>
+          </a:lnRef>
+          <a:fillRef idx="0">
+            <a:schemeClr val="accent1"/>
+          </a:fillRef>
+          <a:effectRef idx="0">
+            <a:schemeClr val="accent1"/>
+          </a:effectRef>
+          <a:fontRef idx="minor">
+            <a:schemeClr val="tx1"/>
+          </a:fontRef>
+        </p:style>
+      </p:cxnSp>
+      <p:cxnSp>
+        <p:nvCxnSpPr>
+          <p:cNvPr id="95" name="직선 연결선 94">
+            <a:extLst>
+              <a:ext uri="{FF2B5EF4-FFF2-40B4-BE49-F238E27FC236}">
+                <a16:creationId xmlns:a16="http://schemas.microsoft.com/office/drawing/2014/main" id="{A9DA46E2-E8F6-4AAF-8759-D306E8C178DA}"/>
+              </a:ext>
+            </a:extLst>
+          </p:cNvPr>
+          <p:cNvCxnSpPr>
+            <a:cxnSpLocks/>
+          </p:cNvCxnSpPr>
+          <p:nvPr/>
+        </p:nvCxnSpPr>
+        <p:spPr>
+          <a:xfrm flipH="1" flipV="1">
+            <a:off x="8073598" y="799177"/>
+            <a:ext cx="394495" cy="1703"/>
+          </a:xfrm>
+          <a:prstGeom prst="line">
+            <a:avLst/>
+          </a:prstGeom>
+          <a:ln w="38100">
+            <a:solidFill>
+              <a:srgbClr val="FF0000"/>
+            </a:solidFill>
+          </a:ln>
+        </p:spPr>
+        <p:style>
+          <a:lnRef idx="1">
+            <a:schemeClr val="accent1"/>
+          </a:lnRef>
+          <a:fillRef idx="0">
+            <a:schemeClr val="accent1"/>
+          </a:fillRef>
+          <a:effectRef idx="0">
+            <a:schemeClr val="accent1"/>
+          </a:effectRef>
+          <a:fontRef idx="minor">
+            <a:schemeClr val="tx1"/>
+          </a:fontRef>
+        </p:style>
+      </p:cxnSp>
     </p:spTree>
     <p:extLst>
       <p:ext uri="{BB962C8B-B14F-4D97-AF65-F5344CB8AC3E}">
-        <p14:creationId xmlns:p14="http://schemas.microsoft.com/office/powerpoint/2010/main" val="3797365883"/>
+        <p14:creationId xmlns:p14="http://schemas.microsoft.com/office/powerpoint/2010/main" val="26159868"/>
       </p:ext>
     </p:extLst>
   </p:cSld>
@@ -15287,7 +17913,7 @@
 </p:sld>
 </file>
 
-<file path=ppt/slides/slide7.xml><?xml version="1.0" encoding="utf-8"?>
+<file path=ppt/slides/slide9.xml><?xml version="1.0" encoding="utf-8"?>
 <p:sld xmlns:a="http://schemas.openxmlformats.org/drawingml/2006/main" xmlns:r="http://schemas.openxmlformats.org/officeDocument/2006/relationships" xmlns:p="http://schemas.openxmlformats.org/presentationml/2006/main">
   <p:cSld>
     <p:spTree>
@@ -15306,942 +17932,1969 @@
       </p:grpSpPr>
       <p:sp>
         <p:nvSpPr>
-          <p:cNvPr id="2" name="제목 1">
+          <p:cNvPr id="6" name="직사각형 5">
             <a:extLst>
               <a:ext uri="{FF2B5EF4-FFF2-40B4-BE49-F238E27FC236}">
-                <a16:creationId xmlns:a16="http://schemas.microsoft.com/office/drawing/2014/main" id="{F037C735-DDFE-4FA6-8964-446BD97D4727}"/>
+                <a16:creationId xmlns:a16="http://schemas.microsoft.com/office/drawing/2014/main" id="{19D571B1-1186-4DF2-BF09-2F0EF76531FA}"/>
               </a:ext>
             </a:extLst>
           </p:cNvPr>
-          <p:cNvSpPr>
-            <a:spLocks noGrp="1"/>
-          </p:cNvSpPr>
-          <p:nvPr>
-            <p:ph type="title"/>
-          </p:nvPr>
+          <p:cNvSpPr/>
+          <p:nvPr/>
         </p:nvSpPr>
-        <p:spPr/>
+        <p:spPr>
+          <a:xfrm>
+            <a:off x="8398174" y="218740"/>
+            <a:ext cx="3304993" cy="6442198"/>
+          </a:xfrm>
+          <a:prstGeom prst="rect">
+            <a:avLst/>
+          </a:prstGeom>
+        </p:spPr>
+        <p:style>
+          <a:lnRef idx="2">
+            <a:schemeClr val="accent1">
+              <a:shade val="50000"/>
+            </a:schemeClr>
+          </a:lnRef>
+          <a:fillRef idx="1">
+            <a:schemeClr val="accent1"/>
+          </a:fillRef>
+          <a:effectRef idx="0">
+            <a:schemeClr val="accent1"/>
+          </a:effectRef>
+          <a:fontRef idx="minor">
+            <a:schemeClr val="lt1"/>
+          </a:fontRef>
+        </p:style>
         <p:txBody>
-          <a:bodyPr/>
+          <a:bodyPr rtlCol="0" anchor="ctr"/>
+          <a:lstStyle/>
+          <a:p>
+            <a:pPr algn="ctr"/>
+            <a:endParaRPr lang="ko-KR" altLang="en-US" dirty="0"/>
+          </a:p>
+        </p:txBody>
+      </p:sp>
+      <p:sp>
+        <p:nvSpPr>
+          <p:cNvPr id="20" name="직사각형 19">
+            <a:extLst>
+              <a:ext uri="{FF2B5EF4-FFF2-40B4-BE49-F238E27FC236}">
+                <a16:creationId xmlns:a16="http://schemas.microsoft.com/office/drawing/2014/main" id="{CB9CAD1F-B839-41C8-9041-F692510F4FA3}"/>
+              </a:ext>
+            </a:extLst>
+          </p:cNvPr>
+          <p:cNvSpPr/>
+          <p:nvPr/>
+        </p:nvSpPr>
+        <p:spPr>
+          <a:xfrm>
+            <a:off x="11426631" y="957923"/>
+            <a:ext cx="195202" cy="5681230"/>
+          </a:xfrm>
+          <a:prstGeom prst="rect">
+            <a:avLst/>
+          </a:prstGeom>
+          <a:solidFill>
+            <a:schemeClr val="bg1">
+              <a:lumMod val="95000"/>
+            </a:schemeClr>
+          </a:solidFill>
+          <a:ln>
+            <a:solidFill>
+              <a:schemeClr val="bg1">
+                <a:lumMod val="65000"/>
+              </a:schemeClr>
+            </a:solidFill>
+          </a:ln>
+        </p:spPr>
+        <p:style>
+          <a:lnRef idx="2">
+            <a:schemeClr val="accent1">
+              <a:shade val="50000"/>
+            </a:schemeClr>
+          </a:lnRef>
+          <a:fillRef idx="1">
+            <a:schemeClr val="accent1"/>
+          </a:fillRef>
+          <a:effectRef idx="0">
+            <a:schemeClr val="accent1"/>
+          </a:effectRef>
+          <a:fontRef idx="minor">
+            <a:schemeClr val="lt1"/>
+          </a:fontRef>
+        </p:style>
+        <p:txBody>
+          <a:bodyPr rtlCol="0" anchor="ctr"/>
+          <a:lstStyle/>
+          <a:p>
+            <a:pPr algn="ctr"/>
+            <a:endParaRPr lang="ko-KR" altLang="en-US"/>
+          </a:p>
+        </p:txBody>
+      </p:sp>
+      <p:grpSp>
+        <p:nvGrpSpPr>
+          <p:cNvPr id="26" name="그룹 25">
+            <a:extLst>
+              <a:ext uri="{FF2B5EF4-FFF2-40B4-BE49-F238E27FC236}">
+                <a16:creationId xmlns:a16="http://schemas.microsoft.com/office/drawing/2014/main" id="{22AB602B-2A23-464B-A2FA-E3135FF1D4EB}"/>
+              </a:ext>
+            </a:extLst>
+          </p:cNvPr>
+          <p:cNvGrpSpPr/>
+          <p:nvPr/>
+        </p:nvGrpSpPr>
+        <p:grpSpPr>
+          <a:xfrm>
+            <a:off x="11411362" y="949305"/>
+            <a:ext cx="223114" cy="5681230"/>
+            <a:chOff x="3417267" y="977944"/>
+            <a:chExt cx="223114" cy="5681230"/>
+          </a:xfrm>
+        </p:grpSpPr>
+        <p:sp>
+          <p:nvSpPr>
+            <p:cNvPr id="21" name="직사각형 20">
+              <a:extLst>
+                <a:ext uri="{FF2B5EF4-FFF2-40B4-BE49-F238E27FC236}">
+                  <a16:creationId xmlns:a16="http://schemas.microsoft.com/office/drawing/2014/main" id="{D515B8B6-B6D2-49DD-9C4C-BCDCF08ABA9A}"/>
+                </a:ext>
+              </a:extLst>
+            </p:cNvPr>
+            <p:cNvSpPr/>
+            <p:nvPr/>
+          </p:nvSpPr>
+          <p:spPr>
+            <a:xfrm>
+              <a:off x="3432536" y="1182183"/>
+              <a:ext cx="195202" cy="1093696"/>
+            </a:xfrm>
+            <a:prstGeom prst="rect">
+              <a:avLst/>
+            </a:prstGeom>
+            <a:solidFill>
+              <a:schemeClr val="bg1">
+                <a:lumMod val="85000"/>
+              </a:schemeClr>
+            </a:solidFill>
+            <a:ln>
+              <a:solidFill>
+                <a:schemeClr val="tx1">
+                  <a:lumMod val="95000"/>
+                  <a:lumOff val="5000"/>
+                </a:schemeClr>
+              </a:solidFill>
+            </a:ln>
+          </p:spPr>
+          <p:style>
+            <a:lnRef idx="2">
+              <a:schemeClr val="accent1">
+                <a:shade val="50000"/>
+              </a:schemeClr>
+            </a:lnRef>
+            <a:fillRef idx="1">
+              <a:schemeClr val="accent1"/>
+            </a:fillRef>
+            <a:effectRef idx="0">
+              <a:schemeClr val="accent1"/>
+            </a:effectRef>
+            <a:fontRef idx="minor">
+              <a:schemeClr val="lt1"/>
+            </a:fontRef>
+          </p:style>
+          <p:txBody>
+            <a:bodyPr rtlCol="0" anchor="ctr"/>
+            <a:lstStyle/>
+            <a:p>
+              <a:pPr algn="ctr"/>
+              <a:endParaRPr lang="ko-KR" altLang="en-US" dirty="0"/>
+            </a:p>
+          </p:txBody>
+        </p:sp>
+        <p:sp>
+          <p:nvSpPr>
+            <p:cNvPr id="22" name="직사각형 21">
+              <a:extLst>
+                <a:ext uri="{FF2B5EF4-FFF2-40B4-BE49-F238E27FC236}">
+                  <a16:creationId xmlns:a16="http://schemas.microsoft.com/office/drawing/2014/main" id="{A3068C85-FD1A-4A78-B34A-676D5B0C7130}"/>
+                </a:ext>
+              </a:extLst>
+            </p:cNvPr>
+            <p:cNvSpPr/>
+            <p:nvPr/>
+          </p:nvSpPr>
+          <p:spPr>
+            <a:xfrm>
+              <a:off x="3421784" y="977944"/>
+              <a:ext cx="218597" cy="195621"/>
+            </a:xfrm>
+            <a:prstGeom prst="rect">
+              <a:avLst/>
+            </a:prstGeom>
+            <a:solidFill>
+              <a:schemeClr val="bg1">
+                <a:lumMod val="85000"/>
+              </a:schemeClr>
+            </a:solidFill>
+            <a:ln>
+              <a:solidFill>
+                <a:schemeClr val="bg1">
+                  <a:lumMod val="65000"/>
+                </a:schemeClr>
+              </a:solidFill>
+            </a:ln>
+          </p:spPr>
+          <p:style>
+            <a:lnRef idx="2">
+              <a:schemeClr val="accent1">
+                <a:shade val="50000"/>
+              </a:schemeClr>
+            </a:lnRef>
+            <a:fillRef idx="1">
+              <a:schemeClr val="accent1"/>
+            </a:fillRef>
+            <a:effectRef idx="0">
+              <a:schemeClr val="accent1"/>
+            </a:effectRef>
+            <a:fontRef idx="minor">
+              <a:schemeClr val="lt1"/>
+            </a:fontRef>
+          </p:style>
+          <p:txBody>
+            <a:bodyPr rtlCol="0" anchor="ctr"/>
+            <a:lstStyle/>
+            <a:p>
+              <a:pPr algn="ctr"/>
+              <a:endParaRPr lang="ko-KR" altLang="en-US"/>
+            </a:p>
+          </p:txBody>
+        </p:sp>
+        <p:sp>
+          <p:nvSpPr>
+            <p:cNvPr id="23" name="직사각형 22">
+              <a:extLst>
+                <a:ext uri="{FF2B5EF4-FFF2-40B4-BE49-F238E27FC236}">
+                  <a16:creationId xmlns:a16="http://schemas.microsoft.com/office/drawing/2014/main" id="{1B5C78A8-ECB8-4512-80DB-CF0672179839}"/>
+                </a:ext>
+              </a:extLst>
+            </p:cNvPr>
+            <p:cNvSpPr/>
+            <p:nvPr/>
+          </p:nvSpPr>
+          <p:spPr>
+            <a:xfrm>
+              <a:off x="3417267" y="6463553"/>
+              <a:ext cx="218597" cy="195621"/>
+            </a:xfrm>
+            <a:prstGeom prst="rect">
+              <a:avLst/>
+            </a:prstGeom>
+            <a:solidFill>
+              <a:schemeClr val="bg1">
+                <a:lumMod val="85000"/>
+              </a:schemeClr>
+            </a:solidFill>
+            <a:ln>
+              <a:solidFill>
+                <a:schemeClr val="bg1">
+                  <a:lumMod val="65000"/>
+                </a:schemeClr>
+              </a:solidFill>
+            </a:ln>
+          </p:spPr>
+          <p:style>
+            <a:lnRef idx="2">
+              <a:schemeClr val="accent1">
+                <a:shade val="50000"/>
+              </a:schemeClr>
+            </a:lnRef>
+            <a:fillRef idx="1">
+              <a:schemeClr val="accent1"/>
+            </a:fillRef>
+            <a:effectRef idx="0">
+              <a:schemeClr val="accent1"/>
+            </a:effectRef>
+            <a:fontRef idx="minor">
+              <a:schemeClr val="lt1"/>
+            </a:fontRef>
+          </p:style>
+          <p:txBody>
+            <a:bodyPr rtlCol="0" anchor="ctr"/>
+            <a:lstStyle/>
+            <a:p>
+              <a:pPr algn="ctr"/>
+              <a:endParaRPr lang="ko-KR" altLang="en-US"/>
+            </a:p>
+          </p:txBody>
+        </p:sp>
+        <p:sp>
+          <p:nvSpPr>
+            <p:cNvPr id="24" name="이등변 삼각형 23">
+              <a:extLst>
+                <a:ext uri="{FF2B5EF4-FFF2-40B4-BE49-F238E27FC236}">
+                  <a16:creationId xmlns:a16="http://schemas.microsoft.com/office/drawing/2014/main" id="{AC115E1F-75C0-4EAF-9C88-AA6E71483AC9}"/>
+                </a:ext>
+              </a:extLst>
+            </p:cNvPr>
+            <p:cNvSpPr/>
+            <p:nvPr/>
+          </p:nvSpPr>
+          <p:spPr>
+            <a:xfrm>
+              <a:off x="3449499" y="1021957"/>
+              <a:ext cx="170329" cy="115750"/>
+            </a:xfrm>
+            <a:prstGeom prst="triangle">
+              <a:avLst/>
+            </a:prstGeom>
+            <a:solidFill>
+              <a:schemeClr val="bg1">
+                <a:lumMod val="50000"/>
+              </a:schemeClr>
+            </a:solidFill>
+            <a:ln>
+              <a:solidFill>
+                <a:schemeClr val="tx1">
+                  <a:lumMod val="95000"/>
+                  <a:lumOff val="5000"/>
+                </a:schemeClr>
+              </a:solidFill>
+            </a:ln>
+          </p:spPr>
+          <p:style>
+            <a:lnRef idx="2">
+              <a:schemeClr val="accent1">
+                <a:shade val="50000"/>
+              </a:schemeClr>
+            </a:lnRef>
+            <a:fillRef idx="1">
+              <a:schemeClr val="accent1"/>
+            </a:fillRef>
+            <a:effectRef idx="0">
+              <a:schemeClr val="accent1"/>
+            </a:effectRef>
+            <a:fontRef idx="minor">
+              <a:schemeClr val="lt1"/>
+            </a:fontRef>
+          </p:style>
+          <p:txBody>
+            <a:bodyPr rtlCol="0" anchor="ctr"/>
+            <a:lstStyle/>
+            <a:p>
+              <a:pPr algn="ctr"/>
+              <a:endParaRPr lang="ko-KR" altLang="en-US"/>
+            </a:p>
+          </p:txBody>
+        </p:sp>
+        <p:sp>
+          <p:nvSpPr>
+            <p:cNvPr id="25" name="이등변 삼각형 24">
+              <a:extLst>
+                <a:ext uri="{FF2B5EF4-FFF2-40B4-BE49-F238E27FC236}">
+                  <a16:creationId xmlns:a16="http://schemas.microsoft.com/office/drawing/2014/main" id="{4753B551-75D3-48C7-B50B-205FC55A12FB}"/>
+                </a:ext>
+              </a:extLst>
+            </p:cNvPr>
+            <p:cNvSpPr/>
+            <p:nvPr/>
+          </p:nvSpPr>
+          <p:spPr>
+            <a:xfrm rot="10800000">
+              <a:off x="3442447" y="6503488"/>
+              <a:ext cx="170329" cy="115750"/>
+            </a:xfrm>
+            <a:prstGeom prst="triangle">
+              <a:avLst/>
+            </a:prstGeom>
+            <a:solidFill>
+              <a:schemeClr val="bg1">
+                <a:lumMod val="50000"/>
+              </a:schemeClr>
+            </a:solidFill>
+            <a:ln>
+              <a:solidFill>
+                <a:schemeClr val="tx1">
+                  <a:lumMod val="95000"/>
+                  <a:lumOff val="5000"/>
+                </a:schemeClr>
+              </a:solidFill>
+            </a:ln>
+          </p:spPr>
+          <p:style>
+            <a:lnRef idx="2">
+              <a:schemeClr val="accent1">
+                <a:shade val="50000"/>
+              </a:schemeClr>
+            </a:lnRef>
+            <a:fillRef idx="1">
+              <a:schemeClr val="accent1"/>
+            </a:fillRef>
+            <a:effectRef idx="0">
+              <a:schemeClr val="accent1"/>
+            </a:effectRef>
+            <a:fontRef idx="minor">
+              <a:schemeClr val="lt1"/>
+            </a:fontRef>
+          </p:style>
+          <p:txBody>
+            <a:bodyPr rtlCol="0" anchor="ctr"/>
+            <a:lstStyle/>
+            <a:p>
+              <a:pPr algn="ctr"/>
+              <a:endParaRPr lang="ko-KR" altLang="en-US"/>
+            </a:p>
+          </p:txBody>
+        </p:sp>
+      </p:grpSp>
+      <p:grpSp>
+        <p:nvGrpSpPr>
+          <p:cNvPr id="33" name="그룹 32">
+            <a:extLst>
+              <a:ext uri="{FF2B5EF4-FFF2-40B4-BE49-F238E27FC236}">
+                <a16:creationId xmlns:a16="http://schemas.microsoft.com/office/drawing/2014/main" id="{F2F37570-4E29-4199-88D4-E558022EA0E2}"/>
+              </a:ext>
+            </a:extLst>
+          </p:cNvPr>
+          <p:cNvGrpSpPr/>
+          <p:nvPr/>
+        </p:nvGrpSpPr>
+        <p:grpSpPr>
+          <a:xfrm>
+            <a:off x="8460824" y="313785"/>
+            <a:ext cx="3185291" cy="246393"/>
+            <a:chOff x="466729" y="342424"/>
+            <a:chExt cx="3185291" cy="246393"/>
+          </a:xfrm>
+        </p:grpSpPr>
+        <p:sp>
+          <p:nvSpPr>
+            <p:cNvPr id="34" name="직사각형 33">
+              <a:extLst>
+                <a:ext uri="{FF2B5EF4-FFF2-40B4-BE49-F238E27FC236}">
+                  <a16:creationId xmlns:a16="http://schemas.microsoft.com/office/drawing/2014/main" id="{08CE6991-5988-41D9-A7C6-9049BC3E09A8}"/>
+                </a:ext>
+              </a:extLst>
+            </p:cNvPr>
+            <p:cNvSpPr/>
+            <p:nvPr/>
+          </p:nvSpPr>
+          <p:spPr>
+            <a:xfrm>
+              <a:off x="466729" y="342424"/>
+              <a:ext cx="573176" cy="236566"/>
+            </a:xfrm>
+            <a:prstGeom prst="rect">
+              <a:avLst/>
+            </a:prstGeom>
+            <a:solidFill>
+              <a:srgbClr val="FFFF00"/>
+            </a:solidFill>
+            <a:ln w="28575">
+              <a:solidFill>
+                <a:schemeClr val="tx1"/>
+              </a:solidFill>
+            </a:ln>
+          </p:spPr>
+          <p:style>
+            <a:lnRef idx="2">
+              <a:schemeClr val="accent1">
+                <a:shade val="50000"/>
+              </a:schemeClr>
+            </a:lnRef>
+            <a:fillRef idx="1">
+              <a:schemeClr val="accent1"/>
+            </a:fillRef>
+            <a:effectRef idx="0">
+              <a:schemeClr val="accent1"/>
+            </a:effectRef>
+            <a:fontRef idx="minor">
+              <a:schemeClr val="lt1"/>
+            </a:fontRef>
+          </p:style>
+          <p:txBody>
+            <a:bodyPr rtlCol="0" anchor="ctr"/>
+            <a:lstStyle/>
+            <a:p>
+              <a:pPr algn="ctr"/>
+              <a:endParaRPr lang="ko-KR" altLang="en-US"/>
+            </a:p>
+          </p:txBody>
+        </p:sp>
+        <p:sp>
+          <p:nvSpPr>
+            <p:cNvPr id="35" name="직사각형 34">
+              <a:extLst>
+                <a:ext uri="{FF2B5EF4-FFF2-40B4-BE49-F238E27FC236}">
+                  <a16:creationId xmlns:a16="http://schemas.microsoft.com/office/drawing/2014/main" id="{4F0A7E8F-78EE-471A-BE99-2D658D0597FE}"/>
+                </a:ext>
+              </a:extLst>
+            </p:cNvPr>
+            <p:cNvSpPr/>
+            <p:nvPr/>
+          </p:nvSpPr>
+          <p:spPr>
+            <a:xfrm>
+              <a:off x="1056120" y="342424"/>
+              <a:ext cx="573176" cy="236566"/>
+            </a:xfrm>
+            <a:prstGeom prst="rect">
+              <a:avLst/>
+            </a:prstGeom>
+            <a:solidFill>
+              <a:srgbClr val="FFFF00"/>
+            </a:solidFill>
+            <a:ln w="28575">
+              <a:solidFill>
+                <a:schemeClr val="tx1"/>
+              </a:solidFill>
+            </a:ln>
+          </p:spPr>
+          <p:style>
+            <a:lnRef idx="2">
+              <a:schemeClr val="accent1">
+                <a:shade val="50000"/>
+              </a:schemeClr>
+            </a:lnRef>
+            <a:fillRef idx="1">
+              <a:schemeClr val="accent1"/>
+            </a:fillRef>
+            <a:effectRef idx="0">
+              <a:schemeClr val="accent1"/>
+            </a:effectRef>
+            <a:fontRef idx="minor">
+              <a:schemeClr val="lt1"/>
+            </a:fontRef>
+          </p:style>
+          <p:txBody>
+            <a:bodyPr rtlCol="0" anchor="ctr"/>
+            <a:lstStyle/>
+            <a:p>
+              <a:pPr algn="ctr"/>
+              <a:endParaRPr lang="ko-KR" altLang="en-US"/>
+            </a:p>
+          </p:txBody>
+        </p:sp>
+        <p:sp>
+          <p:nvSpPr>
+            <p:cNvPr id="36" name="직사각형 35">
+              <a:extLst>
+                <a:ext uri="{FF2B5EF4-FFF2-40B4-BE49-F238E27FC236}">
+                  <a16:creationId xmlns:a16="http://schemas.microsoft.com/office/drawing/2014/main" id="{2C23FFEA-BBAF-4CC5-951D-CF65EDEC1414}"/>
+                </a:ext>
+              </a:extLst>
+            </p:cNvPr>
+            <p:cNvSpPr/>
+            <p:nvPr/>
+          </p:nvSpPr>
+          <p:spPr>
+            <a:xfrm>
+              <a:off x="1645511" y="342424"/>
+              <a:ext cx="573176" cy="236566"/>
+            </a:xfrm>
+            <a:prstGeom prst="rect">
+              <a:avLst/>
+            </a:prstGeom>
+            <a:solidFill>
+              <a:srgbClr val="FFFF00"/>
+            </a:solidFill>
+            <a:ln w="28575">
+              <a:solidFill>
+                <a:schemeClr val="tx1"/>
+              </a:solidFill>
+            </a:ln>
+          </p:spPr>
+          <p:style>
+            <a:lnRef idx="2">
+              <a:schemeClr val="accent1">
+                <a:shade val="50000"/>
+              </a:schemeClr>
+            </a:lnRef>
+            <a:fillRef idx="1">
+              <a:schemeClr val="accent1"/>
+            </a:fillRef>
+            <a:effectRef idx="0">
+              <a:schemeClr val="accent1"/>
+            </a:effectRef>
+            <a:fontRef idx="minor">
+              <a:schemeClr val="lt1"/>
+            </a:fontRef>
+          </p:style>
+          <p:txBody>
+            <a:bodyPr rtlCol="0" anchor="ctr"/>
+            <a:lstStyle/>
+            <a:p>
+              <a:pPr algn="ctr"/>
+              <a:endParaRPr lang="ko-KR" altLang="en-US"/>
+            </a:p>
+          </p:txBody>
+        </p:sp>
+        <p:sp>
+          <p:nvSpPr>
+            <p:cNvPr id="37" name="직사각형 36">
+              <a:extLst>
+                <a:ext uri="{FF2B5EF4-FFF2-40B4-BE49-F238E27FC236}">
+                  <a16:creationId xmlns:a16="http://schemas.microsoft.com/office/drawing/2014/main" id="{92370661-8FE9-4D13-ABE9-A2B49414ED9E}"/>
+                </a:ext>
+              </a:extLst>
+            </p:cNvPr>
+            <p:cNvSpPr/>
+            <p:nvPr/>
+          </p:nvSpPr>
+          <p:spPr>
+            <a:xfrm>
+              <a:off x="3167516" y="349721"/>
+              <a:ext cx="484504" cy="239096"/>
+            </a:xfrm>
+            <a:prstGeom prst="rect">
+              <a:avLst/>
+            </a:prstGeom>
+            <a:solidFill>
+              <a:srgbClr val="00B050"/>
+            </a:solidFill>
+            <a:ln w="28575">
+              <a:solidFill>
+                <a:schemeClr val="tx1"/>
+              </a:solidFill>
+            </a:ln>
+          </p:spPr>
+          <p:style>
+            <a:lnRef idx="2">
+              <a:schemeClr val="accent1">
+                <a:shade val="50000"/>
+              </a:schemeClr>
+            </a:lnRef>
+            <a:fillRef idx="1">
+              <a:schemeClr val="accent1"/>
+            </a:fillRef>
+            <a:effectRef idx="0">
+              <a:schemeClr val="accent1"/>
+            </a:effectRef>
+            <a:fontRef idx="minor">
+              <a:schemeClr val="lt1"/>
+            </a:fontRef>
+          </p:style>
+          <p:txBody>
+            <a:bodyPr rtlCol="0" anchor="ctr"/>
+            <a:lstStyle/>
+            <a:p>
+              <a:pPr algn="ctr"/>
+              <a:endParaRPr lang="ko-KR" altLang="en-US"/>
+            </a:p>
+          </p:txBody>
+        </p:sp>
+      </p:grpSp>
+      <p:grpSp>
+        <p:nvGrpSpPr>
+          <p:cNvPr id="27" name="그룹 26">
+            <a:extLst>
+              <a:ext uri="{FF2B5EF4-FFF2-40B4-BE49-F238E27FC236}">
+                <a16:creationId xmlns:a16="http://schemas.microsoft.com/office/drawing/2014/main" id="{CC0DC1B7-BD96-457F-93F5-D2F8597806C4}"/>
+              </a:ext>
+            </a:extLst>
+          </p:cNvPr>
+          <p:cNvGrpSpPr/>
+          <p:nvPr/>
+        </p:nvGrpSpPr>
+        <p:grpSpPr>
+          <a:xfrm>
+            <a:off x="8443223" y="258732"/>
+            <a:ext cx="3375438" cy="382532"/>
+            <a:chOff x="450074" y="278753"/>
+            <a:chExt cx="3375438" cy="382532"/>
+          </a:xfrm>
+        </p:grpSpPr>
+        <p:sp>
+          <p:nvSpPr>
+            <p:cNvPr id="29" name="TextBox 28">
+              <a:extLst>
+                <a:ext uri="{FF2B5EF4-FFF2-40B4-BE49-F238E27FC236}">
+                  <a16:creationId xmlns:a16="http://schemas.microsoft.com/office/drawing/2014/main" id="{F629E70E-DA43-4249-AF02-CFA9CC385BC7}"/>
+                </a:ext>
+              </a:extLst>
+            </p:cNvPr>
+            <p:cNvSpPr txBox="1"/>
+            <p:nvPr/>
+          </p:nvSpPr>
+          <p:spPr>
+            <a:xfrm>
+              <a:off x="3108515" y="319763"/>
+              <a:ext cx="716997" cy="338554"/>
+            </a:xfrm>
+            <a:prstGeom prst="rect">
+              <a:avLst/>
+            </a:prstGeom>
+            <a:noFill/>
+          </p:spPr>
+          <p:txBody>
+            <a:bodyPr wrap="square" rtlCol="0">
+              <a:spAutoFit/>
+            </a:bodyPr>
+            <a:lstStyle/>
+            <a:p>
+              <a:r>
+                <a:rPr lang="ko-KR" altLang="en-US" sz="1600" dirty="0"/>
+                <a:t>갱신</a:t>
+              </a:r>
+            </a:p>
+          </p:txBody>
+        </p:sp>
+        <p:sp>
+          <p:nvSpPr>
+            <p:cNvPr id="30" name="TextBox 29">
+              <a:extLst>
+                <a:ext uri="{FF2B5EF4-FFF2-40B4-BE49-F238E27FC236}">
+                  <a16:creationId xmlns:a16="http://schemas.microsoft.com/office/drawing/2014/main" id="{B5501063-E625-4450-B0FE-9D1174EEF545}"/>
+                </a:ext>
+              </a:extLst>
+            </p:cNvPr>
+            <p:cNvSpPr txBox="1"/>
+            <p:nvPr/>
+          </p:nvSpPr>
+          <p:spPr>
+            <a:xfrm>
+              <a:off x="450074" y="322731"/>
+              <a:ext cx="716997" cy="338554"/>
+            </a:xfrm>
+            <a:prstGeom prst="rect">
+              <a:avLst/>
+            </a:prstGeom>
+            <a:noFill/>
+          </p:spPr>
+          <p:txBody>
+            <a:bodyPr wrap="square" rtlCol="0">
+              <a:spAutoFit/>
+            </a:bodyPr>
+            <a:lstStyle/>
+            <a:p>
+              <a:r>
+                <a:rPr lang="ko-KR" altLang="en-US" sz="1600" dirty="0"/>
+                <a:t>검색</a:t>
+              </a:r>
+            </a:p>
+          </p:txBody>
+        </p:sp>
+        <p:sp>
+          <p:nvSpPr>
+            <p:cNvPr id="31" name="TextBox 30">
+              <a:extLst>
+                <a:ext uri="{FF2B5EF4-FFF2-40B4-BE49-F238E27FC236}">
+                  <a16:creationId xmlns:a16="http://schemas.microsoft.com/office/drawing/2014/main" id="{597CD34F-E9A2-4897-930C-88B08C31BD10}"/>
+                </a:ext>
+              </a:extLst>
+            </p:cNvPr>
+            <p:cNvSpPr txBox="1"/>
+            <p:nvPr/>
+          </p:nvSpPr>
+          <p:spPr>
+            <a:xfrm>
+              <a:off x="1001599" y="342146"/>
+              <a:ext cx="716997" cy="253916"/>
+            </a:xfrm>
+            <a:prstGeom prst="rect">
+              <a:avLst/>
+            </a:prstGeom>
+            <a:noFill/>
+          </p:spPr>
+          <p:txBody>
+            <a:bodyPr wrap="square" rtlCol="0">
+              <a:spAutoFit/>
+            </a:bodyPr>
+            <a:lstStyle/>
+            <a:p>
+              <a:r>
+                <a:rPr lang="ko-KR" altLang="en-US" sz="1050" dirty="0"/>
+                <a:t>즐겨찾기</a:t>
+              </a:r>
+            </a:p>
+          </p:txBody>
+        </p:sp>
+        <p:sp>
+          <p:nvSpPr>
+            <p:cNvPr id="32" name="TextBox 31">
+              <a:extLst>
+                <a:ext uri="{FF2B5EF4-FFF2-40B4-BE49-F238E27FC236}">
+                  <a16:creationId xmlns:a16="http://schemas.microsoft.com/office/drawing/2014/main" id="{3AE10DF7-89D5-4D4C-B334-1EB4B163C5D3}"/>
+                </a:ext>
+              </a:extLst>
+            </p:cNvPr>
+            <p:cNvSpPr txBox="1"/>
+            <p:nvPr/>
+          </p:nvSpPr>
+          <p:spPr>
+            <a:xfrm>
+              <a:off x="1584573" y="278753"/>
+              <a:ext cx="716997" cy="369332"/>
+            </a:xfrm>
+            <a:prstGeom prst="rect">
+              <a:avLst/>
+            </a:prstGeom>
+            <a:noFill/>
+          </p:spPr>
+          <p:txBody>
+            <a:bodyPr wrap="square" rtlCol="0">
+              <a:spAutoFit/>
+            </a:bodyPr>
+            <a:lstStyle/>
+            <a:p>
+              <a:r>
+                <a:rPr lang="en-US" altLang="ko-KR" dirty="0"/>
+                <a:t>email</a:t>
+              </a:r>
+              <a:endParaRPr lang="ko-KR" altLang="en-US" dirty="0"/>
+            </a:p>
+          </p:txBody>
+        </p:sp>
+      </p:grpSp>
+      <p:grpSp>
+        <p:nvGrpSpPr>
+          <p:cNvPr id="65" name="그룹 64">
+            <a:extLst>
+              <a:ext uri="{FF2B5EF4-FFF2-40B4-BE49-F238E27FC236}">
+                <a16:creationId xmlns:a16="http://schemas.microsoft.com/office/drawing/2014/main" id="{B71AFAD0-3541-495E-8BC7-4EC1F9F506E0}"/>
+              </a:ext>
+            </a:extLst>
+          </p:cNvPr>
+          <p:cNvGrpSpPr/>
+          <p:nvPr/>
+        </p:nvGrpSpPr>
+        <p:grpSpPr>
+          <a:xfrm>
+            <a:off x="10589374" y="282082"/>
+            <a:ext cx="716997" cy="307777"/>
+            <a:chOff x="4422989" y="764913"/>
+            <a:chExt cx="716997" cy="307777"/>
+          </a:xfrm>
+        </p:grpSpPr>
+        <p:sp>
+          <p:nvSpPr>
+            <p:cNvPr id="66" name="직사각형 65">
+              <a:extLst>
+                <a:ext uri="{FF2B5EF4-FFF2-40B4-BE49-F238E27FC236}">
+                  <a16:creationId xmlns:a16="http://schemas.microsoft.com/office/drawing/2014/main" id="{903A222C-D3F8-4DD6-BE98-74C60CD12F54}"/>
+                </a:ext>
+              </a:extLst>
+            </p:cNvPr>
+            <p:cNvSpPr/>
+            <p:nvPr/>
+          </p:nvSpPr>
+          <p:spPr>
+            <a:xfrm>
+              <a:off x="4485446" y="797375"/>
+              <a:ext cx="484504" cy="239096"/>
+            </a:xfrm>
+            <a:prstGeom prst="rect">
+              <a:avLst/>
+            </a:prstGeom>
+            <a:solidFill>
+              <a:srgbClr val="00B050"/>
+            </a:solidFill>
+            <a:ln w="28575">
+              <a:solidFill>
+                <a:schemeClr val="tx1"/>
+              </a:solidFill>
+            </a:ln>
+          </p:spPr>
+          <p:style>
+            <a:lnRef idx="2">
+              <a:schemeClr val="accent1">
+                <a:shade val="50000"/>
+              </a:schemeClr>
+            </a:lnRef>
+            <a:fillRef idx="1">
+              <a:schemeClr val="accent1"/>
+            </a:fillRef>
+            <a:effectRef idx="0">
+              <a:schemeClr val="accent1"/>
+            </a:effectRef>
+            <a:fontRef idx="minor">
+              <a:schemeClr val="lt1"/>
+            </a:fontRef>
+          </p:style>
+          <p:txBody>
+            <a:bodyPr rtlCol="0" anchor="ctr"/>
+            <a:lstStyle/>
+            <a:p>
+              <a:pPr algn="ctr"/>
+              <a:endParaRPr lang="ko-KR" altLang="en-US"/>
+            </a:p>
+          </p:txBody>
+        </p:sp>
+        <p:sp>
+          <p:nvSpPr>
+            <p:cNvPr id="67" name="TextBox 66">
+              <a:extLst>
+                <a:ext uri="{FF2B5EF4-FFF2-40B4-BE49-F238E27FC236}">
+                  <a16:creationId xmlns:a16="http://schemas.microsoft.com/office/drawing/2014/main" id="{AB5766A4-DBBB-442B-A13D-966D74876DD9}"/>
+                </a:ext>
+              </a:extLst>
+            </p:cNvPr>
+            <p:cNvSpPr txBox="1"/>
+            <p:nvPr/>
+          </p:nvSpPr>
+          <p:spPr>
+            <a:xfrm>
+              <a:off x="4422989" y="764913"/>
+              <a:ext cx="716997" cy="307777"/>
+            </a:xfrm>
+            <a:prstGeom prst="rect">
+              <a:avLst/>
+            </a:prstGeom>
+            <a:noFill/>
+          </p:spPr>
+          <p:txBody>
+            <a:bodyPr wrap="square" rtlCol="0">
+              <a:spAutoFit/>
+            </a:bodyPr>
+            <a:lstStyle/>
+            <a:p>
+              <a:r>
+                <a:rPr lang="en-US" altLang="ko-KR" sz="1400" dirty="0"/>
+                <a:t>Home</a:t>
+              </a:r>
+              <a:endParaRPr lang="ko-KR" altLang="en-US" sz="1400" dirty="0"/>
+            </a:p>
+          </p:txBody>
+        </p:sp>
+      </p:grpSp>
+      <p:sp>
+        <p:nvSpPr>
+          <p:cNvPr id="5" name="직사각형 4">
+            <a:extLst>
+              <a:ext uri="{FF2B5EF4-FFF2-40B4-BE49-F238E27FC236}">
+                <a16:creationId xmlns:a16="http://schemas.microsoft.com/office/drawing/2014/main" id="{B6D03588-557B-4B3E-BBC1-CDB1E6E0B62F}"/>
+              </a:ext>
+            </a:extLst>
+          </p:cNvPr>
+          <p:cNvSpPr/>
+          <p:nvPr/>
+        </p:nvSpPr>
+        <p:spPr>
+          <a:xfrm>
+            <a:off x="8497775" y="993557"/>
+            <a:ext cx="2918985" cy="5605062"/>
+          </a:xfrm>
+          <a:prstGeom prst="rect">
+            <a:avLst/>
+          </a:prstGeom>
+          <a:solidFill>
+            <a:schemeClr val="bg1">
+              <a:lumMod val="85000"/>
+            </a:schemeClr>
+          </a:solidFill>
+          <a:ln>
+            <a:solidFill>
+              <a:schemeClr val="tx1"/>
+            </a:solidFill>
+          </a:ln>
+        </p:spPr>
+        <p:style>
+          <a:lnRef idx="2">
+            <a:schemeClr val="accent1">
+              <a:shade val="50000"/>
+            </a:schemeClr>
+          </a:lnRef>
+          <a:fillRef idx="1">
+            <a:schemeClr val="accent1"/>
+          </a:fillRef>
+          <a:effectRef idx="0">
+            <a:schemeClr val="accent1"/>
+          </a:effectRef>
+          <a:fontRef idx="minor">
+            <a:schemeClr val="lt1"/>
+          </a:fontRef>
+        </p:style>
+        <p:txBody>
+          <a:bodyPr rtlCol="0" anchor="ctr"/>
+          <a:lstStyle/>
+          <a:p>
+            <a:pPr algn="ctr"/>
+            <a:endParaRPr lang="ko-KR" altLang="en-US"/>
+          </a:p>
+        </p:txBody>
+      </p:sp>
+      <p:grpSp>
+        <p:nvGrpSpPr>
+          <p:cNvPr id="13" name="그룹 12">
+            <a:extLst>
+              <a:ext uri="{FF2B5EF4-FFF2-40B4-BE49-F238E27FC236}">
+                <a16:creationId xmlns:a16="http://schemas.microsoft.com/office/drawing/2014/main" id="{8DCB8926-C458-4D2C-B426-ABA6D93C33E9}"/>
+              </a:ext>
+            </a:extLst>
+          </p:cNvPr>
+          <p:cNvGrpSpPr/>
+          <p:nvPr/>
+        </p:nvGrpSpPr>
+        <p:grpSpPr>
+          <a:xfrm>
+            <a:off x="9728478" y="629779"/>
+            <a:ext cx="1846705" cy="338554"/>
+            <a:chOff x="1734692" y="1127248"/>
+            <a:chExt cx="1846705" cy="338554"/>
+          </a:xfrm>
+        </p:grpSpPr>
+        <p:grpSp>
+          <p:nvGrpSpPr>
+            <p:cNvPr id="11" name="그룹 10">
+              <a:extLst>
+                <a:ext uri="{FF2B5EF4-FFF2-40B4-BE49-F238E27FC236}">
+                  <a16:creationId xmlns:a16="http://schemas.microsoft.com/office/drawing/2014/main" id="{0167F7F9-EE97-4877-A003-2977278449A0}"/>
+                </a:ext>
+              </a:extLst>
+            </p:cNvPr>
+            <p:cNvGrpSpPr/>
+            <p:nvPr/>
+          </p:nvGrpSpPr>
+          <p:grpSpPr>
+            <a:xfrm>
+              <a:off x="1734692" y="1127248"/>
+              <a:ext cx="666835" cy="338554"/>
+              <a:chOff x="1768836" y="1139044"/>
+              <a:chExt cx="666835" cy="338554"/>
+            </a:xfrm>
+          </p:grpSpPr>
+          <p:sp>
+            <p:nvSpPr>
+              <p:cNvPr id="9" name="직사각형 8">
+                <a:extLst>
+                  <a:ext uri="{FF2B5EF4-FFF2-40B4-BE49-F238E27FC236}">
+                    <a16:creationId xmlns:a16="http://schemas.microsoft.com/office/drawing/2014/main" id="{DC55EABC-2ED8-433E-8558-B0AEB37D4DF3}"/>
+                  </a:ext>
+                </a:extLst>
+              </p:cNvPr>
+              <p:cNvSpPr/>
+              <p:nvPr/>
+            </p:nvSpPr>
+            <p:spPr>
+              <a:xfrm>
+                <a:off x="1842471" y="1162915"/>
+                <a:ext cx="463763" cy="258910"/>
+              </a:xfrm>
+              <a:prstGeom prst="rect">
+                <a:avLst/>
+              </a:prstGeom>
+              <a:solidFill>
+                <a:schemeClr val="bg1">
+                  <a:lumMod val="85000"/>
+                </a:schemeClr>
+              </a:solidFill>
+              <a:ln>
+                <a:solidFill>
+                  <a:schemeClr val="tx1"/>
+                </a:solidFill>
+              </a:ln>
+            </p:spPr>
+            <p:style>
+              <a:lnRef idx="2">
+                <a:schemeClr val="accent1">
+                  <a:shade val="50000"/>
+                </a:schemeClr>
+              </a:lnRef>
+              <a:fillRef idx="1">
+                <a:schemeClr val="accent1"/>
+              </a:fillRef>
+              <a:effectRef idx="0">
+                <a:schemeClr val="accent1"/>
+              </a:effectRef>
+              <a:fontRef idx="minor">
+                <a:schemeClr val="lt1"/>
+              </a:fontRef>
+            </p:style>
+            <p:txBody>
+              <a:bodyPr rtlCol="0" anchor="ctr"/>
+              <a:lstStyle/>
+              <a:p>
+                <a:pPr algn="ctr"/>
+                <a:endParaRPr lang="ko-KR" altLang="en-US" dirty="0"/>
+              </a:p>
+            </p:txBody>
+          </p:sp>
+          <p:sp>
+            <p:nvSpPr>
+              <p:cNvPr id="10" name="직사각형 9">
+                <a:extLst>
+                  <a:ext uri="{FF2B5EF4-FFF2-40B4-BE49-F238E27FC236}">
+                    <a16:creationId xmlns:a16="http://schemas.microsoft.com/office/drawing/2014/main" id="{1D940CDD-3150-4ADB-BF95-44F2FA32DF2F}"/>
+                  </a:ext>
+                </a:extLst>
+              </p:cNvPr>
+              <p:cNvSpPr/>
+              <p:nvPr/>
+            </p:nvSpPr>
+            <p:spPr>
+              <a:xfrm>
+                <a:off x="1768836" y="1139044"/>
+                <a:ext cx="666835" cy="338554"/>
+              </a:xfrm>
+              <a:prstGeom prst="rect">
+                <a:avLst/>
+              </a:prstGeom>
+            </p:spPr>
+            <p:txBody>
+              <a:bodyPr wrap="square">
+                <a:spAutoFit/>
+              </a:bodyPr>
+              <a:lstStyle/>
+              <a:p>
+                <a:r>
+                  <a:rPr lang="ko-KR" altLang="en-US" sz="1600" dirty="0"/>
+                  <a:t>삭제</a:t>
+                </a:r>
+              </a:p>
+            </p:txBody>
+          </p:sp>
+        </p:grpSp>
+        <p:grpSp>
+          <p:nvGrpSpPr>
+            <p:cNvPr id="12" name="그룹 11">
+              <a:extLst>
+                <a:ext uri="{FF2B5EF4-FFF2-40B4-BE49-F238E27FC236}">
+                  <a16:creationId xmlns:a16="http://schemas.microsoft.com/office/drawing/2014/main" id="{EA3FDC1B-CE8E-4FFA-944D-70EC2698B78C}"/>
+                </a:ext>
+              </a:extLst>
+            </p:cNvPr>
+            <p:cNvGrpSpPr/>
+            <p:nvPr/>
+          </p:nvGrpSpPr>
+          <p:grpSpPr>
+            <a:xfrm>
+              <a:off x="2323506" y="1156114"/>
+              <a:ext cx="1257891" cy="278911"/>
+              <a:chOff x="2350258" y="1155993"/>
+              <a:chExt cx="1257891" cy="278911"/>
+            </a:xfrm>
+          </p:grpSpPr>
+          <p:sp>
+            <p:nvSpPr>
+              <p:cNvPr id="69" name="직사각형 68">
+                <a:extLst>
+                  <a:ext uri="{FF2B5EF4-FFF2-40B4-BE49-F238E27FC236}">
+                    <a16:creationId xmlns:a16="http://schemas.microsoft.com/office/drawing/2014/main" id="{A76A8BAE-B312-4FF4-B791-FE785C3B4E30}"/>
+                  </a:ext>
+                </a:extLst>
+              </p:cNvPr>
+              <p:cNvSpPr/>
+              <p:nvPr/>
+            </p:nvSpPr>
+            <p:spPr>
+              <a:xfrm>
+                <a:off x="2382375" y="1155993"/>
+                <a:ext cx="1020886" cy="253915"/>
+              </a:xfrm>
+              <a:prstGeom prst="rect">
+                <a:avLst/>
+              </a:prstGeom>
+              <a:solidFill>
+                <a:schemeClr val="bg1">
+                  <a:lumMod val="85000"/>
+                </a:schemeClr>
+              </a:solidFill>
+              <a:ln>
+                <a:solidFill>
+                  <a:schemeClr val="tx1"/>
+                </a:solidFill>
+              </a:ln>
+            </p:spPr>
+            <p:style>
+              <a:lnRef idx="2">
+                <a:schemeClr val="accent1">
+                  <a:shade val="50000"/>
+                </a:schemeClr>
+              </a:lnRef>
+              <a:fillRef idx="1">
+                <a:schemeClr val="accent1"/>
+              </a:fillRef>
+              <a:effectRef idx="0">
+                <a:schemeClr val="accent1"/>
+              </a:effectRef>
+              <a:fontRef idx="minor">
+                <a:schemeClr val="lt1"/>
+              </a:fontRef>
+            </p:style>
+            <p:txBody>
+              <a:bodyPr rtlCol="0" anchor="ctr"/>
+              <a:lstStyle/>
+              <a:p>
+                <a:pPr algn="ctr"/>
+                <a:endParaRPr lang="ko-KR" altLang="en-US"/>
+              </a:p>
+            </p:txBody>
+          </p:sp>
+          <p:sp>
+            <p:nvSpPr>
+              <p:cNvPr id="70" name="직사각형 69">
+                <a:extLst>
+                  <a:ext uri="{FF2B5EF4-FFF2-40B4-BE49-F238E27FC236}">
+                    <a16:creationId xmlns:a16="http://schemas.microsoft.com/office/drawing/2014/main" id="{818FEC90-E07A-4044-BF0F-D9EF7881E617}"/>
+                  </a:ext>
+                </a:extLst>
+              </p:cNvPr>
+              <p:cNvSpPr/>
+              <p:nvPr/>
+            </p:nvSpPr>
+            <p:spPr>
+              <a:xfrm>
+                <a:off x="2350258" y="1157905"/>
+                <a:ext cx="1257891" cy="276999"/>
+              </a:xfrm>
+              <a:prstGeom prst="rect">
+                <a:avLst/>
+              </a:prstGeom>
+            </p:spPr>
+            <p:txBody>
+              <a:bodyPr wrap="square">
+                <a:spAutoFit/>
+              </a:bodyPr>
+              <a:lstStyle/>
+              <a:p>
+                <a:r>
+                  <a:rPr lang="ko-KR" altLang="en-US" sz="1200" b="1" dirty="0"/>
+                  <a:t>시작지역지정</a:t>
+                </a:r>
+              </a:p>
+            </p:txBody>
+          </p:sp>
+        </p:grpSp>
+      </p:grpSp>
+      <p:sp>
+        <p:nvSpPr>
+          <p:cNvPr id="71" name="직사각형 70">
+            <a:extLst>
+              <a:ext uri="{FF2B5EF4-FFF2-40B4-BE49-F238E27FC236}">
+                <a16:creationId xmlns:a16="http://schemas.microsoft.com/office/drawing/2014/main" id="{23345888-5283-4ECC-85E6-842A9CE3E1D5}"/>
+              </a:ext>
+            </a:extLst>
+          </p:cNvPr>
+          <p:cNvSpPr/>
+          <p:nvPr/>
+        </p:nvSpPr>
+        <p:spPr>
+          <a:xfrm>
+            <a:off x="8482305" y="970856"/>
+            <a:ext cx="2910944" cy="5605062"/>
+          </a:xfrm>
+          <a:prstGeom prst="rect">
+            <a:avLst/>
+          </a:prstGeom>
+          <a:noFill/>
+          <a:ln w="38100">
+            <a:solidFill>
+              <a:srgbClr val="FF0000"/>
+            </a:solidFill>
+          </a:ln>
+        </p:spPr>
+        <p:style>
+          <a:lnRef idx="2">
+            <a:schemeClr val="accent1">
+              <a:shade val="50000"/>
+            </a:schemeClr>
+          </a:lnRef>
+          <a:fillRef idx="1">
+            <a:schemeClr val="accent1"/>
+          </a:fillRef>
+          <a:effectRef idx="0">
+            <a:schemeClr val="accent1"/>
+          </a:effectRef>
+          <a:fontRef idx="minor">
+            <a:schemeClr val="lt1"/>
+          </a:fontRef>
+        </p:style>
+        <p:txBody>
+          <a:bodyPr rtlCol="0" anchor="ctr"/>
+          <a:lstStyle/>
+          <a:p>
+            <a:pPr algn="ctr"/>
+            <a:endParaRPr lang="ko-KR" altLang="en-US"/>
+          </a:p>
+        </p:txBody>
+      </p:sp>
+      <p:sp>
+        <p:nvSpPr>
+          <p:cNvPr id="15" name="직사각형 14">
+            <a:extLst>
+              <a:ext uri="{FF2B5EF4-FFF2-40B4-BE49-F238E27FC236}">
+                <a16:creationId xmlns:a16="http://schemas.microsoft.com/office/drawing/2014/main" id="{439C2C56-17E8-46D9-81ED-D8EC478D8174}"/>
+              </a:ext>
+            </a:extLst>
+          </p:cNvPr>
+          <p:cNvSpPr/>
+          <p:nvPr/>
+        </p:nvSpPr>
+        <p:spPr>
+          <a:xfrm>
+            <a:off x="9649450" y="313785"/>
+            <a:ext cx="573176" cy="236566"/>
+          </a:xfrm>
+          <a:prstGeom prst="rect">
+            <a:avLst/>
+          </a:prstGeom>
+          <a:noFill/>
+          <a:ln w="38100">
+            <a:solidFill>
+              <a:srgbClr val="FF0000"/>
+            </a:solidFill>
+          </a:ln>
+        </p:spPr>
+        <p:style>
+          <a:lnRef idx="2">
+            <a:schemeClr val="accent1">
+              <a:shade val="50000"/>
+            </a:schemeClr>
+          </a:lnRef>
+          <a:fillRef idx="1">
+            <a:schemeClr val="accent1"/>
+          </a:fillRef>
+          <a:effectRef idx="0">
+            <a:schemeClr val="accent1"/>
+          </a:effectRef>
+          <a:fontRef idx="minor">
+            <a:schemeClr val="lt1"/>
+          </a:fontRef>
+        </p:style>
+        <p:txBody>
+          <a:bodyPr rtlCol="0" anchor="ctr"/>
+          <a:lstStyle/>
+          <a:p>
+            <a:pPr algn="ctr"/>
+            <a:endParaRPr lang="ko-KR" altLang="en-US"/>
+          </a:p>
+        </p:txBody>
+      </p:sp>
+      <p:cxnSp>
+        <p:nvCxnSpPr>
+          <p:cNvPr id="74" name="직선 화살표 연결선 73">
+            <a:extLst>
+              <a:ext uri="{FF2B5EF4-FFF2-40B4-BE49-F238E27FC236}">
+                <a16:creationId xmlns:a16="http://schemas.microsoft.com/office/drawing/2014/main" id="{B4ABF37E-3AFE-45AF-A869-9B1B64CE687B}"/>
+              </a:ext>
+            </a:extLst>
+          </p:cNvPr>
+          <p:cNvCxnSpPr>
+            <a:cxnSpLocks/>
+          </p:cNvCxnSpPr>
+          <p:nvPr/>
+        </p:nvCxnSpPr>
+        <p:spPr>
+          <a:xfrm flipH="1">
+            <a:off x="6839741" y="5576982"/>
+            <a:ext cx="1621083" cy="0"/>
+          </a:xfrm>
+          <a:prstGeom prst="straightConnector1">
+            <a:avLst/>
+          </a:prstGeom>
+          <a:ln w="38100">
+            <a:solidFill>
+              <a:srgbClr val="FF0000"/>
+            </a:solidFill>
+            <a:tailEnd type="triangle"/>
+          </a:ln>
+        </p:spPr>
+        <p:style>
+          <a:lnRef idx="1">
+            <a:schemeClr val="accent1"/>
+          </a:lnRef>
+          <a:fillRef idx="0">
+            <a:schemeClr val="accent1"/>
+          </a:fillRef>
+          <a:effectRef idx="0">
+            <a:schemeClr val="accent1"/>
+          </a:effectRef>
+          <a:fontRef idx="minor">
+            <a:schemeClr val="tx1"/>
+          </a:fontRef>
+        </p:style>
+      </p:cxnSp>
+      <p:sp>
+        <p:nvSpPr>
+          <p:cNvPr id="43" name="TextBox 42">
+            <a:extLst>
+              <a:ext uri="{FF2B5EF4-FFF2-40B4-BE49-F238E27FC236}">
+                <a16:creationId xmlns:a16="http://schemas.microsoft.com/office/drawing/2014/main" id="{CAA685C8-44D5-4D72-AA8D-CC452ED17C36}"/>
+              </a:ext>
+            </a:extLst>
+          </p:cNvPr>
+          <p:cNvSpPr txBox="1"/>
+          <p:nvPr/>
+        </p:nvSpPr>
+        <p:spPr>
+          <a:xfrm>
+            <a:off x="258063" y="299742"/>
+            <a:ext cx="4091191" cy="584775"/>
+          </a:xfrm>
+          <a:prstGeom prst="rect">
+            <a:avLst/>
+          </a:prstGeom>
+          <a:noFill/>
+        </p:spPr>
+        <p:txBody>
+          <a:bodyPr wrap="square" rtlCol="0">
+            <a:spAutoFit/>
+          </a:bodyPr>
           <a:lstStyle/>
           <a:p>
             <a:r>
-              <a:rPr lang="ko-KR" altLang="en-US" dirty="0"/>
-              <a:t>개발일정</a:t>
+              <a:rPr lang="ko-KR" altLang="en-US" sz="3200" dirty="0">
+                <a:solidFill>
+                  <a:schemeClr val="accent1"/>
+                </a:solidFill>
+              </a:rPr>
+              <a:t>즐겨찾기</a:t>
+            </a:r>
+            <a:r>
+              <a:rPr lang="en-US" altLang="ko-KR" sz="3200" dirty="0">
+                <a:solidFill>
+                  <a:schemeClr val="accent1"/>
+                </a:solidFill>
+              </a:rPr>
+              <a:t>/</a:t>
+            </a:r>
+            <a:r>
+              <a:rPr lang="ko-KR" altLang="en-US" sz="3200" dirty="0">
+                <a:solidFill>
+                  <a:schemeClr val="accent1"/>
+                </a:solidFill>
+              </a:rPr>
+              <a:t>이메일 전송</a:t>
+            </a:r>
+            <a:endParaRPr lang="en-US" altLang="ko-KR" sz="3200" dirty="0">
+              <a:solidFill>
+                <a:schemeClr val="accent1"/>
+              </a:solidFill>
+            </a:endParaRPr>
+          </a:p>
+        </p:txBody>
+      </p:sp>
+      <p:sp>
+        <p:nvSpPr>
+          <p:cNvPr id="77" name="TextBox 76">
+            <a:extLst>
+              <a:ext uri="{FF2B5EF4-FFF2-40B4-BE49-F238E27FC236}">
+                <a16:creationId xmlns:a16="http://schemas.microsoft.com/office/drawing/2014/main" id="{D6A86A25-A22E-474D-B608-5CF3BF22B10F}"/>
+              </a:ext>
+            </a:extLst>
+          </p:cNvPr>
+          <p:cNvSpPr txBox="1"/>
+          <p:nvPr/>
+        </p:nvSpPr>
+        <p:spPr>
+          <a:xfrm>
+            <a:off x="3300449" y="1710784"/>
+            <a:ext cx="3098731" cy="461665"/>
+          </a:xfrm>
+          <a:prstGeom prst="rect">
+            <a:avLst/>
+          </a:prstGeom>
+          <a:noFill/>
+          <a:ln>
+            <a:solidFill>
+              <a:schemeClr val="tx1"/>
+            </a:solidFill>
+          </a:ln>
+        </p:spPr>
+        <p:txBody>
+          <a:bodyPr wrap="square" rtlCol="0">
+            <a:spAutoFit/>
+          </a:bodyPr>
+          <a:lstStyle/>
+          <a:p>
+            <a:r>
+              <a:rPr lang="ko-KR" altLang="en-US" sz="2400" dirty="0"/>
+              <a:t>날씨정보 이메일 발신</a:t>
             </a:r>
           </a:p>
         </p:txBody>
       </p:sp>
-      <p:graphicFrame>
-        <p:nvGraphicFramePr>
-          <p:cNvPr id="11" name="내용 개체 틀 10">
+      <p:sp>
+        <p:nvSpPr>
+          <p:cNvPr id="76" name="TextBox 75">
             <a:extLst>
               <a:ext uri="{FF2B5EF4-FFF2-40B4-BE49-F238E27FC236}">
-                <a16:creationId xmlns:a16="http://schemas.microsoft.com/office/drawing/2014/main" id="{479748C9-C716-4302-8E2F-D7DA698C2F1C}"/>
+                <a16:creationId xmlns:a16="http://schemas.microsoft.com/office/drawing/2014/main" id="{9B42EA53-EB67-4CE2-ADCA-B052CFD7EBAF}"/>
               </a:ext>
             </a:extLst>
           </p:cNvPr>
-          <p:cNvGraphicFramePr>
-            <a:graphicFrameLocks noGrp="1"/>
-          </p:cNvGraphicFramePr>
-          <p:nvPr>
-            <p:ph idx="1"/>
-            <p:extLst/>
-          </p:nvPr>
-        </p:nvGraphicFramePr>
-        <p:xfrm>
-          <a:off x="676275" y="2011363"/>
-          <a:ext cx="10753724" cy="4347108"/>
-        </p:xfrm>
-        <a:graphic>
-          <a:graphicData uri="http://schemas.openxmlformats.org/drawingml/2006/table">
-            <a:tbl>
-              <a:tblPr firstRow="1" bandRow="1">
-                <a:tableStyleId>{5C22544A-7EE6-4342-B048-85BDC9FD1C3A}</a:tableStyleId>
-              </a:tblPr>
-              <a:tblGrid>
-                <a:gridCol w="1751965">
-                  <a:extLst>
-                    <a:ext uri="{9D8B030D-6E8A-4147-A177-3AD203B41FA5}">
-                      <a16:colId xmlns:a16="http://schemas.microsoft.com/office/drawing/2014/main" val="1627516450"/>
-                    </a:ext>
-                  </a:extLst>
-                </a:gridCol>
-                <a:gridCol w="2649946">
-                  <a:extLst>
-                    <a:ext uri="{9D8B030D-6E8A-4147-A177-3AD203B41FA5}">
-                      <a16:colId xmlns:a16="http://schemas.microsoft.com/office/drawing/2014/main" val="3847511624"/>
-                    </a:ext>
-                  </a:extLst>
-                </a:gridCol>
-                <a:gridCol w="3663382">
-                  <a:extLst>
-                    <a:ext uri="{9D8B030D-6E8A-4147-A177-3AD203B41FA5}">
-                      <a16:colId xmlns:a16="http://schemas.microsoft.com/office/drawing/2014/main" val="3492022527"/>
-                    </a:ext>
-                  </a:extLst>
-                </a:gridCol>
-                <a:gridCol w="2688431">
-                  <a:extLst>
-                    <a:ext uri="{9D8B030D-6E8A-4147-A177-3AD203B41FA5}">
-                      <a16:colId xmlns:a16="http://schemas.microsoft.com/office/drawing/2014/main" val="222630778"/>
-                    </a:ext>
-                  </a:extLst>
-                </a:gridCol>
-              </a:tblGrid>
-              <a:tr h="483012">
-                <a:tc>
-                  <a:txBody>
-                    <a:bodyPr/>
-                    <a:lstStyle/>
-                    <a:p>
-                      <a:pPr latinLnBrk="1"/>
-                      <a:r>
-                        <a:rPr lang="ko-KR" altLang="en-US" dirty="0"/>
-                        <a:t>주차</a:t>
-                      </a:r>
-                    </a:p>
-                  </a:txBody>
-                  <a:tcPr/>
-                </a:tc>
-                <a:tc>
-                  <a:txBody>
-                    <a:bodyPr/>
-                    <a:lstStyle/>
-                    <a:p>
-                      <a:pPr latinLnBrk="1"/>
-                      <a:r>
-                        <a:rPr lang="ko-KR" altLang="en-US" dirty="0"/>
-                        <a:t>계획</a:t>
-                      </a:r>
-                    </a:p>
-                  </a:txBody>
-                  <a:tcPr/>
-                </a:tc>
-                <a:tc>
-                  <a:txBody>
-                    <a:bodyPr/>
-                    <a:lstStyle/>
-                    <a:p>
-                      <a:pPr latinLnBrk="1"/>
-                      <a:r>
-                        <a:rPr lang="ko-KR" altLang="en-US" dirty="0"/>
-                        <a:t>세부 계획</a:t>
-                      </a:r>
-                    </a:p>
-                  </a:txBody>
-                  <a:tcPr/>
-                </a:tc>
-                <a:tc>
-                  <a:txBody>
-                    <a:bodyPr/>
-                    <a:lstStyle/>
-                    <a:p>
-                      <a:pPr latinLnBrk="1"/>
-                      <a:r>
-                        <a:rPr lang="ko-KR" altLang="en-US" dirty="0"/>
-                        <a:t>시행</a:t>
-                      </a:r>
-                    </a:p>
-                  </a:txBody>
-                  <a:tcPr/>
-                </a:tc>
-                <a:extLst>
-                  <a:ext uri="{0D108BD9-81ED-4DB2-BD59-A6C34878D82A}">
-                    <a16:rowId xmlns:a16="http://schemas.microsoft.com/office/drawing/2014/main" val="161393271"/>
-                  </a:ext>
-                </a:extLst>
-              </a:tr>
-              <a:tr h="483012">
-                <a:tc>
-                  <a:txBody>
-                    <a:bodyPr/>
-                    <a:lstStyle/>
-                    <a:p>
-                      <a:pPr latinLnBrk="1"/>
-                      <a:r>
-                        <a:rPr lang="en-US" altLang="ko-KR" dirty="0"/>
-                        <a:t>1</a:t>
-                      </a:r>
-                      <a:r>
-                        <a:rPr lang="ko-KR" altLang="en-US" dirty="0"/>
-                        <a:t>주 </a:t>
-                      </a:r>
-                      <a:r>
-                        <a:rPr lang="en-US" altLang="ko-KR" dirty="0"/>
-                        <a:t>5/1 ~ 5/4</a:t>
-                      </a:r>
-                      <a:endParaRPr lang="ko-KR" altLang="en-US" dirty="0"/>
-                    </a:p>
-                  </a:txBody>
-                  <a:tcPr/>
-                </a:tc>
-                <a:tc>
-                  <a:txBody>
-                    <a:bodyPr/>
-                    <a:lstStyle/>
-                    <a:p>
-                      <a:pPr latinLnBrk="1"/>
-                      <a:r>
-                        <a:rPr lang="ko-KR" altLang="en-US" sz="1000" dirty="0"/>
-                        <a:t>기능 분석 및 기획 </a:t>
-                      </a:r>
-                      <a:r>
-                        <a:rPr lang="en-US" altLang="ko-KR" sz="1000" dirty="0"/>
-                        <a:t>&amp; </a:t>
-                      </a:r>
-                      <a:r>
-                        <a:rPr lang="ko-KR" altLang="en-US" sz="1000" dirty="0"/>
-                        <a:t>프레임워크 구상</a:t>
-                      </a:r>
-                      <a:endParaRPr lang="en-US" altLang="ko-KR" sz="1000" dirty="0"/>
-                    </a:p>
-                    <a:p>
-                      <a:pPr latinLnBrk="1"/>
-                      <a:r>
-                        <a:rPr lang="ko-KR" altLang="en-US" sz="1000" dirty="0"/>
-                        <a:t>오픈 </a:t>
-                      </a:r>
-                      <a:r>
-                        <a:rPr lang="en-US" altLang="ko-KR" sz="1000" dirty="0"/>
-                        <a:t>API </a:t>
-                      </a:r>
-                      <a:r>
-                        <a:rPr lang="ko-KR" altLang="en-US" sz="1000" dirty="0"/>
-                        <a:t>자료 조사</a:t>
-                      </a:r>
-                    </a:p>
-                  </a:txBody>
-                  <a:tcPr/>
-                </a:tc>
-                <a:tc>
-                  <a:txBody>
-                    <a:bodyPr/>
-                    <a:lstStyle/>
-                    <a:p>
-                      <a:pPr latinLnBrk="1"/>
-                      <a:r>
-                        <a:rPr lang="ko-KR" altLang="en-US" sz="1000" dirty="0"/>
-                        <a:t>기온</a:t>
-                      </a:r>
-                      <a:r>
-                        <a:rPr lang="en-US" altLang="ko-KR" sz="1000" dirty="0"/>
-                        <a:t>, </a:t>
-                      </a:r>
-                      <a:r>
-                        <a:rPr lang="ko-KR" altLang="en-US" sz="1000" dirty="0"/>
-                        <a:t>체감온도</a:t>
-                      </a:r>
-                      <a:r>
-                        <a:rPr lang="en-US" altLang="ko-KR" sz="1000" dirty="0"/>
-                        <a:t>, </a:t>
-                      </a:r>
-                      <a:r>
-                        <a:rPr lang="ko-KR" altLang="en-US" sz="1000" dirty="0"/>
-                        <a:t>미세먼지</a:t>
-                      </a:r>
-                      <a:r>
-                        <a:rPr lang="en-US" altLang="ko-KR" sz="1000" dirty="0"/>
-                        <a:t>, </a:t>
-                      </a:r>
-                      <a:r>
-                        <a:rPr lang="ko-KR" altLang="en-US" sz="1000" dirty="0"/>
-                        <a:t>강수량</a:t>
-                      </a:r>
-                      <a:r>
-                        <a:rPr lang="en-US" altLang="ko-KR" sz="1000" dirty="0"/>
-                        <a:t> </a:t>
-                      </a:r>
-                      <a:r>
-                        <a:rPr lang="ko-KR" altLang="en-US" sz="1000" dirty="0"/>
-                        <a:t>등 날씨 필요한 오픈</a:t>
-                      </a:r>
-                      <a:r>
-                        <a:rPr lang="en-US" altLang="ko-KR" sz="1000" dirty="0"/>
-                        <a:t>API </a:t>
-                      </a:r>
-                      <a:r>
-                        <a:rPr lang="ko-KR" altLang="en-US" sz="1000" dirty="0"/>
-                        <a:t> 조사 및 자료신청</a:t>
-                      </a:r>
-                    </a:p>
-                  </a:txBody>
-                  <a:tcPr/>
-                </a:tc>
-                <a:tc>
-                  <a:txBody>
-                    <a:bodyPr/>
-                    <a:lstStyle/>
-                    <a:p>
-                      <a:pPr latinLnBrk="1"/>
-                      <a:r>
-                        <a:rPr lang="en-US" altLang="ko-KR" sz="1500" dirty="0"/>
-                        <a:t>100%</a:t>
-                      </a:r>
-                      <a:endParaRPr lang="ko-KR" altLang="en-US" sz="1500" dirty="0"/>
-                    </a:p>
-                  </a:txBody>
-                  <a:tcPr/>
-                </a:tc>
-                <a:extLst>
-                  <a:ext uri="{0D108BD9-81ED-4DB2-BD59-A6C34878D82A}">
-                    <a16:rowId xmlns:a16="http://schemas.microsoft.com/office/drawing/2014/main" val="1854220075"/>
-                  </a:ext>
-                </a:extLst>
-              </a:tr>
-              <a:tr h="483012">
-                <a:tc>
-                  <a:txBody>
-                    <a:bodyPr/>
-                    <a:lstStyle/>
-                    <a:p>
-                      <a:pPr latinLnBrk="1"/>
-                      <a:r>
-                        <a:rPr lang="en-US" altLang="ko-KR" dirty="0"/>
-                        <a:t>2</a:t>
-                      </a:r>
-                      <a:r>
-                        <a:rPr lang="ko-KR" altLang="en-US" dirty="0"/>
-                        <a:t>주 </a:t>
-                      </a:r>
-                      <a:r>
-                        <a:rPr lang="en-US" altLang="ko-KR" dirty="0"/>
-                        <a:t>5/5 ~ 5/11</a:t>
-                      </a:r>
-                      <a:endParaRPr lang="ko-KR" altLang="en-US" dirty="0"/>
-                    </a:p>
-                  </a:txBody>
-                  <a:tcPr/>
-                </a:tc>
-                <a:tc>
-                  <a:txBody>
-                    <a:bodyPr/>
-                    <a:lstStyle/>
-                    <a:p>
-                      <a:pPr latinLnBrk="1"/>
-                      <a:r>
-                        <a:rPr lang="ko-KR" altLang="en-US" sz="1000" dirty="0"/>
-                        <a:t>기획 동영상 제작</a:t>
-                      </a:r>
-                      <a:r>
-                        <a:rPr lang="en-US" altLang="ko-KR" sz="1000" dirty="0"/>
-                        <a:t>, </a:t>
-                      </a:r>
-                      <a:r>
-                        <a:rPr lang="ko-KR" altLang="en-US" sz="1000" dirty="0"/>
-                        <a:t>이미지 리소스 구하기</a:t>
-                      </a:r>
-                    </a:p>
-                  </a:txBody>
-                  <a:tcPr/>
-                </a:tc>
-                <a:tc>
-                  <a:txBody>
-                    <a:bodyPr/>
-                    <a:lstStyle/>
-                    <a:p>
-                      <a:pPr latinLnBrk="1"/>
-                      <a:r>
-                        <a:rPr lang="ko-KR" altLang="en-US" sz="1000" dirty="0"/>
-                        <a:t>오픈 </a:t>
-                      </a:r>
-                      <a:r>
-                        <a:rPr lang="en-US" altLang="ko-KR" sz="1000" dirty="0"/>
-                        <a:t>API</a:t>
-                      </a:r>
-                      <a:r>
-                        <a:rPr lang="ko-KR" altLang="en-US" sz="1000" dirty="0"/>
-                        <a:t> 데이터에 적합한 이미지 리소스 수집</a:t>
-                      </a:r>
-                    </a:p>
-                  </a:txBody>
-                  <a:tcPr/>
-                </a:tc>
-                <a:tc>
-                  <a:txBody>
-                    <a:bodyPr/>
-                    <a:lstStyle/>
-                    <a:p>
-                      <a:pPr latinLnBrk="1"/>
-                      <a:r>
-                        <a:rPr lang="en-US" altLang="ko-KR" sz="1500" dirty="0"/>
-                        <a:t>100%</a:t>
-                      </a:r>
-                      <a:endParaRPr lang="ko-KR" altLang="en-US" sz="1500" dirty="0"/>
-                    </a:p>
-                  </a:txBody>
-                  <a:tcPr/>
-                </a:tc>
-                <a:extLst>
-                  <a:ext uri="{0D108BD9-81ED-4DB2-BD59-A6C34878D82A}">
-                    <a16:rowId xmlns:a16="http://schemas.microsoft.com/office/drawing/2014/main" val="2028616686"/>
-                  </a:ext>
-                </a:extLst>
-              </a:tr>
-              <a:tr h="483012">
-                <a:tc>
-                  <a:txBody>
-                    <a:bodyPr/>
-                    <a:lstStyle/>
-                    <a:p>
-                      <a:pPr latinLnBrk="1"/>
-                      <a:r>
-                        <a:rPr lang="en-US" altLang="ko-KR" dirty="0"/>
-                        <a:t>3</a:t>
-                      </a:r>
-                      <a:r>
-                        <a:rPr lang="ko-KR" altLang="en-US" dirty="0"/>
-                        <a:t>주 </a:t>
-                      </a:r>
-                      <a:r>
-                        <a:rPr lang="en-US" altLang="ko-KR" dirty="0"/>
-                        <a:t>5/12 ~ 5/18</a:t>
-                      </a:r>
-                      <a:endParaRPr lang="ko-KR" altLang="en-US" dirty="0"/>
-                    </a:p>
-                  </a:txBody>
-                  <a:tcPr/>
-                </a:tc>
-                <a:tc>
-                  <a:txBody>
-                    <a:bodyPr/>
-                    <a:lstStyle/>
-                    <a:p>
-                      <a:pPr latinLnBrk="1"/>
-                      <a:r>
-                        <a:rPr lang="en-US" altLang="ko-KR" sz="1000" dirty="0" err="1"/>
-                        <a:t>tkInter</a:t>
-                      </a:r>
-                      <a:r>
-                        <a:rPr lang="ko-KR" altLang="en-US" sz="1000" dirty="0"/>
-                        <a:t>로 </a:t>
-                      </a:r>
-                      <a:r>
-                        <a:rPr lang="en-US" altLang="ko-KR" sz="1000" dirty="0"/>
-                        <a:t>UI</a:t>
-                      </a:r>
-                      <a:r>
-                        <a:rPr lang="ko-KR" altLang="en-US" sz="1000" dirty="0"/>
-                        <a:t> 제작</a:t>
-                      </a:r>
-                    </a:p>
-                  </a:txBody>
-                  <a:tcPr/>
-                </a:tc>
-                <a:tc>
-                  <a:txBody>
-                    <a:bodyPr/>
-                    <a:lstStyle/>
-                    <a:p>
-                      <a:pPr latinLnBrk="1"/>
-                      <a:r>
-                        <a:rPr lang="ko-KR" altLang="en-US" sz="1000" dirty="0"/>
-                        <a:t>기능</a:t>
-                      </a:r>
-                      <a:r>
-                        <a:rPr lang="en-US" altLang="ko-KR" sz="1000" dirty="0"/>
-                        <a:t>1 : </a:t>
-                      </a:r>
-                      <a:r>
-                        <a:rPr lang="ko-KR" altLang="en-US" sz="1000" dirty="0"/>
-                        <a:t>개발 </a:t>
-                      </a:r>
-                      <a:r>
-                        <a:rPr lang="en-US" altLang="ko-KR" sz="1000" dirty="0"/>
-                        <a:t>UI </a:t>
-                      </a:r>
-                      <a:r>
-                        <a:rPr lang="ko-KR" altLang="en-US" sz="1000" dirty="0"/>
-                        <a:t>틀 제작 및 프레임워크 구성</a:t>
-                      </a:r>
-                    </a:p>
-                  </a:txBody>
-                  <a:tcPr/>
-                </a:tc>
-                <a:tc>
-                  <a:txBody>
-                    <a:bodyPr/>
-                    <a:lstStyle/>
-                    <a:p>
-                      <a:pPr latinLnBrk="1"/>
-                      <a:endParaRPr lang="ko-KR" altLang="en-US" sz="1500" dirty="0"/>
-                    </a:p>
-                  </a:txBody>
-                  <a:tcPr/>
-                </a:tc>
-                <a:extLst>
-                  <a:ext uri="{0D108BD9-81ED-4DB2-BD59-A6C34878D82A}">
-                    <a16:rowId xmlns:a16="http://schemas.microsoft.com/office/drawing/2014/main" val="230343652"/>
-                  </a:ext>
-                </a:extLst>
-              </a:tr>
-              <a:tr h="483012">
-                <a:tc>
-                  <a:txBody>
-                    <a:bodyPr/>
-                    <a:lstStyle/>
-                    <a:p>
-                      <a:pPr latinLnBrk="1"/>
-                      <a:r>
-                        <a:rPr lang="en-US" altLang="ko-KR" dirty="0"/>
-                        <a:t>4</a:t>
-                      </a:r>
-                      <a:r>
-                        <a:rPr lang="ko-KR" altLang="en-US" dirty="0"/>
-                        <a:t>주 </a:t>
-                      </a:r>
-                      <a:r>
-                        <a:rPr lang="en-US" altLang="ko-KR" dirty="0"/>
-                        <a:t>5/19 ~ 5/25</a:t>
-                      </a:r>
-                      <a:endParaRPr lang="ko-KR" altLang="en-US" dirty="0"/>
-                    </a:p>
-                  </a:txBody>
-                  <a:tcPr/>
-                </a:tc>
-                <a:tc>
-                  <a:txBody>
-                    <a:bodyPr/>
-                    <a:lstStyle/>
-                    <a:p>
-                      <a:pPr latinLnBrk="1"/>
-                      <a:r>
-                        <a:rPr lang="en-US" altLang="ko-KR" sz="1000" dirty="0"/>
-                        <a:t>Open</a:t>
-                      </a:r>
-                      <a:r>
-                        <a:rPr lang="ko-KR" altLang="en-US" sz="1000" dirty="0"/>
-                        <a:t> </a:t>
-                      </a:r>
-                      <a:r>
-                        <a:rPr lang="en-US" altLang="ko-KR" sz="1000" dirty="0" err="1"/>
-                        <a:t>ApI</a:t>
-                      </a:r>
-                      <a:r>
-                        <a:rPr lang="en-US" altLang="ko-KR" sz="1000" dirty="0"/>
-                        <a:t> </a:t>
-                      </a:r>
-                      <a:r>
-                        <a:rPr lang="ko-KR" altLang="en-US" sz="1000" dirty="0"/>
-                        <a:t>데이터 시각화 </a:t>
-                      </a:r>
-                      <a:r>
-                        <a:rPr lang="en-US" altLang="ko-KR" sz="1000" dirty="0"/>
-                        <a:t>/ </a:t>
-                      </a:r>
-                      <a:r>
-                        <a:rPr lang="ko-KR" altLang="en-US" sz="1000" dirty="0"/>
-                        <a:t>메일연동</a:t>
-                      </a:r>
-                      <a:endParaRPr lang="en-US" altLang="ko-KR" sz="1000" dirty="0"/>
-                    </a:p>
-                    <a:p>
-                      <a:pPr latinLnBrk="1"/>
-                      <a:r>
-                        <a:rPr lang="en-US" altLang="ko-KR" sz="1000" dirty="0"/>
-                        <a:t>(</a:t>
-                      </a:r>
-                      <a:r>
-                        <a:rPr lang="ko-KR" altLang="en-US" sz="1000" dirty="0"/>
-                        <a:t>그래프 및 그림</a:t>
-                      </a:r>
-                      <a:r>
-                        <a:rPr lang="en-US" altLang="ko-KR" sz="1000" dirty="0"/>
-                        <a:t>) </a:t>
-                      </a:r>
-                      <a:endParaRPr lang="ko-KR" altLang="en-US" sz="1000" dirty="0"/>
-                    </a:p>
-                  </a:txBody>
-                  <a:tcPr/>
-                </a:tc>
-                <a:tc>
-                  <a:txBody>
-                    <a:bodyPr/>
-                    <a:lstStyle/>
-                    <a:p>
-                      <a:pPr latinLnBrk="1"/>
-                      <a:r>
-                        <a:rPr lang="en-US" altLang="ko-KR" sz="1000" dirty="0"/>
-                        <a:t>API </a:t>
-                      </a:r>
-                      <a:r>
-                        <a:rPr lang="ko-KR" altLang="en-US" sz="1000" dirty="0"/>
-                        <a:t>데이터 파싱 및 데이터를 근거로 한 시각화 진행</a:t>
-                      </a:r>
-                    </a:p>
-                  </a:txBody>
-                  <a:tcPr/>
-                </a:tc>
-                <a:tc>
-                  <a:txBody>
-                    <a:bodyPr/>
-                    <a:lstStyle/>
-                    <a:p>
-                      <a:pPr latinLnBrk="1"/>
-                      <a:endParaRPr lang="ko-KR" altLang="en-US" sz="1500" dirty="0"/>
-                    </a:p>
-                  </a:txBody>
-                  <a:tcPr/>
-                </a:tc>
-                <a:extLst>
-                  <a:ext uri="{0D108BD9-81ED-4DB2-BD59-A6C34878D82A}">
-                    <a16:rowId xmlns:a16="http://schemas.microsoft.com/office/drawing/2014/main" val="127143261"/>
-                  </a:ext>
-                </a:extLst>
-              </a:tr>
-              <a:tr h="483012">
-                <a:tc>
-                  <a:txBody>
-                    <a:bodyPr/>
-                    <a:lstStyle/>
-                    <a:p>
-                      <a:pPr latinLnBrk="1"/>
-                      <a:r>
-                        <a:rPr lang="en-US" altLang="ko-KR" dirty="0"/>
-                        <a:t>5</a:t>
-                      </a:r>
-                      <a:r>
-                        <a:rPr lang="ko-KR" altLang="en-US" dirty="0"/>
-                        <a:t>주 </a:t>
-                      </a:r>
-                      <a:r>
-                        <a:rPr lang="en-US" altLang="ko-KR" dirty="0"/>
-                        <a:t>5/26 ~ 6/1</a:t>
-                      </a:r>
-                      <a:endParaRPr lang="ko-KR" altLang="en-US" dirty="0"/>
-                    </a:p>
-                  </a:txBody>
-                  <a:tcPr/>
-                </a:tc>
-                <a:tc>
-                  <a:txBody>
-                    <a:bodyPr/>
-                    <a:lstStyle/>
-                    <a:p>
-                      <a:pPr latinLnBrk="1"/>
-                      <a:r>
-                        <a:rPr lang="ko-KR" altLang="en-US" sz="1000" dirty="0" err="1"/>
-                        <a:t>텔레그램봇</a:t>
-                      </a:r>
-                      <a:r>
-                        <a:rPr lang="ko-KR" altLang="en-US" sz="1000" dirty="0"/>
-                        <a:t> 제작</a:t>
-                      </a:r>
-                    </a:p>
-                  </a:txBody>
-                  <a:tcPr/>
-                </a:tc>
-                <a:tc>
-                  <a:txBody>
-                    <a:bodyPr/>
-                    <a:lstStyle/>
-                    <a:p>
-                      <a:pPr latinLnBrk="1"/>
-                      <a:r>
-                        <a:rPr lang="ko-KR" altLang="en-US" sz="1000" dirty="0" err="1"/>
-                        <a:t>텔레그램봇</a:t>
-                      </a:r>
-                      <a:r>
-                        <a:rPr lang="ko-KR" altLang="en-US" sz="1000" dirty="0"/>
-                        <a:t> </a:t>
-                      </a:r>
-                      <a:r>
-                        <a:rPr lang="en-US" altLang="ko-KR" sz="1000" dirty="0"/>
-                        <a:t>UI</a:t>
-                      </a:r>
-                      <a:r>
-                        <a:rPr lang="ko-KR" altLang="en-US" sz="1000" dirty="0"/>
-                        <a:t>제작 및 순서도 제작</a:t>
-                      </a:r>
-                    </a:p>
-                  </a:txBody>
-                  <a:tcPr/>
-                </a:tc>
-                <a:tc>
-                  <a:txBody>
-                    <a:bodyPr/>
-                    <a:lstStyle/>
-                    <a:p>
-                      <a:pPr latinLnBrk="1"/>
-                      <a:endParaRPr lang="ko-KR" altLang="en-US" sz="1500" dirty="0"/>
-                    </a:p>
-                  </a:txBody>
-                  <a:tcPr/>
-                </a:tc>
-                <a:extLst>
-                  <a:ext uri="{0D108BD9-81ED-4DB2-BD59-A6C34878D82A}">
-                    <a16:rowId xmlns:a16="http://schemas.microsoft.com/office/drawing/2014/main" val="1779829236"/>
-                  </a:ext>
-                </a:extLst>
-              </a:tr>
-              <a:tr h="483012">
-                <a:tc>
-                  <a:txBody>
-                    <a:bodyPr/>
-                    <a:lstStyle/>
-                    <a:p>
-                      <a:pPr latinLnBrk="1"/>
-                      <a:r>
-                        <a:rPr lang="en-US" altLang="ko-KR" dirty="0"/>
-                        <a:t>6</a:t>
-                      </a:r>
-                      <a:r>
-                        <a:rPr lang="ko-KR" altLang="en-US" dirty="0"/>
-                        <a:t>주 </a:t>
-                      </a:r>
-                      <a:r>
-                        <a:rPr lang="en-US" altLang="ko-KR" dirty="0"/>
-                        <a:t>6/2 ~ 6/8</a:t>
-                      </a:r>
-                      <a:endParaRPr lang="ko-KR" altLang="en-US" dirty="0"/>
-                    </a:p>
-                  </a:txBody>
-                  <a:tcPr/>
-                </a:tc>
-                <a:tc>
-                  <a:txBody>
-                    <a:bodyPr/>
-                    <a:lstStyle/>
-                    <a:p>
-                      <a:pPr latinLnBrk="1"/>
-                      <a:r>
-                        <a:rPr lang="ko-KR" altLang="en-US" sz="1000" dirty="0" err="1"/>
-                        <a:t>텔레그램봇</a:t>
-                      </a:r>
-                      <a:r>
-                        <a:rPr lang="ko-KR" altLang="en-US" sz="1000" dirty="0"/>
-                        <a:t> 제작</a:t>
-                      </a:r>
-                    </a:p>
-                  </a:txBody>
-                  <a:tcPr/>
-                </a:tc>
-                <a:tc>
-                  <a:txBody>
-                    <a:bodyPr/>
-                    <a:lstStyle/>
-                    <a:p>
-                      <a:pPr latinLnBrk="1"/>
-                      <a:r>
-                        <a:rPr lang="ko-KR" altLang="en-US" sz="1000" dirty="0"/>
-                        <a:t>채팅 구현 및 테스트</a:t>
-                      </a:r>
-                    </a:p>
-                  </a:txBody>
-                  <a:tcPr/>
-                </a:tc>
-                <a:tc>
-                  <a:txBody>
-                    <a:bodyPr/>
-                    <a:lstStyle/>
-                    <a:p>
-                      <a:pPr latinLnBrk="1"/>
-                      <a:endParaRPr lang="ko-KR" altLang="en-US" sz="1500" dirty="0"/>
-                    </a:p>
-                  </a:txBody>
-                  <a:tcPr/>
-                </a:tc>
-                <a:extLst>
-                  <a:ext uri="{0D108BD9-81ED-4DB2-BD59-A6C34878D82A}">
-                    <a16:rowId xmlns:a16="http://schemas.microsoft.com/office/drawing/2014/main" val="1627197047"/>
-                  </a:ext>
-                </a:extLst>
-              </a:tr>
-              <a:tr h="483012">
-                <a:tc>
-                  <a:txBody>
-                    <a:bodyPr/>
-                    <a:lstStyle/>
-                    <a:p>
-                      <a:pPr latinLnBrk="1"/>
-                      <a:r>
-                        <a:rPr lang="en-US" altLang="ko-KR" dirty="0"/>
-                        <a:t>7</a:t>
-                      </a:r>
-                      <a:r>
-                        <a:rPr lang="ko-KR" altLang="en-US" dirty="0"/>
-                        <a:t>주 </a:t>
-                      </a:r>
-                      <a:r>
-                        <a:rPr lang="en-US" altLang="ko-KR" dirty="0"/>
-                        <a:t>6/9 ~ 6/15</a:t>
-                      </a:r>
-                      <a:endParaRPr lang="ko-KR" altLang="en-US" dirty="0"/>
-                    </a:p>
-                  </a:txBody>
-                  <a:tcPr/>
-                </a:tc>
-                <a:tc>
-                  <a:txBody>
-                    <a:bodyPr/>
-                    <a:lstStyle/>
-                    <a:p>
-                      <a:pPr latinLnBrk="1"/>
-                      <a:r>
-                        <a:rPr lang="en-US" altLang="ko-KR" sz="1000" dirty="0"/>
-                        <a:t>C++ </a:t>
-                      </a:r>
-                      <a:r>
-                        <a:rPr lang="ko-KR" altLang="en-US" sz="1000" dirty="0"/>
-                        <a:t>자료구조 연동 </a:t>
-                      </a:r>
-                      <a:r>
-                        <a:rPr lang="en-US" altLang="ko-KR" sz="1000" dirty="0"/>
-                        <a:t>(</a:t>
-                      </a:r>
-                      <a:r>
-                        <a:rPr lang="ko-KR" altLang="en-US" sz="1000" dirty="0"/>
-                        <a:t>검색기능</a:t>
-                      </a:r>
-                      <a:r>
-                        <a:rPr lang="en-US" altLang="ko-KR" sz="1000" dirty="0"/>
-                        <a:t>)</a:t>
-                      </a:r>
-                      <a:endParaRPr lang="ko-KR" altLang="en-US" sz="1000" dirty="0"/>
-                    </a:p>
-                  </a:txBody>
-                  <a:tcPr/>
-                </a:tc>
-                <a:tc>
-                  <a:txBody>
-                    <a:bodyPr/>
-                    <a:lstStyle/>
-                    <a:p>
-                      <a:pPr latinLnBrk="1"/>
-                      <a:r>
-                        <a:rPr lang="ko-KR" altLang="en-US" sz="1000" dirty="0"/>
-                        <a:t>검색</a:t>
-                      </a:r>
-                      <a:r>
-                        <a:rPr lang="en-US" altLang="ko-KR" sz="1000" dirty="0"/>
-                        <a:t>, </a:t>
-                      </a:r>
-                      <a:r>
-                        <a:rPr lang="ko-KR" altLang="en-US" sz="1000" dirty="0"/>
-                        <a:t>정렬기능에 필요한 </a:t>
-                      </a:r>
-                      <a:r>
-                        <a:rPr lang="en-US" altLang="ko-KR" sz="1000" dirty="0"/>
-                        <a:t>C++</a:t>
-                      </a:r>
-                      <a:r>
-                        <a:rPr lang="ko-KR" altLang="en-US" sz="1000" dirty="0"/>
-                        <a:t> 자료구조 연동</a:t>
-                      </a:r>
-                    </a:p>
-                  </a:txBody>
-                  <a:tcPr/>
-                </a:tc>
-                <a:tc>
-                  <a:txBody>
-                    <a:bodyPr/>
-                    <a:lstStyle/>
-                    <a:p>
-                      <a:pPr latinLnBrk="1"/>
-                      <a:endParaRPr lang="ko-KR" altLang="en-US" sz="1500" dirty="0"/>
-                    </a:p>
-                  </a:txBody>
-                  <a:tcPr/>
-                </a:tc>
-                <a:extLst>
-                  <a:ext uri="{0D108BD9-81ED-4DB2-BD59-A6C34878D82A}">
-                    <a16:rowId xmlns:a16="http://schemas.microsoft.com/office/drawing/2014/main" val="1156196897"/>
-                  </a:ext>
-                </a:extLst>
-              </a:tr>
-              <a:tr h="483012">
-                <a:tc>
-                  <a:txBody>
-                    <a:bodyPr/>
-                    <a:lstStyle/>
-                    <a:p>
-                      <a:pPr latinLnBrk="1"/>
-                      <a:r>
-                        <a:rPr lang="en-US" altLang="ko-KR" dirty="0"/>
-                        <a:t>8</a:t>
-                      </a:r>
-                      <a:r>
-                        <a:rPr lang="ko-KR" altLang="en-US" dirty="0"/>
-                        <a:t>주 </a:t>
-                      </a:r>
-                      <a:r>
-                        <a:rPr lang="en-US" altLang="ko-KR" dirty="0"/>
-                        <a:t>6/16 ~ 6/20</a:t>
-                      </a:r>
-                      <a:endParaRPr lang="ko-KR" altLang="en-US" dirty="0"/>
-                    </a:p>
-                  </a:txBody>
-                  <a:tcPr/>
-                </a:tc>
-                <a:tc>
-                  <a:txBody>
-                    <a:bodyPr/>
-                    <a:lstStyle/>
-                    <a:p>
-                      <a:pPr latinLnBrk="1"/>
-                      <a:r>
-                        <a:rPr lang="ko-KR" altLang="en-US" sz="1000" dirty="0"/>
-                        <a:t>기본 부족한 기능 추가</a:t>
-                      </a:r>
-                    </a:p>
-                  </a:txBody>
-                  <a:tcPr/>
-                </a:tc>
-                <a:tc>
-                  <a:txBody>
-                    <a:bodyPr/>
-                    <a:lstStyle/>
-                    <a:p>
-                      <a:pPr latinLnBrk="1"/>
-                      <a:r>
-                        <a:rPr lang="ko-KR" altLang="en-US" sz="1000" dirty="0"/>
-                        <a:t>미흡한 </a:t>
-                      </a:r>
-                      <a:r>
-                        <a:rPr lang="en-US" altLang="ko-KR" sz="1000" dirty="0"/>
-                        <a:t>UI </a:t>
-                      </a:r>
-                      <a:r>
-                        <a:rPr lang="ko-KR" altLang="en-US" sz="1000" dirty="0"/>
-                        <a:t>수정 및 </a:t>
-                      </a:r>
-                      <a:r>
-                        <a:rPr lang="ko-KR" altLang="en-US" sz="1000" dirty="0" err="1"/>
-                        <a:t>텔레그램봇</a:t>
-                      </a:r>
-                      <a:r>
-                        <a:rPr lang="ko-KR" altLang="en-US" sz="1000" dirty="0"/>
-                        <a:t> 테스트 마무리 작업</a:t>
-                      </a:r>
-                    </a:p>
-                  </a:txBody>
-                  <a:tcPr/>
-                </a:tc>
-                <a:tc>
-                  <a:txBody>
-                    <a:bodyPr/>
-                    <a:lstStyle/>
-                    <a:p>
-                      <a:pPr latinLnBrk="1"/>
-                      <a:endParaRPr lang="ko-KR" altLang="en-US" sz="1500" dirty="0"/>
-                    </a:p>
-                  </a:txBody>
-                  <a:tcPr/>
-                </a:tc>
-                <a:extLst>
-                  <a:ext uri="{0D108BD9-81ED-4DB2-BD59-A6C34878D82A}">
-                    <a16:rowId xmlns:a16="http://schemas.microsoft.com/office/drawing/2014/main" val="2858101976"/>
-                  </a:ext>
-                </a:extLst>
-              </a:tr>
-            </a:tbl>
-          </a:graphicData>
-        </a:graphic>
-      </p:graphicFrame>
+          <p:cNvSpPr txBox="1"/>
+          <p:nvPr/>
+        </p:nvSpPr>
+        <p:spPr>
+          <a:xfrm>
+            <a:off x="2031269" y="3262943"/>
+            <a:ext cx="5222400" cy="830997"/>
+          </a:xfrm>
+          <a:prstGeom prst="rect">
+            <a:avLst/>
+          </a:prstGeom>
+          <a:noFill/>
+          <a:ln>
+            <a:solidFill>
+              <a:schemeClr val="tx1"/>
+            </a:solidFill>
+          </a:ln>
+        </p:spPr>
+        <p:txBody>
+          <a:bodyPr wrap="square" rtlCol="0">
+            <a:spAutoFit/>
+          </a:bodyPr>
+          <a:lstStyle/>
+          <a:p>
+            <a:r>
+              <a:rPr lang="ko-KR" altLang="en-US" sz="2400" dirty="0"/>
+              <a:t>즐겨찾기 목록의 항목 삭제</a:t>
+            </a:r>
+            <a:r>
+              <a:rPr lang="en-US" altLang="ko-KR" sz="2400" dirty="0"/>
+              <a:t>, </a:t>
+            </a:r>
+            <a:r>
+              <a:rPr lang="ko-KR" altLang="en-US" sz="2400" dirty="0"/>
+              <a:t>프로그램 시작 시 초기 지역으로 설정</a:t>
+            </a:r>
+          </a:p>
+        </p:txBody>
+      </p:sp>
+      <p:grpSp>
+        <p:nvGrpSpPr>
+          <p:cNvPr id="2" name="그룹 1">
+            <a:extLst>
+              <a:ext uri="{FF2B5EF4-FFF2-40B4-BE49-F238E27FC236}">
+                <a16:creationId xmlns:a16="http://schemas.microsoft.com/office/drawing/2014/main" id="{C9DBA64B-108B-4040-A313-F0D4D30A9CE3}"/>
+              </a:ext>
+            </a:extLst>
+          </p:cNvPr>
+          <p:cNvGrpSpPr/>
+          <p:nvPr/>
+        </p:nvGrpSpPr>
+        <p:grpSpPr>
+          <a:xfrm>
+            <a:off x="7343056" y="876463"/>
+            <a:ext cx="2436104" cy="2801979"/>
+            <a:chOff x="7519068" y="782118"/>
+            <a:chExt cx="2214639" cy="2801979"/>
+          </a:xfrm>
+        </p:grpSpPr>
+        <p:cxnSp>
+          <p:nvCxnSpPr>
+            <p:cNvPr id="72" name="직선 화살표 연결선 71">
+              <a:extLst>
+                <a:ext uri="{FF2B5EF4-FFF2-40B4-BE49-F238E27FC236}">
+                  <a16:creationId xmlns:a16="http://schemas.microsoft.com/office/drawing/2014/main" id="{0227FC3D-9549-4F2F-9FB0-CF01D306C8CF}"/>
+                </a:ext>
+              </a:extLst>
+            </p:cNvPr>
+            <p:cNvCxnSpPr>
+              <a:cxnSpLocks/>
+            </p:cNvCxnSpPr>
+            <p:nvPr/>
+          </p:nvCxnSpPr>
+          <p:spPr>
+            <a:xfrm flipH="1">
+              <a:off x="7519068" y="3573090"/>
+              <a:ext cx="539907" cy="0"/>
+            </a:xfrm>
+            <a:prstGeom prst="straightConnector1">
+              <a:avLst/>
+            </a:prstGeom>
+            <a:ln w="38100">
+              <a:solidFill>
+                <a:srgbClr val="FF0000"/>
+              </a:solidFill>
+              <a:tailEnd type="triangle"/>
+            </a:ln>
+          </p:spPr>
+          <p:style>
+            <a:lnRef idx="1">
+              <a:schemeClr val="accent1"/>
+            </a:lnRef>
+            <a:fillRef idx="0">
+              <a:schemeClr val="accent1"/>
+            </a:fillRef>
+            <a:effectRef idx="0">
+              <a:schemeClr val="accent1"/>
+            </a:effectRef>
+            <a:fontRef idx="minor">
+              <a:schemeClr val="tx1"/>
+            </a:fontRef>
+          </p:style>
+        </p:cxnSp>
+        <p:cxnSp>
+          <p:nvCxnSpPr>
+            <p:cNvPr id="92" name="직선 연결선 91">
+              <a:extLst>
+                <a:ext uri="{FF2B5EF4-FFF2-40B4-BE49-F238E27FC236}">
+                  <a16:creationId xmlns:a16="http://schemas.microsoft.com/office/drawing/2014/main" id="{6B56C51E-2152-4C7F-BE35-C0F896F97F8E}"/>
+                </a:ext>
+              </a:extLst>
+            </p:cNvPr>
+            <p:cNvCxnSpPr>
+              <a:cxnSpLocks/>
+            </p:cNvCxnSpPr>
+            <p:nvPr/>
+          </p:nvCxnSpPr>
+          <p:spPr>
+            <a:xfrm flipV="1">
+              <a:off x="8044414" y="782118"/>
+              <a:ext cx="19986" cy="2801979"/>
+            </a:xfrm>
+            <a:prstGeom prst="line">
+              <a:avLst/>
+            </a:prstGeom>
+            <a:ln w="38100">
+              <a:solidFill>
+                <a:srgbClr val="FF0000"/>
+              </a:solidFill>
+            </a:ln>
+          </p:spPr>
+          <p:style>
+            <a:lnRef idx="1">
+              <a:schemeClr val="accent1"/>
+            </a:lnRef>
+            <a:fillRef idx="0">
+              <a:schemeClr val="accent1"/>
+            </a:fillRef>
+            <a:effectRef idx="0">
+              <a:schemeClr val="accent1"/>
+            </a:effectRef>
+            <a:fontRef idx="minor">
+              <a:schemeClr val="tx1"/>
+            </a:fontRef>
+          </p:style>
+        </p:cxnSp>
+        <p:cxnSp>
+          <p:nvCxnSpPr>
+            <p:cNvPr id="95" name="직선 연결선 94">
+              <a:extLst>
+                <a:ext uri="{FF2B5EF4-FFF2-40B4-BE49-F238E27FC236}">
+                  <a16:creationId xmlns:a16="http://schemas.microsoft.com/office/drawing/2014/main" id="{A9DA46E2-E8F6-4AAF-8759-D306E8C178DA}"/>
+                </a:ext>
+              </a:extLst>
+            </p:cNvPr>
+            <p:cNvCxnSpPr>
+              <a:cxnSpLocks/>
+            </p:cNvCxnSpPr>
+            <p:nvPr/>
+          </p:nvCxnSpPr>
+          <p:spPr>
+            <a:xfrm flipH="1">
+              <a:off x="8073599" y="799177"/>
+              <a:ext cx="1660108" cy="1"/>
+            </a:xfrm>
+            <a:prstGeom prst="line">
+              <a:avLst/>
+            </a:prstGeom>
+            <a:ln w="38100">
+              <a:solidFill>
+                <a:srgbClr val="FF0000"/>
+              </a:solidFill>
+            </a:ln>
+          </p:spPr>
+          <p:style>
+            <a:lnRef idx="1">
+              <a:schemeClr val="accent1"/>
+            </a:lnRef>
+            <a:fillRef idx="0">
+              <a:schemeClr val="accent1"/>
+            </a:fillRef>
+            <a:effectRef idx="0">
+              <a:schemeClr val="accent1"/>
+            </a:effectRef>
+            <a:fontRef idx="minor">
+              <a:schemeClr val="tx1"/>
+            </a:fontRef>
+          </p:style>
+        </p:cxnSp>
+      </p:grpSp>
+      <p:sp>
+        <p:nvSpPr>
+          <p:cNvPr id="44" name="직사각형 43">
+            <a:extLst>
+              <a:ext uri="{FF2B5EF4-FFF2-40B4-BE49-F238E27FC236}">
+                <a16:creationId xmlns:a16="http://schemas.microsoft.com/office/drawing/2014/main" id="{6351BB00-82DF-496B-A2D7-90D0F86BC0C4}"/>
+              </a:ext>
+            </a:extLst>
+          </p:cNvPr>
+          <p:cNvSpPr/>
+          <p:nvPr/>
+        </p:nvSpPr>
+        <p:spPr>
+          <a:xfrm>
+            <a:off x="9789668" y="655231"/>
+            <a:ext cx="1589094" cy="244816"/>
+          </a:xfrm>
+          <a:prstGeom prst="rect">
+            <a:avLst/>
+          </a:prstGeom>
+          <a:noFill/>
+          <a:ln w="38100">
+            <a:solidFill>
+              <a:srgbClr val="FF0000"/>
+            </a:solidFill>
+          </a:ln>
+        </p:spPr>
+        <p:style>
+          <a:lnRef idx="2">
+            <a:schemeClr val="accent1">
+              <a:shade val="50000"/>
+            </a:schemeClr>
+          </a:lnRef>
+          <a:fillRef idx="1">
+            <a:schemeClr val="accent1"/>
+          </a:fillRef>
+          <a:effectRef idx="0">
+            <a:schemeClr val="accent1"/>
+          </a:effectRef>
+          <a:fontRef idx="minor">
+            <a:schemeClr val="lt1"/>
+          </a:fontRef>
+        </p:style>
+        <p:txBody>
+          <a:bodyPr rtlCol="0" anchor="ctr"/>
+          <a:lstStyle/>
+          <a:p>
+            <a:pPr algn="ctr"/>
+            <a:endParaRPr lang="ko-KR" altLang="en-US"/>
+          </a:p>
+        </p:txBody>
+      </p:sp>
+      <p:grpSp>
+        <p:nvGrpSpPr>
+          <p:cNvPr id="45" name="그룹 44">
+            <a:extLst>
+              <a:ext uri="{FF2B5EF4-FFF2-40B4-BE49-F238E27FC236}">
+                <a16:creationId xmlns:a16="http://schemas.microsoft.com/office/drawing/2014/main" id="{79A3B193-D6A7-48D1-935A-0EAA32A5D8C2}"/>
+              </a:ext>
+            </a:extLst>
+          </p:cNvPr>
+          <p:cNvGrpSpPr/>
+          <p:nvPr/>
+        </p:nvGrpSpPr>
+        <p:grpSpPr>
+          <a:xfrm>
+            <a:off x="6482728" y="571842"/>
+            <a:ext cx="3203333" cy="1353687"/>
+            <a:chOff x="6821588" y="552673"/>
+            <a:chExt cx="2912121" cy="1353687"/>
+          </a:xfrm>
+        </p:grpSpPr>
+        <p:cxnSp>
+          <p:nvCxnSpPr>
+            <p:cNvPr id="46" name="직선 화살표 연결선 45">
+              <a:extLst>
+                <a:ext uri="{FF2B5EF4-FFF2-40B4-BE49-F238E27FC236}">
+                  <a16:creationId xmlns:a16="http://schemas.microsoft.com/office/drawing/2014/main" id="{C451AAE3-49C5-4F78-B449-96C3EDA46E99}"/>
+                </a:ext>
+              </a:extLst>
+            </p:cNvPr>
+            <p:cNvCxnSpPr>
+              <a:cxnSpLocks/>
+            </p:cNvCxnSpPr>
+            <p:nvPr/>
+          </p:nvCxnSpPr>
+          <p:spPr>
+            <a:xfrm flipH="1">
+              <a:off x="6821588" y="1906360"/>
+              <a:ext cx="539907" cy="0"/>
+            </a:xfrm>
+            <a:prstGeom prst="straightConnector1">
+              <a:avLst/>
+            </a:prstGeom>
+            <a:ln w="38100">
+              <a:solidFill>
+                <a:srgbClr val="FF0000"/>
+              </a:solidFill>
+              <a:tailEnd type="triangle"/>
+            </a:ln>
+          </p:spPr>
+          <p:style>
+            <a:lnRef idx="1">
+              <a:schemeClr val="accent1"/>
+            </a:lnRef>
+            <a:fillRef idx="0">
+              <a:schemeClr val="accent1"/>
+            </a:fillRef>
+            <a:effectRef idx="0">
+              <a:schemeClr val="accent1"/>
+            </a:effectRef>
+            <a:fontRef idx="minor">
+              <a:schemeClr val="tx1"/>
+            </a:fontRef>
+          </p:style>
+        </p:cxnSp>
+        <p:cxnSp>
+          <p:nvCxnSpPr>
+            <p:cNvPr id="47" name="직선 연결선 46">
+              <a:extLst>
+                <a:ext uri="{FF2B5EF4-FFF2-40B4-BE49-F238E27FC236}">
+                  <a16:creationId xmlns:a16="http://schemas.microsoft.com/office/drawing/2014/main" id="{64AECDBF-3AE5-46FA-8F82-FDD7BF78F0AC}"/>
+                </a:ext>
+              </a:extLst>
+            </p:cNvPr>
+            <p:cNvCxnSpPr>
+              <a:cxnSpLocks/>
+            </p:cNvCxnSpPr>
+            <p:nvPr/>
+          </p:nvCxnSpPr>
+          <p:spPr>
+            <a:xfrm>
+              <a:off x="9718312" y="552673"/>
+              <a:ext cx="0" cy="266333"/>
+            </a:xfrm>
+            <a:prstGeom prst="line">
+              <a:avLst/>
+            </a:prstGeom>
+            <a:ln w="38100">
+              <a:solidFill>
+                <a:srgbClr val="FF0000"/>
+              </a:solidFill>
+            </a:ln>
+          </p:spPr>
+          <p:style>
+            <a:lnRef idx="1">
+              <a:schemeClr val="accent1"/>
+            </a:lnRef>
+            <a:fillRef idx="0">
+              <a:schemeClr val="accent1"/>
+            </a:fillRef>
+            <a:effectRef idx="0">
+              <a:schemeClr val="accent1"/>
+            </a:effectRef>
+            <a:fontRef idx="minor">
+              <a:schemeClr val="tx1"/>
+            </a:fontRef>
+          </p:style>
+        </p:cxnSp>
+        <p:cxnSp>
+          <p:nvCxnSpPr>
+            <p:cNvPr id="48" name="직선 연결선 47">
+              <a:extLst>
+                <a:ext uri="{FF2B5EF4-FFF2-40B4-BE49-F238E27FC236}">
+                  <a16:creationId xmlns:a16="http://schemas.microsoft.com/office/drawing/2014/main" id="{CEFB4B57-3F01-4593-94EE-DDBDDDA1D7AD}"/>
+                </a:ext>
+              </a:extLst>
+            </p:cNvPr>
+            <p:cNvCxnSpPr>
+              <a:cxnSpLocks/>
+            </p:cNvCxnSpPr>
+            <p:nvPr/>
+          </p:nvCxnSpPr>
+          <p:spPr>
+            <a:xfrm flipH="1" flipV="1">
+              <a:off x="7332079" y="789333"/>
+              <a:ext cx="2401630" cy="9844"/>
+            </a:xfrm>
+            <a:prstGeom prst="line">
+              <a:avLst/>
+            </a:prstGeom>
+            <a:ln w="38100">
+              <a:solidFill>
+                <a:srgbClr val="FF0000"/>
+              </a:solidFill>
+            </a:ln>
+          </p:spPr>
+          <p:style>
+            <a:lnRef idx="1">
+              <a:schemeClr val="accent1"/>
+            </a:lnRef>
+            <a:fillRef idx="0">
+              <a:schemeClr val="accent1"/>
+            </a:fillRef>
+            <a:effectRef idx="0">
+              <a:schemeClr val="accent1"/>
+            </a:effectRef>
+            <a:fontRef idx="minor">
+              <a:schemeClr val="tx1"/>
+            </a:fontRef>
+          </p:style>
+        </p:cxnSp>
+      </p:grpSp>
+      <p:cxnSp>
+        <p:nvCxnSpPr>
+          <p:cNvPr id="52" name="직선 연결선 51">
+            <a:extLst>
+              <a:ext uri="{FF2B5EF4-FFF2-40B4-BE49-F238E27FC236}">
+                <a16:creationId xmlns:a16="http://schemas.microsoft.com/office/drawing/2014/main" id="{95CA9409-27C0-496C-B79A-2907299FF4B3}"/>
+              </a:ext>
+            </a:extLst>
+          </p:cNvPr>
+          <p:cNvCxnSpPr>
+            <a:cxnSpLocks/>
+          </p:cNvCxnSpPr>
+          <p:nvPr/>
+        </p:nvCxnSpPr>
+        <p:spPr>
+          <a:xfrm flipH="1" flipV="1">
+            <a:off x="7053766" y="799057"/>
+            <a:ext cx="9871" cy="1142560"/>
+          </a:xfrm>
+          <a:prstGeom prst="line">
+            <a:avLst/>
+          </a:prstGeom>
+          <a:ln w="38100">
+            <a:solidFill>
+              <a:srgbClr val="FF0000"/>
+            </a:solidFill>
+          </a:ln>
+        </p:spPr>
+        <p:style>
+          <a:lnRef idx="1">
+            <a:schemeClr val="accent1"/>
+          </a:lnRef>
+          <a:fillRef idx="0">
+            <a:schemeClr val="accent1"/>
+          </a:fillRef>
+          <a:effectRef idx="0">
+            <a:schemeClr val="accent1"/>
+          </a:effectRef>
+          <a:fontRef idx="minor">
+            <a:schemeClr val="tx1"/>
+          </a:fontRef>
+        </p:style>
+      </p:cxnSp>
+      <p:sp>
+        <p:nvSpPr>
+          <p:cNvPr id="57" name="TextBox 56">
+            <a:extLst>
+              <a:ext uri="{FF2B5EF4-FFF2-40B4-BE49-F238E27FC236}">
+                <a16:creationId xmlns:a16="http://schemas.microsoft.com/office/drawing/2014/main" id="{84B27228-4085-4638-A272-5FB26842A2EE}"/>
+              </a:ext>
+            </a:extLst>
+          </p:cNvPr>
+          <p:cNvSpPr txBox="1"/>
+          <p:nvPr/>
+        </p:nvSpPr>
+        <p:spPr>
+          <a:xfrm>
+            <a:off x="2929244" y="5346149"/>
+            <a:ext cx="3795003" cy="461665"/>
+          </a:xfrm>
+          <a:prstGeom prst="rect">
+            <a:avLst/>
+          </a:prstGeom>
+          <a:noFill/>
+          <a:ln>
+            <a:solidFill>
+              <a:schemeClr val="tx1"/>
+            </a:solidFill>
+          </a:ln>
+        </p:spPr>
+        <p:txBody>
+          <a:bodyPr wrap="square" rtlCol="0">
+            <a:spAutoFit/>
+          </a:bodyPr>
+          <a:lstStyle/>
+          <a:p>
+            <a:r>
+              <a:rPr lang="ko-KR" altLang="en-US" sz="2400"/>
+              <a:t>추가한 즐겨찾기 목록 표시</a:t>
+            </a:r>
+            <a:endParaRPr lang="ko-KR" altLang="en-US" sz="2400" dirty="0"/>
+          </a:p>
+        </p:txBody>
+      </p:sp>
     </p:spTree>
     <p:extLst>
       <p:ext uri="{BB962C8B-B14F-4D97-AF65-F5344CB8AC3E}">
-        <p14:creationId xmlns:p14="http://schemas.microsoft.com/office/powerpoint/2010/main" val="1014088901"/>
+        <p14:creationId xmlns:p14="http://schemas.microsoft.com/office/powerpoint/2010/main" val="2020617618"/>
       </p:ext>
     </p:extLst>
   </p:cSld>

--- a/기획/2019스크립트언어 ㅌㅌ팀 기획발표.pptx
+++ b/기획/2019스크립트언어 ㅌㅌ팀 기획발표.pptx
@@ -8854,7 +8854,7 @@
             <p:ph idx="1"/>
             <p:extLst>
               <p:ext uri="{D42A27DB-BD31-4B8C-83A1-F6EECF244321}">
-                <p14:modId xmlns:p14="http://schemas.microsoft.com/office/powerpoint/2010/main" val="1297154186"/>
+                <p14:modId xmlns:p14="http://schemas.microsoft.com/office/powerpoint/2010/main" val="4264954487"/>
               </p:ext>
             </p:extLst>
           </p:nvPr>
@@ -8950,7 +8950,7 @@
                       <a:pPr latinLnBrk="1"/>
                       <a:r>
                         <a:rPr lang="ko-KR" altLang="en-US" dirty="0"/>
-                        <a:t>시행</a:t>
+                        <a:t>개발 진척도</a:t>
                       </a:r>
                     </a:p>
                   </a:txBody>
@@ -9131,14 +9131,6 @@
                       <a:pPr latinLnBrk="1"/>
                       <a:r>
                         <a:rPr lang="ko-KR" altLang="en-US" sz="1000" dirty="0"/>
-                        <a:t>기획 동영상 제작</a:t>
-                      </a:r>
-                      <a:r>
-                        <a:rPr lang="en-US" altLang="ko-KR" sz="1000" dirty="0"/>
-                        <a:t>, </a:t>
-                      </a:r>
-                      <a:r>
-                        <a:rPr lang="ko-KR" altLang="en-US" sz="1000" dirty="0"/>
                         <a:t>이미지 리소스 구하기</a:t>
                       </a:r>
                     </a:p>
@@ -9211,12 +9203,8 @@
                     <a:p>
                       <a:pPr latinLnBrk="1"/>
                       <a:r>
-                        <a:rPr lang="en-US" altLang="ko-KR" sz="1000" dirty="0"/>
-                        <a:t>Open API </a:t>
-                      </a:r>
-                      <a:r>
                         <a:rPr lang="ko-KR" altLang="en-US" sz="1000" dirty="0"/>
-                        <a:t>연동</a:t>
+                        <a:t>프레임워크 구현</a:t>
                       </a:r>
                       <a:r>
                         <a:rPr lang="en-US" altLang="ko-KR" sz="1000" dirty="0"/>
@@ -9246,7 +9234,7 @@
                       <a:pPr latinLnBrk="1"/>
                       <a:r>
                         <a:rPr lang="ko-KR" altLang="en-US" sz="1000" dirty="0"/>
-                        <a:t>메인 화면 </a:t>
+                        <a:t>프레임워크 구현 및 메인 화면 </a:t>
                       </a:r>
                       <a:r>
                         <a:rPr lang="en-US" altLang="ko-KR" sz="1000" dirty="0"/>
@@ -9254,7 +9242,7 @@
                       </a:r>
                       <a:r>
                         <a:rPr lang="ko-KR" altLang="en-US" sz="1000" dirty="0"/>
-                        <a:t>구성 후 해당 프레임들에 해당하는 기능 구현</a:t>
+                        <a:t>구성</a:t>
                       </a:r>
                     </a:p>
                   </a:txBody>
@@ -9307,7 +9295,38 @@
                     <a:lstStyle/>
                     <a:p>
                       <a:pPr latinLnBrk="1"/>
-                      <a:endParaRPr lang="ko-KR" altLang="en-US" sz="1000" dirty="0"/>
+                      <a:r>
+                        <a:rPr lang="en-US" altLang="ko-KR" sz="1000" dirty="0"/>
+                        <a:t>Open API </a:t>
+                      </a:r>
+                      <a:r>
+                        <a:rPr lang="ko-KR" altLang="en-US" sz="1000" dirty="0"/>
+                        <a:t>연동</a:t>
+                      </a:r>
+                      <a:r>
+                        <a:rPr lang="en-US" altLang="ko-KR" sz="1000" dirty="0"/>
+                        <a:t>, </a:t>
+                      </a:r>
+                      <a:r>
+                        <a:rPr lang="ko-KR" altLang="en-US" sz="1000" dirty="0"/>
+                        <a:t>메인 화면 기능</a:t>
+                      </a:r>
+                      <a:r>
+                        <a:rPr lang="en-US" altLang="ko-KR" sz="1000" dirty="0"/>
+                        <a:t>, </a:t>
+                      </a:r>
+                      <a:r>
+                        <a:rPr lang="ko-KR" altLang="en-US" sz="1000" dirty="0"/>
+                        <a:t>검색 기능 구현</a:t>
+                      </a:r>
+                      <a:endParaRPr lang="en-US" altLang="ko-KR" sz="1000" dirty="0"/>
+                    </a:p>
+                    <a:p>
+                      <a:pPr latinLnBrk="1"/>
+                      <a:r>
+                        <a:rPr lang="ko-KR" altLang="en-US" sz="1000" dirty="0"/>
+                        <a:t>중간발표</a:t>
+                      </a:r>
                     </a:p>
                   </a:txBody>
                   <a:tcPr/>
@@ -9318,7 +9337,23 @@
                     <a:lstStyle/>
                     <a:p>
                       <a:pPr latinLnBrk="1"/>
-                      <a:endParaRPr lang="ko-KR" altLang="en-US" sz="1000" dirty="0"/>
+                      <a:r>
+                        <a:rPr lang="en-US" altLang="ko-KR" sz="1000" dirty="0"/>
+                        <a:t>Open API </a:t>
+                      </a:r>
+                      <a:r>
+                        <a:rPr lang="ko-KR" altLang="en-US" sz="1000" dirty="0"/>
+                        <a:t>연동 후 메인 화면에서의 기능</a:t>
+                      </a:r>
+                      <a:r>
+                        <a:rPr lang="en-US" altLang="ko-KR" sz="1000" dirty="0"/>
+                        <a:t>, </a:t>
+                      </a:r>
+                      <a:r>
+                        <a:rPr lang="ko-KR" altLang="en-US" sz="1000" dirty="0"/>
+                        <a:t>검색 기능 구현</a:t>
+                      </a:r>
+                      <a:endParaRPr lang="en-US" altLang="ko-KR" sz="1000" dirty="0"/>
                     </a:p>
                   </a:txBody>
                   <a:tcPr/>
@@ -9374,6 +9409,14 @@
                         <a:rPr lang="ko-KR" altLang="en-US" sz="1000" dirty="0"/>
                         <a:t>데이터 시각화</a:t>
                       </a:r>
+                      <a:r>
+                        <a:rPr lang="en-US" altLang="ko-KR" sz="1000" dirty="0"/>
+                        <a:t>, </a:t>
+                      </a:r>
+                      <a:r>
+                        <a:rPr lang="ko-KR" altLang="en-US" sz="1000" dirty="0"/>
+                        <a:t>즐겨찾기 기능 구현</a:t>
+                      </a:r>
                     </a:p>
                   </a:txBody>
                   <a:tcPr/>
@@ -9403,6 +9446,14 @@
                       <a:r>
                         <a:rPr lang="ko-KR" altLang="en-US" sz="1000" dirty="0"/>
                         <a:t>이미지로 표현</a:t>
+                      </a:r>
+                      <a:endParaRPr lang="en-US" altLang="ko-KR" sz="1000" dirty="0"/>
+                    </a:p>
+                    <a:p>
+                      <a:pPr latinLnBrk="1"/>
+                      <a:r>
+                        <a:rPr lang="ko-KR" altLang="en-US" sz="1000" dirty="0"/>
+                        <a:t>즐겨찾기 기능 구현</a:t>
                       </a:r>
                     </a:p>
                   </a:txBody>
@@ -9457,12 +9508,33 @@
                       <a:pPr latinLnBrk="1"/>
                       <a:r>
                         <a:rPr lang="ko-KR" altLang="en-US" sz="1000" dirty="0" err="1"/>
-                        <a:t>텔레그램봇</a:t>
+                        <a:t>텔레그램</a:t>
                       </a:r>
                       <a:r>
                         <a:rPr lang="ko-KR" altLang="en-US" sz="1000" dirty="0"/>
-                        <a:t> 제작</a:t>
+                        <a:t> 채팅 봇</a:t>
                       </a:r>
+                      <a:r>
+                        <a:rPr lang="en-US" altLang="ko-KR" sz="1000" dirty="0"/>
+                        <a:t>, </a:t>
+                      </a:r>
+                      <a:r>
+                        <a:rPr lang="ko-KR" altLang="en-US" sz="1000" dirty="0"/>
+                        <a:t>갱신 기능</a:t>
+                      </a:r>
+                      <a:r>
+                        <a:rPr lang="en-US" altLang="ko-KR" sz="1000" dirty="0"/>
+                        <a:t> </a:t>
+                      </a:r>
+                      <a:r>
+                        <a:rPr lang="ko-KR" altLang="en-US" sz="1000" dirty="0"/>
+                        <a:t>구현</a:t>
+                      </a:r>
+                      <a:r>
+                        <a:rPr lang="en-US" altLang="ko-KR" sz="1000" dirty="0"/>
+                        <a:t> </a:t>
+                      </a:r>
+                      <a:endParaRPr lang="ko-KR" altLang="en-US" sz="1000" dirty="0"/>
                     </a:p>
                   </a:txBody>
                   <a:tcPr/>
@@ -9474,9 +9546,45 @@
                     <a:p>
                       <a:pPr latinLnBrk="1"/>
                       <a:r>
+                        <a:rPr lang="ko-KR" altLang="en-US" sz="1000" dirty="0" err="1"/>
+                        <a:t>챗</a:t>
+                      </a:r>
+                      <a:r>
                         <a:rPr lang="ko-KR" altLang="en-US" sz="1000" dirty="0"/>
-                        <a:t>채팅 구현 및 테스트</a:t>
+                        <a:t> 봇으로 지역 검색</a:t>
                       </a:r>
+                      <a:r>
+                        <a:rPr lang="en-US" altLang="ko-KR" sz="1000" dirty="0"/>
+                        <a:t>, </a:t>
+                      </a:r>
+                      <a:r>
+                        <a:rPr lang="ko-KR" altLang="en-US" sz="1000" dirty="0"/>
+                        <a:t>날씨 정보 </a:t>
+                      </a:r>
+                      <a:r>
+                        <a:rPr lang="ko-KR" altLang="en-US" sz="1000" dirty="0" err="1"/>
+                        <a:t>받아오기</a:t>
+                      </a:r>
+                      <a:r>
+                        <a:rPr lang="ko-KR" altLang="en-US" sz="1000" dirty="0"/>
+                        <a:t> 기능 구현</a:t>
+                      </a:r>
+                      <a:r>
+                        <a:rPr lang="en-US" altLang="ko-KR" sz="1000" dirty="0"/>
+                        <a:t>,</a:t>
+                      </a:r>
+                    </a:p>
+                    <a:p>
+                      <a:pPr latinLnBrk="1"/>
+                      <a:r>
+                        <a:rPr lang="ko-KR" altLang="en-US" sz="1000" dirty="0"/>
+                        <a:t>날씨 정보를 현 시간으로 갱신하는 기능 구현</a:t>
+                      </a:r>
+                      <a:r>
+                        <a:rPr lang="en-US" altLang="ko-KR" sz="1000" dirty="0"/>
+                        <a:t>.</a:t>
+                      </a:r>
+                      <a:endParaRPr lang="ko-KR" altLang="en-US" sz="1000" dirty="0"/>
                     </a:p>
                   </a:txBody>
                   <a:tcPr/>
@@ -9534,21 +9642,8 @@
                       </a:r>
                       <a:r>
                         <a:rPr lang="ko-KR" altLang="en-US" sz="1000" dirty="0"/>
-                        <a:t>자료구조 연동 </a:t>
+                        <a:t>자료구조 연동</a:t>
                       </a:r>
-                      <a:r>
-                        <a:rPr lang="en-US" altLang="ko-KR" sz="1000" dirty="0"/>
-                        <a:t>(</a:t>
-                      </a:r>
-                      <a:r>
-                        <a:rPr lang="ko-KR" altLang="en-US" sz="1000" dirty="0"/>
-                        <a:t>검색기능</a:t>
-                      </a:r>
-                      <a:r>
-                        <a:rPr lang="en-US" altLang="ko-KR" sz="1000" dirty="0"/>
-                        <a:t>)</a:t>
-                      </a:r>
-                      <a:endParaRPr lang="ko-KR" altLang="en-US" sz="1000" dirty="0"/>
                     </a:p>
                   </a:txBody>
                   <a:tcPr/>
@@ -9565,19 +9660,31 @@
                       </a:r>
                       <a:r>
                         <a:rPr lang="en-US" altLang="ko-KR" sz="1000" dirty="0"/>
+                        <a:t> </a:t>
+                      </a:r>
+                      <a:r>
+                        <a:rPr lang="ko-KR" altLang="en-US" sz="1000" dirty="0"/>
+                        <a:t>기능에서 화면에 출력되는 지역을 이름</a:t>
+                      </a:r>
+                      <a:r>
+                        <a:rPr lang="en-US" altLang="ko-KR" sz="1000" dirty="0"/>
                         <a:t>, </a:t>
                       </a:r>
                       <a:r>
                         <a:rPr lang="ko-KR" altLang="en-US" sz="1000" dirty="0"/>
-                        <a:t>정렬기능에 필요한 </a:t>
+                        <a:t>기온 등을 </a:t>
+                      </a:r>
+                      <a:endParaRPr lang="en-US" altLang="ko-KR" sz="1000" dirty="0"/>
+                    </a:p>
+                    <a:p>
+                      <a:pPr latinLnBrk="1"/>
+                      <a:r>
+                        <a:rPr lang="ko-KR" altLang="en-US" sz="1000" dirty="0"/>
+                        <a:t>기준으로 정렬하여 표시하기</a:t>
                       </a:r>
                       <a:r>
                         <a:rPr lang="en-US" altLang="ko-KR" sz="1000" dirty="0"/>
-                        <a:t>C++</a:t>
-                      </a:r>
-                      <a:r>
-                        <a:rPr lang="ko-KR" altLang="en-US" sz="1000" dirty="0"/>
-                        <a:t> 자료구조 연동</a:t>
+                        <a:t>.</a:t>
                       </a:r>
                     </a:p>
                   </a:txBody>
@@ -9632,7 +9739,7 @@
                       <a:pPr latinLnBrk="1"/>
                       <a:r>
                         <a:rPr lang="ko-KR" altLang="en-US" sz="1000" dirty="0"/>
-                        <a:t>기본 부족한 기능 추가</a:t>
+                        <a:t>미비점 보완 및 최종발표</a:t>
                       </a:r>
                     </a:p>
                   </a:txBody>
@@ -9646,23 +9753,7 @@
                       <a:pPr latinLnBrk="1"/>
                       <a:r>
                         <a:rPr lang="ko-KR" altLang="en-US" sz="1000" dirty="0"/>
-                        <a:t>미흡한 </a:t>
-                      </a:r>
-                      <a:r>
-                        <a:rPr lang="en-US" altLang="ko-KR" sz="1000" dirty="0"/>
-                        <a:t>UI </a:t>
-                      </a:r>
-                      <a:r>
-                        <a:rPr lang="ko-KR" altLang="en-US" sz="1000" dirty="0"/>
-                        <a:t>수정 및 </a:t>
-                      </a:r>
-                      <a:r>
-                        <a:rPr lang="ko-KR" altLang="en-US" sz="1000" dirty="0" err="1"/>
-                        <a:t>텔레그램봇</a:t>
-                      </a:r>
-                      <a:r>
-                        <a:rPr lang="ko-KR" altLang="en-US" sz="1000" dirty="0"/>
-                        <a:t> 테스트 마무리 작업</a:t>
+                        <a:t>이전 계획들 중 미비점 보완</a:t>
                       </a:r>
                     </a:p>
                   </a:txBody>
@@ -10344,13 +10435,13 @@
             </a:pPr>
             <a:r>
               <a:rPr lang="en-US" altLang="ko-KR" dirty="0"/>
-              <a:t>1) </a:t>
+              <a:t> </a:t>
             </a:r>
             <a:r>
-              <a:rPr lang="ko-KR" altLang="en-US" dirty="0"/>
+              <a:rPr lang="ko-KR" altLang="en-US" b="1" dirty="0"/>
               <a:t>메인 프레임</a:t>
             </a:r>
-            <a:endParaRPr lang="en-US" altLang="ko-KR" dirty="0"/>
+            <a:endParaRPr lang="en-US" altLang="ko-KR" b="1" dirty="0"/>
           </a:p>
           <a:p>
             <a:pPr marL="0" indent="0">
@@ -12532,8 +12623,8 @@
         </p:nvSpPr>
         <p:spPr>
           <a:xfrm>
-            <a:off x="4665380" y="2074666"/>
-            <a:ext cx="6026512" cy="1138513"/>
+            <a:off x="4659643" y="2007600"/>
+            <a:ext cx="6092267" cy="1278246"/>
           </a:xfrm>
           <a:prstGeom prst="rect">
             <a:avLst/>
@@ -12541,7 +12632,7 @@
         </p:spPr>
         <p:txBody>
           <a:bodyPr vert="horz" lIns="91440" tIns="45720" rIns="91440" bIns="45720" rtlCol="0">
-            <a:normAutofit fontScale="92500" lnSpcReduction="20000"/>
+            <a:noAutofit/>
           </a:bodyPr>
           <a:lstStyle>
             <a:lvl1pPr marL="91440" indent="-91440" algn="l" defTabSz="914400" rtl="0" eaLnBrk="1" latinLnBrk="1" hangingPunct="1">
@@ -12741,13 +12832,13 @@
             </a:pPr>
             <a:r>
               <a:rPr lang="en-US" altLang="ko-KR" dirty="0"/>
-              <a:t>2) </a:t>
+              <a:t> </a:t>
             </a:r>
             <a:r>
-              <a:rPr lang="ko-KR" altLang="en-US" dirty="0"/>
+              <a:rPr lang="ko-KR" altLang="en-US" b="1" dirty="0"/>
               <a:t>개황 프레임</a:t>
             </a:r>
-            <a:endParaRPr lang="en-US" altLang="ko-KR" dirty="0"/>
+            <a:endParaRPr lang="en-US" altLang="ko-KR" b="1" dirty="0"/>
           </a:p>
           <a:p>
             <a:pPr marL="0" indent="0">
@@ -12791,7 +12882,7 @@
         </p:nvSpPr>
         <p:spPr>
           <a:xfrm>
-            <a:off x="4665380" y="3423983"/>
+            <a:off x="4668692" y="3714214"/>
             <a:ext cx="6026512" cy="1138513"/>
           </a:xfrm>
           <a:prstGeom prst="rect">
@@ -13000,13 +13091,13 @@
             </a:pPr>
             <a:r>
               <a:rPr lang="en-US" altLang="ko-KR" dirty="0"/>
-              <a:t>3) </a:t>
+              <a:t> </a:t>
             </a:r>
             <a:r>
-              <a:rPr lang="ko-KR" altLang="en-US" dirty="0"/>
+              <a:rPr lang="ko-KR" altLang="en-US" b="1" dirty="0"/>
               <a:t>시간별 날씨 프레임</a:t>
             </a:r>
-            <a:endParaRPr lang="en-US" altLang="ko-KR" dirty="0"/>
+            <a:endParaRPr lang="en-US" altLang="ko-KR" b="1" dirty="0"/>
           </a:p>
           <a:p>
             <a:pPr marL="0" indent="0">
@@ -13092,7 +13183,7 @@
         </p:nvCxnSpPr>
         <p:spPr>
           <a:xfrm>
-            <a:off x="3354196" y="3624511"/>
+            <a:off x="3348917" y="3853515"/>
             <a:ext cx="1311184" cy="0"/>
           </a:xfrm>
           <a:prstGeom prst="straightConnector1">
@@ -13389,13 +13480,13 @@
             </a:pPr>
             <a:r>
               <a:rPr lang="en-US" altLang="ko-KR" dirty="0"/>
-              <a:t>4) </a:t>
+              <a:t> </a:t>
             </a:r>
             <a:r>
-              <a:rPr lang="ko-KR" altLang="en-US" dirty="0"/>
+              <a:rPr lang="ko-KR" altLang="en-US" b="1" dirty="0"/>
               <a:t>일별 날씨 프레임</a:t>
             </a:r>
-            <a:endParaRPr lang="en-US" altLang="ko-KR" dirty="0"/>
+            <a:endParaRPr lang="en-US" altLang="ko-KR" b="1" dirty="0"/>
           </a:p>
           <a:p>
             <a:pPr marL="0" indent="0">
@@ -15920,7 +16011,7 @@
           <a:p>
             <a:r>
               <a:rPr lang="en-US" altLang="ko-KR" sz="2400" dirty="0"/>
-              <a:t>5) </a:t>
+              <a:t> </a:t>
             </a:r>
             <a:r>
               <a:rPr lang="ko-KR" altLang="en-US" sz="2400" dirty="0"/>
@@ -15932,7 +16023,15 @@
             </a:r>
             <a:r>
               <a:rPr lang="ko-KR" altLang="en-US" sz="2400" dirty="0"/>
-              <a:t>프레임 스크롤을 이용해 화면에 표시</a:t>
+              <a:t>프레임 </a:t>
+            </a:r>
+            <a:r>
+              <a:rPr lang="ko-KR" altLang="en-US" sz="2400" b="1" dirty="0"/>
+              <a:t>스크롤</a:t>
+            </a:r>
+            <a:r>
+              <a:rPr lang="ko-KR" altLang="en-US" sz="2400" dirty="0"/>
+              <a:t>을 이용해 화면에 표시</a:t>
             </a:r>
             <a:endParaRPr lang="en-US" altLang="ko-KR" sz="2400" dirty="0"/>
           </a:p>
@@ -15967,22 +16066,22 @@
           <a:p>
             <a:r>
               <a:rPr lang="en-US" altLang="ko-KR" sz="2400" dirty="0"/>
-              <a:t>6) </a:t>
+              <a:t> </a:t>
             </a:r>
             <a:r>
-              <a:rPr lang="ko-KR" altLang="en-US" sz="2400" dirty="0"/>
-              <a:t>미세먼지 지수 프레임</a:t>
+              <a:rPr lang="ko-KR" altLang="en-US" sz="2400" b="1" dirty="0"/>
+              <a:t>공기청정 지수 프레임</a:t>
             </a:r>
-            <a:endParaRPr lang="en-US" altLang="ko-KR" sz="2400" dirty="0"/>
+            <a:endParaRPr lang="en-US" altLang="ko-KR" sz="2400" b="1" dirty="0"/>
           </a:p>
           <a:p>
             <a:r>
               <a:rPr lang="ko-KR" altLang="en-US" sz="2400" dirty="0"/>
-              <a:t>일별 미세먼지 지수를 막대 그래프로 표시</a:t>
+              <a:t>일별 공기청정 지수를 막대 그래프로 표시</a:t>
             </a:r>
             <a:r>
               <a:rPr lang="en-US" altLang="ko-KR" sz="2400" dirty="0"/>
-              <a:t>. </a:t>
+              <a:t> </a:t>
             </a:r>
           </a:p>
         </p:txBody>
@@ -17706,8 +17805,8 @@
         </p:nvSpPr>
         <p:spPr>
           <a:xfrm>
-            <a:off x="3990710" y="4001442"/>
-            <a:ext cx="2777841" cy="461665"/>
+            <a:off x="4081676" y="4001442"/>
+            <a:ext cx="2562490" cy="461665"/>
           </a:xfrm>
           <a:prstGeom prst="rect">
             <a:avLst/>
@@ -17727,7 +17826,7 @@
           <a:p>
             <a:r>
               <a:rPr lang="en-US" altLang="ko-KR" sz="2400" dirty="0"/>
-              <a:t>2) </a:t>
+              <a:t> </a:t>
             </a:r>
             <a:r>
               <a:rPr lang="ko-KR" altLang="en-US" sz="2400" dirty="0"/>
@@ -17750,8 +17849,8 @@
         </p:nvSpPr>
         <p:spPr>
           <a:xfrm>
-            <a:off x="781164" y="1863679"/>
-            <a:ext cx="6682799" cy="1200329"/>
+            <a:off x="1048519" y="1863679"/>
+            <a:ext cx="6396253" cy="1200329"/>
           </a:xfrm>
           <a:prstGeom prst="rect">
             <a:avLst/>
@@ -17769,9 +17868,6 @@
           </a:bodyPr>
           <a:lstStyle/>
           <a:p>
-            <a:pPr marL="457200" indent="-457200">
-              <a:buAutoNum type="arabicParenR"/>
-            </a:pPr>
             <a:r>
               <a:rPr lang="en-US" altLang="ko-KR" sz="2400" dirty="0"/>
               <a:t>Entry</a:t>
@@ -17795,10 +17891,6 @@
             <a:endParaRPr lang="en-US" altLang="ko-KR" sz="2400" dirty="0"/>
           </a:p>
           <a:p>
-            <a:r>
-              <a:rPr lang="en-US" altLang="ko-KR" sz="2400" dirty="0"/>
-              <a:t>	</a:t>
-            </a:r>
             <a:r>
               <a:rPr lang="ko-KR" altLang="en-US" sz="2400" dirty="0"/>
               <a:t>검색 시 홈 화면으로 복귀하여 </a:t>
